--- a/PPT FWD TNSDC 2025.pptx
+++ b/PPT FWD TNSDC 2025.pptx
@@ -1,32 +1,33 @@
 
 <file path=ppt/presentation.xml><?xml version="1.0" encoding="utf-8"?>
-<p:presentation xmlns:a="http://schemas.openxmlformats.org/drawingml/2006/main" xmlns:r="http://schemas.openxmlformats.org/officeDocument/2006/relationships" xmlns:p="http://schemas.openxmlformats.org/presentationml/2006/main">
+<p:presentation xmlns:p="http://schemas.openxmlformats.org/presentationml/2006/main" xmlns:r="http://schemas.openxmlformats.org/officeDocument/2006/relationships" xmlns:a="http://schemas.openxmlformats.org/drawingml/2006/main">
   <p:sldMasterIdLst>
     <p:sldMasterId id="2147483648" r:id="rId1"/>
   </p:sldMasterIdLst>
   <p:notesMasterIdLst>
-    <p:notesMasterId r:id="rId13"/>
+    <p:notesMasterId r:id="rId2"/>
   </p:notesMasterIdLst>
   <p:sldIdLst>
-    <p:sldId id="256" r:id="rId2"/>
     <p:sldId id="257" r:id="rId3"/>
     <p:sldId id="258" r:id="rId4"/>
     <p:sldId id="259" r:id="rId5"/>
     <p:sldId id="260" r:id="rId6"/>
     <p:sldId id="261" r:id="rId7"/>
     <p:sldId id="262" r:id="rId8"/>
-    <p:sldId id="264" r:id="rId9"/>
-    <p:sldId id="269" r:id="rId10"/>
-    <p:sldId id="263" r:id="rId11"/>
-    <p:sldId id="265" r:id="rId12"/>
+    <p:sldId id="263" r:id="rId9"/>
+    <p:sldId id="264" r:id="rId10"/>
+    <p:sldId id="265" r:id="rId11"/>
+    <p:sldId id="266" r:id="rId12"/>
+    <p:sldId id="268" r:id="rId13"/>
+    <p:sldId id="269" r:id="rId14"/>
   </p:sldIdLst>
-  <p:sldSz cx="12192000" cy="6858000"/>
+  <p:sldSz type="screen16x9" cy="6858000" cx="12192000"/>
   <p:notesSz cx="12192000" cy="6858000"/>
   <p:defaultTextStyle>
     <a:defPPr>
       <a:defRPr lang="en-US"/>
     </a:defPPr>
-    <a:lvl1pPr marL="0" algn="l" defTabSz="914400" rtl="0" eaLnBrk="1" latinLnBrk="0" hangingPunct="1">
+    <a:lvl1pPr algn="l" defTabSz="914400" eaLnBrk="1" hangingPunct="1" latinLnBrk="0" marL="0" rtl="0">
       <a:defRPr sz="1800" kern="1200">
         <a:solidFill>
           <a:schemeClr val="tx1"/>
@@ -36,7 +37,7 @@
         <a:cs typeface="+mn-cs"/>
       </a:defRPr>
     </a:lvl1pPr>
-    <a:lvl2pPr marL="457200" algn="l" defTabSz="914400" rtl="0" eaLnBrk="1" latinLnBrk="0" hangingPunct="1">
+    <a:lvl2pPr algn="l" defTabSz="914400" eaLnBrk="1" hangingPunct="1" latinLnBrk="0" marL="457200" rtl="0">
       <a:defRPr sz="1800" kern="1200">
         <a:solidFill>
           <a:schemeClr val="tx1"/>
@@ -46,7 +47,7 @@
         <a:cs typeface="+mn-cs"/>
       </a:defRPr>
     </a:lvl2pPr>
-    <a:lvl3pPr marL="914400" algn="l" defTabSz="914400" rtl="0" eaLnBrk="1" latinLnBrk="0" hangingPunct="1">
+    <a:lvl3pPr algn="l" defTabSz="914400" eaLnBrk="1" hangingPunct="1" latinLnBrk="0" marL="914400" rtl="0">
       <a:defRPr sz="1800" kern="1200">
         <a:solidFill>
           <a:schemeClr val="tx1"/>
@@ -56,7 +57,7 @@
         <a:cs typeface="+mn-cs"/>
       </a:defRPr>
     </a:lvl3pPr>
-    <a:lvl4pPr marL="1371600" algn="l" defTabSz="914400" rtl="0" eaLnBrk="1" latinLnBrk="0" hangingPunct="1">
+    <a:lvl4pPr algn="l" defTabSz="914400" eaLnBrk="1" hangingPunct="1" latinLnBrk="0" marL="1371600" rtl="0">
       <a:defRPr sz="1800" kern="1200">
         <a:solidFill>
           <a:schemeClr val="tx1"/>
@@ -66,7 +67,7 @@
         <a:cs typeface="+mn-cs"/>
       </a:defRPr>
     </a:lvl4pPr>
-    <a:lvl5pPr marL="1828800" algn="l" defTabSz="914400" rtl="0" eaLnBrk="1" latinLnBrk="0" hangingPunct="1">
+    <a:lvl5pPr algn="l" defTabSz="914400" eaLnBrk="1" hangingPunct="1" latinLnBrk="0" marL="1828800" rtl="0">
       <a:defRPr sz="1800" kern="1200">
         <a:solidFill>
           <a:schemeClr val="tx1"/>
@@ -76,7 +77,7 @@
         <a:cs typeface="+mn-cs"/>
       </a:defRPr>
     </a:lvl5pPr>
-    <a:lvl6pPr marL="2286000" algn="l" defTabSz="914400" rtl="0" eaLnBrk="1" latinLnBrk="0" hangingPunct="1">
+    <a:lvl6pPr algn="l" defTabSz="914400" eaLnBrk="1" hangingPunct="1" latinLnBrk="0" marL="2286000" rtl="0">
       <a:defRPr sz="1800" kern="1200">
         <a:solidFill>
           <a:schemeClr val="tx1"/>
@@ -86,7 +87,7 @@
         <a:cs typeface="+mn-cs"/>
       </a:defRPr>
     </a:lvl6pPr>
-    <a:lvl7pPr marL="2743200" algn="l" defTabSz="914400" rtl="0" eaLnBrk="1" latinLnBrk="0" hangingPunct="1">
+    <a:lvl7pPr algn="l" defTabSz="914400" eaLnBrk="1" hangingPunct="1" latinLnBrk="0" marL="2743200" rtl="0">
       <a:defRPr sz="1800" kern="1200">
         <a:solidFill>
           <a:schemeClr val="tx1"/>
@@ -96,7 +97,7 @@
         <a:cs typeface="+mn-cs"/>
       </a:defRPr>
     </a:lvl7pPr>
-    <a:lvl8pPr marL="3200400" algn="l" defTabSz="914400" rtl="0" eaLnBrk="1" latinLnBrk="0" hangingPunct="1">
+    <a:lvl8pPr algn="l" defTabSz="914400" eaLnBrk="1" hangingPunct="1" latinLnBrk="0" marL="3200400" rtl="0">
       <a:defRPr sz="1800" kern="1200">
         <a:solidFill>
           <a:schemeClr val="tx1"/>
@@ -106,7 +107,7 @@
         <a:cs typeface="+mn-cs"/>
       </a:defRPr>
     </a:lvl8pPr>
-    <a:lvl9pPr marL="3657600" algn="l" defTabSz="914400" rtl="0" eaLnBrk="1" latinLnBrk="0" hangingPunct="1">
+    <a:lvl9pPr algn="l" defTabSz="914400" eaLnBrk="1" hangingPunct="1" latinLnBrk="0" marL="3657600" rtl="0">
       <a:defRPr sz="1800" kern="1200">
         <a:solidFill>
           <a:schemeClr val="tx1"/>
@@ -117,22 +118,6 @@
       </a:defRPr>
     </a:lvl9pPr>
   </p:defaultTextStyle>
-  <p:extLst>
-    <p:ext uri="{EFAFB233-063F-42B5-8137-9DF3F51BA10A}">
-      <p15:sldGuideLst xmlns:p15="http://schemas.microsoft.com/office/powerpoint/2012/main">
-        <p15:guide id="1" orient="horz" pos="2880">
-          <p15:clr>
-            <a:srgbClr val="A4A3A4"/>
-          </p15:clr>
-        </p15:guide>
-        <p15:guide id="2" pos="2160">
-          <p15:clr>
-            <a:srgbClr val="A4A3A4"/>
-          </p15:clr>
-        </p15:guide>
-      </p15:sldGuideLst>
-    </p:ext>
-  </p:extLst>
 </p:presentation>
 </file>
 
@@ -146,7 +131,7 @@
     </p:bg>
     <p:spTree>
       <p:nvGrpSpPr>
-        <p:cNvPr id="1" name=""/>
+        <p:cNvPr id="43" name=""/>
         <p:cNvGrpSpPr/>
         <p:nvPr/>
       </p:nvGrpSpPr>
@@ -160,7 +145,7 @@
       </p:grpSpPr>
       <p:sp>
         <p:nvSpPr>
-          <p:cNvPr id="2" name="Header Placeholder 1"/>
+          <p:cNvPr id="1048692" name="Header Placeholder 1"/>
           <p:cNvSpPr>
             <a:spLocks noGrp="1"/>
           </p:cNvSpPr>
@@ -173,12 +158,10 @@
             <a:off x="0" y="0"/>
             <a:ext cx="5283200" cy="344488"/>
           </a:xfrm>
-          <a:prstGeom prst="rect">
-            <a:avLst/>
-          </a:prstGeom>
-        </p:spPr>
-        <p:txBody>
-          <a:bodyPr vert="horz" lIns="91440" tIns="45720" rIns="91440" bIns="45720" rtlCol="0"/>
+          <a:prstGeom prst="rect"/>
+        </p:spPr>
+        <p:txBody>
+          <a:bodyPr bIns="45720" lIns="91440" rIns="91440" rtlCol="0" tIns="45720" vert="horz"/>
           <a:lstStyle>
             <a:lvl1pPr algn="l">
               <a:defRPr sz="1200"/>
@@ -191,7 +174,7 @@
       </p:sp>
       <p:sp>
         <p:nvSpPr>
-          <p:cNvPr id="3" name="Date Placeholder 2"/>
+          <p:cNvPr id="1048693" name="Date Placeholder 2"/>
           <p:cNvSpPr>
             <a:spLocks noGrp="1"/>
           </p:cNvSpPr>
@@ -204,12 +187,10 @@
             <a:off x="6905625" y="0"/>
             <a:ext cx="5283200" cy="344488"/>
           </a:xfrm>
-          <a:prstGeom prst="rect">
-            <a:avLst/>
-          </a:prstGeom>
-        </p:spPr>
-        <p:txBody>
-          <a:bodyPr vert="horz" lIns="91440" tIns="45720" rIns="91440" bIns="45720" rtlCol="0"/>
+          <a:prstGeom prst="rect"/>
+        </p:spPr>
+        <p:txBody>
+          <a:bodyPr bIns="45720" lIns="91440" rIns="91440" rtlCol="0" tIns="45720" vert="horz"/>
           <a:lstStyle>
             <a:lvl1pPr algn="r">
               <a:defRPr sz="1200"/>
@@ -226,9 +207,9 @@
       </p:sp>
       <p:sp>
         <p:nvSpPr>
-          <p:cNvPr id="4" name="Slide Image Placeholder 3"/>
+          <p:cNvPr id="1048694" name="Slide Image Placeholder 3"/>
           <p:cNvSpPr>
-            <a:spLocks noGrp="1" noRot="1" noChangeAspect="1"/>
+            <a:spLocks noChangeAspect="1" noRot="1" noGrp="1"/>
           </p:cNvSpPr>
           <p:nvPr>
             <p:ph type="sldImg" idx="2"/>
@@ -239,9 +220,7 @@
             <a:off x="4038600" y="857250"/>
             <a:ext cx="4114800" cy="2314575"/>
           </a:xfrm>
-          <a:prstGeom prst="rect">
-            <a:avLst/>
-          </a:prstGeom>
+          <a:prstGeom prst="rect"/>
           <a:noFill/>
           <a:ln w="12700">
             <a:solidFill>
@@ -250,8 +229,7 @@
           </a:ln>
         </p:spPr>
         <p:txBody>
-          <a:bodyPr vert="horz" lIns="91440" tIns="45720" rIns="91440" bIns="45720" rtlCol="0" anchor="ctr"/>
-          <a:lstStyle/>
+          <a:bodyPr anchor="ctr" bIns="45720" lIns="91440" rIns="91440" rtlCol="0" tIns="45720" vert="horz"/>
           <a:p>
             <a:endParaRPr lang="en-IN"/>
           </a:p>
@@ -259,7 +237,7 @@
       </p:sp>
       <p:sp>
         <p:nvSpPr>
-          <p:cNvPr id="5" name="Notes Placeholder 4"/>
+          <p:cNvPr id="1048695" name="Notes Placeholder 4"/>
           <p:cNvSpPr>
             <a:spLocks noGrp="1"/>
           </p:cNvSpPr>
@@ -272,13 +250,10 @@
             <a:off x="1219200" y="3300413"/>
             <a:ext cx="9753600" cy="2700337"/>
           </a:xfrm>
-          <a:prstGeom prst="rect">
-            <a:avLst/>
-          </a:prstGeom>
-        </p:spPr>
-        <p:txBody>
-          <a:bodyPr vert="horz" lIns="91440" tIns="45720" rIns="91440" bIns="45720" rtlCol="0"/>
-          <a:lstStyle/>
+          <a:prstGeom prst="rect"/>
+        </p:spPr>
+        <p:txBody>
+          <a:bodyPr bIns="45720" lIns="91440" rIns="91440" rtlCol="0" tIns="45720" vert="horz"/>
           <a:p>
             <a:pPr lvl="0"/>
             <a:r>
@@ -319,7 +294,7 @@
       </p:sp>
       <p:sp>
         <p:nvSpPr>
-          <p:cNvPr id="6" name="Footer Placeholder 5"/>
+          <p:cNvPr id="1048696" name="Footer Placeholder 5"/>
           <p:cNvSpPr>
             <a:spLocks noGrp="1"/>
           </p:cNvSpPr>
@@ -332,12 +307,10 @@
             <a:off x="0" y="6513513"/>
             <a:ext cx="5283200" cy="344487"/>
           </a:xfrm>
-          <a:prstGeom prst="rect">
-            <a:avLst/>
-          </a:prstGeom>
-        </p:spPr>
-        <p:txBody>
-          <a:bodyPr vert="horz" lIns="91440" tIns="45720" rIns="91440" bIns="45720" rtlCol="0" anchor="b"/>
+          <a:prstGeom prst="rect"/>
+        </p:spPr>
+        <p:txBody>
+          <a:bodyPr anchor="b" bIns="45720" lIns="91440" rIns="91440" rtlCol="0" tIns="45720" vert="horz"/>
           <a:lstStyle>
             <a:lvl1pPr algn="l">
               <a:defRPr sz="1200"/>
@@ -350,7 +323,7 @@
       </p:sp>
       <p:sp>
         <p:nvSpPr>
-          <p:cNvPr id="7" name="Slide Number Placeholder 6"/>
+          <p:cNvPr id="1048697" name="Slide Number Placeholder 6"/>
           <p:cNvSpPr>
             <a:spLocks noGrp="1"/>
           </p:cNvSpPr>
@@ -363,12 +336,10 @@
             <a:off x="6905625" y="6513513"/>
             <a:ext cx="5283200" cy="344487"/>
           </a:xfrm>
-          <a:prstGeom prst="rect">
-            <a:avLst/>
-          </a:prstGeom>
-        </p:spPr>
-        <p:txBody>
-          <a:bodyPr vert="horz" lIns="91440" tIns="45720" rIns="91440" bIns="45720" rtlCol="0" anchor="b"/>
+          <a:prstGeom prst="rect"/>
+        </p:spPr>
+        <p:txBody>
+          <a:bodyPr anchor="b" bIns="45720" lIns="91440" rIns="91440" rtlCol="0" tIns="45720" vert="horz"/>
           <a:lstStyle>
             <a:lvl1pPr algn="r">
               <a:defRPr sz="1200"/>
@@ -384,15 +355,10 @@
         </p:txBody>
       </p:sp>
     </p:spTree>
-    <p:extLst>
-      <p:ext uri="{BB962C8B-B14F-4D97-AF65-F5344CB8AC3E}">
-        <p14:creationId xmlns:p14="http://schemas.microsoft.com/office/powerpoint/2010/main" val="2918557904"/>
-      </p:ext>
-    </p:extLst>
   </p:cSld>
-  <p:clrMap bg1="lt1" tx1="dk1" bg2="lt2" tx2="dk2" accent1="accent1" accent2="accent2" accent3="accent3" accent4="accent4" accent5="accent5" accent6="accent6" hlink="hlink" folHlink="folHlink"/>
+  <p:clrMap accent1="accent1" accent2="accent2" accent3="accent3" accent4="accent4" accent5="accent5" accent6="accent6" bg1="lt1" bg2="lt2" tx1="dk1" tx2="dk2" hlink="hlink" folHlink="folHlink"/>
   <p:notesStyle>
-    <a:lvl1pPr marL="0" algn="l" defTabSz="914400" rtl="0" eaLnBrk="1" latinLnBrk="0" hangingPunct="1">
+    <a:lvl1pPr algn="l" defTabSz="914400" eaLnBrk="1" hangingPunct="1" latinLnBrk="0" marL="0" rtl="0">
       <a:defRPr sz="1200" kern="1200">
         <a:solidFill>
           <a:schemeClr val="tx1"/>
@@ -402,7 +368,7 @@
         <a:cs typeface="+mn-cs"/>
       </a:defRPr>
     </a:lvl1pPr>
-    <a:lvl2pPr marL="457200" algn="l" defTabSz="914400" rtl="0" eaLnBrk="1" latinLnBrk="0" hangingPunct="1">
+    <a:lvl2pPr algn="l" defTabSz="914400" eaLnBrk="1" hangingPunct="1" latinLnBrk="0" marL="457200" rtl="0">
       <a:defRPr sz="1200" kern="1200">
         <a:solidFill>
           <a:schemeClr val="tx1"/>
@@ -412,7 +378,7 @@
         <a:cs typeface="+mn-cs"/>
       </a:defRPr>
     </a:lvl2pPr>
-    <a:lvl3pPr marL="914400" algn="l" defTabSz="914400" rtl="0" eaLnBrk="1" latinLnBrk="0" hangingPunct="1">
+    <a:lvl3pPr algn="l" defTabSz="914400" eaLnBrk="1" hangingPunct="1" latinLnBrk="0" marL="914400" rtl="0">
       <a:defRPr sz="1200" kern="1200">
         <a:solidFill>
           <a:schemeClr val="tx1"/>
@@ -422,7 +388,7 @@
         <a:cs typeface="+mn-cs"/>
       </a:defRPr>
     </a:lvl3pPr>
-    <a:lvl4pPr marL="1371600" algn="l" defTabSz="914400" rtl="0" eaLnBrk="1" latinLnBrk="0" hangingPunct="1">
+    <a:lvl4pPr algn="l" defTabSz="914400" eaLnBrk="1" hangingPunct="1" latinLnBrk="0" marL="1371600" rtl="0">
       <a:defRPr sz="1200" kern="1200">
         <a:solidFill>
           <a:schemeClr val="tx1"/>
@@ -432,7 +398,7 @@
         <a:cs typeface="+mn-cs"/>
       </a:defRPr>
     </a:lvl4pPr>
-    <a:lvl5pPr marL="1828800" algn="l" defTabSz="914400" rtl="0" eaLnBrk="1" latinLnBrk="0" hangingPunct="1">
+    <a:lvl5pPr algn="l" defTabSz="914400" eaLnBrk="1" hangingPunct="1" latinLnBrk="0" marL="1828800" rtl="0">
       <a:defRPr sz="1200" kern="1200">
         <a:solidFill>
           <a:schemeClr val="tx1"/>
@@ -442,7 +408,7 @@
         <a:cs typeface="+mn-cs"/>
       </a:defRPr>
     </a:lvl5pPr>
-    <a:lvl6pPr marL="2286000" algn="l" defTabSz="914400" rtl="0" eaLnBrk="1" latinLnBrk="0" hangingPunct="1">
+    <a:lvl6pPr algn="l" defTabSz="914400" eaLnBrk="1" hangingPunct="1" latinLnBrk="0" marL="2286000" rtl="0">
       <a:defRPr sz="1200" kern="1200">
         <a:solidFill>
           <a:schemeClr val="tx1"/>
@@ -452,7 +418,7 @@
         <a:cs typeface="+mn-cs"/>
       </a:defRPr>
     </a:lvl6pPr>
-    <a:lvl7pPr marL="2743200" algn="l" defTabSz="914400" rtl="0" eaLnBrk="1" latinLnBrk="0" hangingPunct="1">
+    <a:lvl7pPr algn="l" defTabSz="914400" eaLnBrk="1" hangingPunct="1" latinLnBrk="0" marL="2743200" rtl="0">
       <a:defRPr sz="1200" kern="1200">
         <a:solidFill>
           <a:schemeClr val="tx1"/>
@@ -462,7 +428,7 @@
         <a:cs typeface="+mn-cs"/>
       </a:defRPr>
     </a:lvl7pPr>
-    <a:lvl8pPr marL="3200400" algn="l" defTabSz="914400" rtl="0" eaLnBrk="1" latinLnBrk="0" hangingPunct="1">
+    <a:lvl8pPr algn="l" defTabSz="914400" eaLnBrk="1" hangingPunct="1" latinLnBrk="0" marL="3200400" rtl="0">
       <a:defRPr sz="1200" kern="1200">
         <a:solidFill>
           <a:schemeClr val="tx1"/>
@@ -472,7 +438,7 @@
         <a:cs typeface="+mn-cs"/>
       </a:defRPr>
     </a:lvl8pPr>
-    <a:lvl9pPr marL="3657600" algn="l" defTabSz="914400" rtl="0" eaLnBrk="1" latinLnBrk="0" hangingPunct="1">
+    <a:lvl9pPr algn="l" defTabSz="914400" eaLnBrk="1" hangingPunct="1" latinLnBrk="0" marL="3657600" rtl="0">
       <a:defRPr sz="1200" kern="1200">
         <a:solidFill>
           <a:schemeClr val="tx1"/>
@@ -491,7 +457,7 @@
   <p:cSld>
     <p:spTree>
       <p:nvGrpSpPr>
-        <p:cNvPr id="1" name=""/>
+        <p:cNvPr id="22" name=""/>
         <p:cNvGrpSpPr/>
         <p:nvPr/>
       </p:nvGrpSpPr>
@@ -505,9 +471,9 @@
       </p:grpSpPr>
       <p:sp>
         <p:nvSpPr>
-          <p:cNvPr id="2" name="Slide Image Placeholder 1"/>
+          <p:cNvPr id="1048603" name="Slide Image Placeholder 1"/>
           <p:cNvSpPr>
-            <a:spLocks noGrp="1" noRot="1" noChangeAspect="1"/>
+            <a:spLocks noChangeAspect="1" noRot="1" noGrp="1"/>
           </p:cNvSpPr>
           <p:nvPr>
             <p:ph type="sldImg"/>
@@ -517,7 +483,7 @@
       </p:sp>
       <p:sp>
         <p:nvSpPr>
-          <p:cNvPr id="3" name="Notes Placeholder 2"/>
+          <p:cNvPr id="1048604" name="Notes Placeholder 2"/>
           <p:cNvSpPr>
             <a:spLocks noGrp="1"/>
           </p:cNvSpPr>
@@ -528,15 +494,14 @@
         <p:spPr/>
         <p:txBody>
           <a:bodyPr/>
-          <a:lstStyle/>
           <a:p>
-            <a:endParaRPr lang="en-IN" dirty="0"/>
+            <a:endParaRPr dirty="0" lang="en-IN"/>
           </a:p>
         </p:txBody>
       </p:sp>
       <p:sp>
         <p:nvSpPr>
-          <p:cNvPr id="4" name="Slide Number Placeholder 3"/>
+          <p:cNvPr id="1048605" name="Slide Number Placeholder 3"/>
           <p:cNvSpPr>
             <a:spLocks noGrp="1"/>
           </p:cNvSpPr>
@@ -547,7 +512,6 @@
         <p:spPr/>
         <p:txBody>
           <a:bodyPr/>
-          <a:lstStyle/>
           <a:p>
             <a:fld id="{F7F439ED-1E90-4106-847A-8EF19031FE2F}" type="slidenum">
               <a:rPr lang="en-IN" smtClean="0"/>
@@ -558,11 +522,6 @@
         </p:txBody>
       </p:sp>
     </p:spTree>
-    <p:extLst>
-      <p:ext uri="{BB962C8B-B14F-4D97-AF65-F5344CB8AC3E}">
-        <p14:creationId xmlns:p14="http://schemas.microsoft.com/office/powerpoint/2010/main" val="404353501"/>
-      </p:ext>
-    </p:extLst>
   </p:cSld>
   <p:clrMapOvr>
     <a:masterClrMapping/>
@@ -571,11 +530,11 @@
 </file>
 
 <file path=ppt/slideLayouts/slideLayout1.xml><?xml version="1.0" encoding="utf-8"?>
-<p:sldLayout xmlns:a="http://schemas.openxmlformats.org/drawingml/2006/main" xmlns:r="http://schemas.openxmlformats.org/officeDocument/2006/relationships" xmlns:p="http://schemas.openxmlformats.org/presentationml/2006/main" type="obj" preserve="1">
+<p:sldLayout xmlns:a="http://schemas.openxmlformats.org/drawingml/2006/main" xmlns:r="http://schemas.openxmlformats.org/officeDocument/2006/relationships" xmlns:p="http://schemas.openxmlformats.org/presentationml/2006/main" preserve="1" type="obj">
   <p:cSld name="Title Slide">
     <p:spTree>
       <p:nvGrpSpPr>
-        <p:cNvPr id="1" name=""/>
+        <p:cNvPr id="18" name=""/>
         <p:cNvGrpSpPr/>
         <p:nvPr/>
       </p:nvGrpSpPr>
@@ -589,7 +548,7 @@
       </p:grpSpPr>
       <p:sp>
         <p:nvSpPr>
-          <p:cNvPr id="2" name="Holder 2"/>
+          <p:cNvPr id="1048591" name="Holder 2"/>
           <p:cNvSpPr>
             <a:spLocks noGrp="1"/>
           </p:cNvSpPr>
@@ -600,19 +559,17 @@
         <p:spPr>
           <a:xfrm>
             <a:off x="3195574" y="2067305"/>
-            <a:ext cx="5800851" cy="518160"/>
-          </a:xfrm>
-          <a:prstGeom prst="rect">
-            <a:avLst/>
-          </a:prstGeom>
-        </p:spPr>
-        <p:txBody>
-          <a:bodyPr wrap="square" lIns="0" tIns="0" rIns="0" bIns="0">
+            <a:ext cx="5800851" cy="482600"/>
+          </a:xfrm>
+          <a:prstGeom prst="rect"/>
+        </p:spPr>
+        <p:txBody>
+          <a:bodyPr bIns="0" lIns="0" rIns="0" tIns="0" wrap="square">
             <a:spAutoFit/>
           </a:bodyPr>
           <a:lstStyle>
             <a:lvl1pPr>
-              <a:defRPr sz="3200" b="0" i="0">
+              <a:defRPr b="0" sz="3200" i="0">
                 <a:solidFill>
                   <a:schemeClr val="tx1"/>
                 </a:solidFill>
@@ -621,14 +578,12 @@
               </a:defRPr>
             </a:lvl1pPr>
           </a:lstStyle>
-          <a:p>
-            <a:endParaRPr/>
-          </a:p>
-        </p:txBody>
-      </p:sp>
-      <p:sp>
-        <p:nvSpPr>
-          <p:cNvPr id="3" name="Holder 3"/>
+          <a:p/>
+        </p:txBody>
+      </p:sp>
+      <p:sp>
+        <p:nvSpPr>
+          <p:cNvPr id="1048592" name="Holder 3"/>
           <p:cNvSpPr>
             <a:spLocks noGrp="1"/>
           </p:cNvSpPr>
@@ -639,29 +594,20 @@
         <p:spPr>
           <a:xfrm>
             <a:off x="1828800" y="3840480"/>
-            <a:ext cx="8534400" cy="1714500"/>
-          </a:xfrm>
-          <a:prstGeom prst="rect">
-            <a:avLst/>
-          </a:prstGeom>
-        </p:spPr>
-        <p:txBody>
-          <a:bodyPr wrap="square" lIns="0" tIns="0" rIns="0" bIns="0">
+            <a:ext cx="8534400" cy="266700"/>
+          </a:xfrm>
+          <a:prstGeom prst="rect"/>
+        </p:spPr>
+        <p:txBody>
+          <a:bodyPr bIns="0" lIns="0" rIns="0" tIns="0" wrap="square">
             <a:spAutoFit/>
           </a:bodyPr>
-          <a:lstStyle>
-            <a:lvl1pPr>
-              <a:defRPr/>
-            </a:lvl1pPr>
-          </a:lstStyle>
-          <a:p>
-            <a:endParaRPr/>
-          </a:p>
-        </p:txBody>
-      </p:sp>
-      <p:sp>
-        <p:nvSpPr>
-          <p:cNvPr id="4" name="Holder 4"/>
+          <a:p/>
+        </p:txBody>
+      </p:sp>
+      <p:sp>
+        <p:nvSpPr>
+          <p:cNvPr id="1048593" name="Holder 4"/>
           <p:cNvSpPr>
             <a:spLocks noGrp="1"/>
           </p:cNvSpPr>
@@ -671,7 +617,7 @@
         </p:nvSpPr>
         <p:spPr/>
         <p:txBody>
-          <a:bodyPr lIns="0" tIns="0" rIns="0" bIns="0"/>
+          <a:bodyPr bIns="0" lIns="0" rIns="0" tIns="0"/>
           <a:lstStyle>
             <a:lvl1pPr algn="ctr">
               <a:defRPr>
@@ -683,14 +629,12 @@
               </a:defRPr>
             </a:lvl1pPr>
           </a:lstStyle>
-          <a:p>
-            <a:endParaRPr/>
-          </a:p>
-        </p:txBody>
-      </p:sp>
-      <p:sp>
-        <p:nvSpPr>
-          <p:cNvPr id="5" name="Holder 5"/>
+          <a:p/>
+        </p:txBody>
+      </p:sp>
+      <p:sp>
+        <p:nvSpPr>
+          <p:cNvPr id="1048594" name="Holder 5"/>
           <p:cNvSpPr>
             <a:spLocks noGrp="1"/>
           </p:cNvSpPr>
@@ -700,7 +644,7 @@
         </p:nvSpPr>
         <p:spPr/>
         <p:txBody>
-          <a:bodyPr lIns="0" tIns="0" rIns="0" bIns="0"/>
+          <a:bodyPr bIns="0" lIns="0" rIns="0" tIns="0"/>
           <a:lstStyle>
             <a:lvl1pPr algn="l">
               <a:defRPr>
@@ -723,7 +667,7 @@
       </p:sp>
       <p:sp>
         <p:nvSpPr>
-          <p:cNvPr id="6" name="Holder 6"/>
+          <p:cNvPr id="1048595" name="Holder 6"/>
           <p:cNvSpPr>
             <a:spLocks noGrp="1"/>
           </p:cNvSpPr>
@@ -733,10 +677,10 @@
         </p:nvSpPr>
         <p:spPr/>
         <p:txBody>
-          <a:bodyPr lIns="0" tIns="0" rIns="0" bIns="0"/>
+          <a:bodyPr bIns="0" lIns="0" rIns="0" tIns="0"/>
           <a:lstStyle>
             <a:lvl1pPr>
-              <a:defRPr sz="1100" b="0" i="0">
+              <a:defRPr b="0" sz="1100" i="0">
                 <a:solidFill>
                   <a:srgbClr val="2D936B"/>
                 </a:solidFill>
@@ -755,10 +699,10 @@
               </a:spcBef>
             </a:pPr>
             <a:fld id="{81D60167-4931-47E6-BA6A-407CBD079E47}" type="slidenum">
-              <a:rPr spc="10" dirty="0"/>
+              <a:rPr dirty="0" spc="10"/>
               <a:t>‹#›</a:t>
             </a:fld>
-            <a:endParaRPr spc="10" dirty="0"/>
+            <a:endParaRPr dirty="0" spc="10"/>
           </a:p>
         </p:txBody>
       </p:sp>
@@ -771,11 +715,11 @@
 </file>
 
 <file path=ppt/slideLayouts/slideLayout2.xml><?xml version="1.0" encoding="utf-8"?>
-<p:sldLayout xmlns:a="http://schemas.openxmlformats.org/drawingml/2006/main" xmlns:r="http://schemas.openxmlformats.org/officeDocument/2006/relationships" xmlns:p="http://schemas.openxmlformats.org/presentationml/2006/main" type="obj" preserve="1">
+<p:sldLayout xmlns:a="http://schemas.openxmlformats.org/drawingml/2006/main" xmlns:r="http://schemas.openxmlformats.org/officeDocument/2006/relationships" xmlns:p="http://schemas.openxmlformats.org/presentationml/2006/main" preserve="1" type="obj">
   <p:cSld name="Title and Content">
     <p:spTree>
       <p:nvGrpSpPr>
-        <p:cNvPr id="1" name=""/>
+        <p:cNvPr id="40" name=""/>
         <p:cNvGrpSpPr/>
         <p:nvPr/>
       </p:nvGrpSpPr>
@@ -789,7 +733,7 @@
       </p:grpSpPr>
       <p:sp>
         <p:nvSpPr>
-          <p:cNvPr id="2" name="Holder 2"/>
+          <p:cNvPr id="1048678" name="Holder 2"/>
           <p:cNvSpPr>
             <a:spLocks noGrp="1"/>
           </p:cNvSpPr>
@@ -797,12 +741,17 @@
             <p:ph type="title"/>
           </p:nvPr>
         </p:nvSpPr>
-        <p:spPr/>
-        <p:txBody>
-          <a:bodyPr lIns="0" tIns="0" rIns="0" bIns="0"/>
+        <p:spPr>
+          <a:xfrm>
+            <a:off x="755332" y="385444"/>
+            <a:ext cx="10681335" cy="723901"/>
+          </a:xfrm>
+        </p:spPr>
+        <p:txBody>
+          <a:bodyPr bIns="0" lIns="0" rIns="0" tIns="0"/>
           <a:lstStyle>
             <a:lvl1pPr>
-              <a:defRPr sz="4800" b="1" i="0">
+              <a:defRPr b="1" sz="4800" i="0">
                 <a:solidFill>
                   <a:schemeClr val="tx1"/>
                 </a:solidFill>
@@ -811,14 +760,12 @@
               </a:defRPr>
             </a:lvl1pPr>
           </a:lstStyle>
-          <a:p>
-            <a:endParaRPr/>
-          </a:p>
-        </p:txBody>
-      </p:sp>
-      <p:sp>
-        <p:nvSpPr>
-          <p:cNvPr id="3" name="Holder 3"/>
+          <a:p/>
+        </p:txBody>
+      </p:sp>
+      <p:sp>
+        <p:nvSpPr>
+          <p:cNvPr id="1048679" name="Holder 3"/>
           <p:cNvSpPr>
             <a:spLocks noGrp="1"/>
           </p:cNvSpPr>
@@ -826,22 +773,20 @@
             <p:ph type="body" idx="1"/>
           </p:nvPr>
         </p:nvSpPr>
-        <p:spPr/>
-        <p:txBody>
-          <a:bodyPr lIns="0" tIns="0" rIns="0" bIns="0"/>
-          <a:lstStyle>
-            <a:lvl1pPr>
-              <a:defRPr/>
-            </a:lvl1pPr>
-          </a:lstStyle>
-          <a:p>
-            <a:endParaRPr/>
-          </a:p>
-        </p:txBody>
-      </p:sp>
-      <p:sp>
-        <p:nvSpPr>
-          <p:cNvPr id="4" name="Holder 4"/>
+        <p:spPr>
+          <a:xfrm>
+            <a:off x="609600" y="1577340"/>
+            <a:ext cx="10972800" cy="266700"/>
+          </a:xfrm>
+        </p:spPr>
+        <p:txBody>
+          <a:bodyPr bIns="0" lIns="0" rIns="0" tIns="0"/>
+          <a:p/>
+        </p:txBody>
+      </p:sp>
+      <p:sp>
+        <p:nvSpPr>
+          <p:cNvPr id="1048680" name="Holder 4"/>
           <p:cNvSpPr>
             <a:spLocks noGrp="1"/>
           </p:cNvSpPr>
@@ -851,7 +796,7 @@
         </p:nvSpPr>
         <p:spPr/>
         <p:txBody>
-          <a:bodyPr lIns="0" tIns="0" rIns="0" bIns="0"/>
+          <a:bodyPr bIns="0" lIns="0" rIns="0" tIns="0"/>
           <a:lstStyle>
             <a:lvl1pPr algn="ctr">
               <a:defRPr>
@@ -863,14 +808,12 @@
               </a:defRPr>
             </a:lvl1pPr>
           </a:lstStyle>
-          <a:p>
-            <a:endParaRPr/>
-          </a:p>
-        </p:txBody>
-      </p:sp>
-      <p:sp>
-        <p:nvSpPr>
-          <p:cNvPr id="5" name="Holder 5"/>
+          <a:p/>
+        </p:txBody>
+      </p:sp>
+      <p:sp>
+        <p:nvSpPr>
+          <p:cNvPr id="1048681" name="Holder 5"/>
           <p:cNvSpPr>
             <a:spLocks noGrp="1"/>
           </p:cNvSpPr>
@@ -880,7 +823,7 @@
         </p:nvSpPr>
         <p:spPr/>
         <p:txBody>
-          <a:bodyPr lIns="0" tIns="0" rIns="0" bIns="0"/>
+          <a:bodyPr bIns="0" lIns="0" rIns="0" tIns="0"/>
           <a:lstStyle>
             <a:lvl1pPr algn="l">
               <a:defRPr>
@@ -903,7 +846,7 @@
       </p:sp>
       <p:sp>
         <p:nvSpPr>
-          <p:cNvPr id="6" name="Holder 6"/>
+          <p:cNvPr id="1048682" name="Holder 6"/>
           <p:cNvSpPr>
             <a:spLocks noGrp="1"/>
           </p:cNvSpPr>
@@ -913,10 +856,10 @@
         </p:nvSpPr>
         <p:spPr/>
         <p:txBody>
-          <a:bodyPr lIns="0" tIns="0" rIns="0" bIns="0"/>
+          <a:bodyPr bIns="0" lIns="0" rIns="0" tIns="0"/>
           <a:lstStyle>
             <a:lvl1pPr>
-              <a:defRPr sz="1100" b="0" i="0">
+              <a:defRPr b="0" sz="1100" i="0">
                 <a:solidFill>
                   <a:srgbClr val="2D936B"/>
                 </a:solidFill>
@@ -935,10 +878,10 @@
               </a:spcBef>
             </a:pPr>
             <a:fld id="{81D60167-4931-47E6-BA6A-407CBD079E47}" type="slidenum">
-              <a:rPr spc="10" dirty="0"/>
+              <a:rPr dirty="0" spc="10"/>
               <a:t>‹#›</a:t>
             </a:fld>
-            <a:endParaRPr spc="10" dirty="0"/>
+            <a:endParaRPr dirty="0" spc="10"/>
           </a:p>
         </p:txBody>
       </p:sp>
@@ -951,11 +894,11 @@
 </file>
 
 <file path=ppt/slideLayouts/slideLayout3.xml><?xml version="1.0" encoding="utf-8"?>
-<p:sldLayout xmlns:a="http://schemas.openxmlformats.org/drawingml/2006/main" xmlns:r="http://schemas.openxmlformats.org/officeDocument/2006/relationships" xmlns:p="http://schemas.openxmlformats.org/presentationml/2006/main" type="obj" preserve="1">
+<p:sldLayout xmlns:a="http://schemas.openxmlformats.org/drawingml/2006/main" xmlns:r="http://schemas.openxmlformats.org/officeDocument/2006/relationships" xmlns:p="http://schemas.openxmlformats.org/presentationml/2006/main" preserve="1" type="obj">
   <p:cSld name="Two Content">
     <p:spTree>
       <p:nvGrpSpPr>
-        <p:cNvPr id="1" name=""/>
+        <p:cNvPr id="41" name=""/>
         <p:cNvGrpSpPr/>
         <p:nvPr/>
       </p:nvGrpSpPr>
@@ -969,7 +912,7 @@
       </p:grpSpPr>
       <p:sp>
         <p:nvSpPr>
-          <p:cNvPr id="2" name="Holder 2"/>
+          <p:cNvPr id="1048683" name="Holder 2"/>
           <p:cNvSpPr>
             <a:spLocks noGrp="1"/>
           </p:cNvSpPr>
@@ -977,12 +920,17 @@
             <p:ph type="title"/>
           </p:nvPr>
         </p:nvSpPr>
-        <p:spPr/>
-        <p:txBody>
-          <a:bodyPr lIns="0" tIns="0" rIns="0" bIns="0"/>
+        <p:spPr>
+          <a:xfrm>
+            <a:off x="755332" y="385444"/>
+            <a:ext cx="10681335" cy="723901"/>
+          </a:xfrm>
+        </p:spPr>
+        <p:txBody>
+          <a:bodyPr bIns="0" lIns="0" rIns="0" tIns="0"/>
           <a:lstStyle>
             <a:lvl1pPr>
-              <a:defRPr sz="4800" b="1" i="0">
+              <a:defRPr b="1" sz="4800" i="0">
                 <a:solidFill>
                   <a:schemeClr val="tx1"/>
                 </a:solidFill>
@@ -991,14 +939,12 @@
               </a:defRPr>
             </a:lvl1pPr>
           </a:lstStyle>
-          <a:p>
-            <a:endParaRPr/>
-          </a:p>
-        </p:txBody>
-      </p:sp>
-      <p:sp>
-        <p:nvSpPr>
-          <p:cNvPr id="3" name="Holder 3"/>
+          <a:p/>
+        </p:txBody>
+      </p:sp>
+      <p:sp>
+        <p:nvSpPr>
+          <p:cNvPr id="1048684" name="Holder 3"/>
           <p:cNvSpPr>
             <a:spLocks noGrp="1"/>
           </p:cNvSpPr>
@@ -1009,29 +955,20 @@
         <p:spPr>
           <a:xfrm>
             <a:off x="609600" y="1577340"/>
-            <a:ext cx="5303520" cy="4526280"/>
-          </a:xfrm>
-          <a:prstGeom prst="rect">
-            <a:avLst/>
-          </a:prstGeom>
-        </p:spPr>
-        <p:txBody>
-          <a:bodyPr wrap="square" lIns="0" tIns="0" rIns="0" bIns="0">
+            <a:ext cx="5303520" cy="266700"/>
+          </a:xfrm>
+          <a:prstGeom prst="rect"/>
+        </p:spPr>
+        <p:txBody>
+          <a:bodyPr bIns="0" lIns="0" rIns="0" tIns="0" wrap="square">
             <a:spAutoFit/>
           </a:bodyPr>
-          <a:lstStyle>
-            <a:lvl1pPr>
-              <a:defRPr/>
-            </a:lvl1pPr>
-          </a:lstStyle>
-          <a:p>
-            <a:endParaRPr/>
-          </a:p>
-        </p:txBody>
-      </p:sp>
-      <p:sp>
-        <p:nvSpPr>
-          <p:cNvPr id="4" name="Holder 4"/>
+          <a:p/>
+        </p:txBody>
+      </p:sp>
+      <p:sp>
+        <p:nvSpPr>
+          <p:cNvPr id="1048685" name="Holder 4"/>
           <p:cNvSpPr>
             <a:spLocks noGrp="1"/>
           </p:cNvSpPr>
@@ -1042,29 +979,20 @@
         <p:spPr>
           <a:xfrm>
             <a:off x="6278880" y="1577340"/>
-            <a:ext cx="5303520" cy="4526280"/>
-          </a:xfrm>
-          <a:prstGeom prst="rect">
-            <a:avLst/>
-          </a:prstGeom>
-        </p:spPr>
-        <p:txBody>
-          <a:bodyPr wrap="square" lIns="0" tIns="0" rIns="0" bIns="0">
+            <a:ext cx="5303520" cy="266700"/>
+          </a:xfrm>
+          <a:prstGeom prst="rect"/>
+        </p:spPr>
+        <p:txBody>
+          <a:bodyPr bIns="0" lIns="0" rIns="0" tIns="0" wrap="square">
             <a:spAutoFit/>
           </a:bodyPr>
-          <a:lstStyle>
-            <a:lvl1pPr>
-              <a:defRPr/>
-            </a:lvl1pPr>
-          </a:lstStyle>
-          <a:p>
-            <a:endParaRPr/>
-          </a:p>
-        </p:txBody>
-      </p:sp>
-      <p:sp>
-        <p:nvSpPr>
-          <p:cNvPr id="5" name="Holder 5"/>
+          <a:p/>
+        </p:txBody>
+      </p:sp>
+      <p:sp>
+        <p:nvSpPr>
+          <p:cNvPr id="1048686" name="Holder 5"/>
           <p:cNvSpPr>
             <a:spLocks noGrp="1"/>
           </p:cNvSpPr>
@@ -1074,7 +1002,7 @@
         </p:nvSpPr>
         <p:spPr/>
         <p:txBody>
-          <a:bodyPr lIns="0" tIns="0" rIns="0" bIns="0"/>
+          <a:bodyPr bIns="0" lIns="0" rIns="0" tIns="0"/>
           <a:lstStyle>
             <a:lvl1pPr algn="ctr">
               <a:defRPr>
@@ -1086,14 +1014,12 @@
               </a:defRPr>
             </a:lvl1pPr>
           </a:lstStyle>
-          <a:p>
-            <a:endParaRPr/>
-          </a:p>
-        </p:txBody>
-      </p:sp>
-      <p:sp>
-        <p:nvSpPr>
-          <p:cNvPr id="6" name="Holder 6"/>
+          <a:p/>
+        </p:txBody>
+      </p:sp>
+      <p:sp>
+        <p:nvSpPr>
+          <p:cNvPr id="1048687" name="Holder 6"/>
           <p:cNvSpPr>
             <a:spLocks noGrp="1"/>
           </p:cNvSpPr>
@@ -1103,7 +1029,7 @@
         </p:nvSpPr>
         <p:spPr/>
         <p:txBody>
-          <a:bodyPr lIns="0" tIns="0" rIns="0" bIns="0"/>
+          <a:bodyPr bIns="0" lIns="0" rIns="0" tIns="0"/>
           <a:lstStyle>
             <a:lvl1pPr algn="l">
               <a:defRPr>
@@ -1126,7 +1052,7 @@
       </p:sp>
       <p:sp>
         <p:nvSpPr>
-          <p:cNvPr id="7" name="Holder 7"/>
+          <p:cNvPr id="1048688" name="Holder 7"/>
           <p:cNvSpPr>
             <a:spLocks noGrp="1"/>
           </p:cNvSpPr>
@@ -1136,10 +1062,10 @@
         </p:nvSpPr>
         <p:spPr/>
         <p:txBody>
-          <a:bodyPr lIns="0" tIns="0" rIns="0" bIns="0"/>
+          <a:bodyPr bIns="0" lIns="0" rIns="0" tIns="0"/>
           <a:lstStyle>
             <a:lvl1pPr>
-              <a:defRPr sz="1100" b="0" i="0">
+              <a:defRPr b="0" sz="1100" i="0">
                 <a:solidFill>
                   <a:srgbClr val="2D936B"/>
                 </a:solidFill>
@@ -1158,10 +1084,10 @@
               </a:spcBef>
             </a:pPr>
             <a:fld id="{81D60167-4931-47E6-BA6A-407CBD079E47}" type="slidenum">
-              <a:rPr spc="10" dirty="0"/>
+              <a:rPr dirty="0" spc="10"/>
               <a:t>‹#›</a:t>
             </a:fld>
-            <a:endParaRPr spc="10" dirty="0"/>
+            <a:endParaRPr dirty="0" spc="10"/>
           </a:p>
         </p:txBody>
       </p:sp>
@@ -1174,11 +1100,11 @@
 </file>
 
 <file path=ppt/slideLayouts/slideLayout4.xml><?xml version="1.0" encoding="utf-8"?>
-<p:sldLayout xmlns:a="http://schemas.openxmlformats.org/drawingml/2006/main" xmlns:r="http://schemas.openxmlformats.org/officeDocument/2006/relationships" xmlns:p="http://schemas.openxmlformats.org/presentationml/2006/main" type="obj" preserve="1">
+<p:sldLayout xmlns:a="http://schemas.openxmlformats.org/drawingml/2006/main" xmlns:r="http://schemas.openxmlformats.org/officeDocument/2006/relationships" xmlns:p="http://schemas.openxmlformats.org/presentationml/2006/main" preserve="1" type="obj">
   <p:cSld name="Title Only">
     <p:spTree>
       <p:nvGrpSpPr>
-        <p:cNvPr id="1" name=""/>
+        <p:cNvPr id="24" name=""/>
         <p:cNvGrpSpPr/>
         <p:nvPr/>
       </p:nvGrpSpPr>
@@ -1192,7 +1118,7 @@
       </p:grpSpPr>
       <p:sp>
         <p:nvSpPr>
-          <p:cNvPr id="2" name="Holder 2"/>
+          <p:cNvPr id="1048606" name="Holder 2"/>
           <p:cNvSpPr>
             <a:spLocks noGrp="1"/>
           </p:cNvSpPr>
@@ -1200,12 +1126,17 @@
             <p:ph type="title"/>
           </p:nvPr>
         </p:nvSpPr>
-        <p:spPr/>
-        <p:txBody>
-          <a:bodyPr lIns="0" tIns="0" rIns="0" bIns="0"/>
+        <p:spPr>
+          <a:xfrm>
+            <a:off x="755332" y="385444"/>
+            <a:ext cx="10681335" cy="723901"/>
+          </a:xfrm>
+        </p:spPr>
+        <p:txBody>
+          <a:bodyPr bIns="0" lIns="0" rIns="0" tIns="0"/>
           <a:lstStyle>
             <a:lvl1pPr>
-              <a:defRPr sz="4800" b="1" i="0">
+              <a:defRPr b="1" sz="4800" i="0">
                 <a:solidFill>
                   <a:schemeClr val="tx1"/>
                 </a:solidFill>
@@ -1214,14 +1145,12 @@
               </a:defRPr>
             </a:lvl1pPr>
           </a:lstStyle>
-          <a:p>
-            <a:endParaRPr/>
-          </a:p>
-        </p:txBody>
-      </p:sp>
-      <p:sp>
-        <p:nvSpPr>
-          <p:cNvPr id="3" name="Holder 3"/>
+          <a:p/>
+        </p:txBody>
+      </p:sp>
+      <p:sp>
+        <p:nvSpPr>
+          <p:cNvPr id="1048607" name="Holder 3"/>
           <p:cNvSpPr>
             <a:spLocks noGrp="1"/>
           </p:cNvSpPr>
@@ -1231,7 +1160,7 @@
         </p:nvSpPr>
         <p:spPr/>
         <p:txBody>
-          <a:bodyPr lIns="0" tIns="0" rIns="0" bIns="0"/>
+          <a:bodyPr bIns="0" lIns="0" rIns="0" tIns="0"/>
           <a:lstStyle>
             <a:lvl1pPr algn="ctr">
               <a:defRPr>
@@ -1243,14 +1172,12 @@
               </a:defRPr>
             </a:lvl1pPr>
           </a:lstStyle>
-          <a:p>
-            <a:endParaRPr/>
-          </a:p>
-        </p:txBody>
-      </p:sp>
-      <p:sp>
-        <p:nvSpPr>
-          <p:cNvPr id="4" name="Holder 4"/>
+          <a:p/>
+        </p:txBody>
+      </p:sp>
+      <p:sp>
+        <p:nvSpPr>
+          <p:cNvPr id="1048608" name="Holder 4"/>
           <p:cNvSpPr>
             <a:spLocks noGrp="1"/>
           </p:cNvSpPr>
@@ -1260,7 +1187,7 @@
         </p:nvSpPr>
         <p:spPr/>
         <p:txBody>
-          <a:bodyPr lIns="0" tIns="0" rIns="0" bIns="0"/>
+          <a:bodyPr bIns="0" lIns="0" rIns="0" tIns="0"/>
           <a:lstStyle>
             <a:lvl1pPr algn="l">
               <a:defRPr>
@@ -1283,7 +1210,7 @@
       </p:sp>
       <p:sp>
         <p:nvSpPr>
-          <p:cNvPr id="5" name="Holder 5"/>
+          <p:cNvPr id="1048609" name="Holder 5"/>
           <p:cNvSpPr>
             <a:spLocks noGrp="1"/>
           </p:cNvSpPr>
@@ -1293,10 +1220,10 @@
         </p:nvSpPr>
         <p:spPr/>
         <p:txBody>
-          <a:bodyPr lIns="0" tIns="0" rIns="0" bIns="0"/>
+          <a:bodyPr bIns="0" lIns="0" rIns="0" tIns="0"/>
           <a:lstStyle>
             <a:lvl1pPr>
-              <a:defRPr sz="1100" b="0" i="0">
+              <a:defRPr b="0" sz="1100" i="0">
                 <a:solidFill>
                   <a:srgbClr val="2D936B"/>
                 </a:solidFill>
@@ -1315,10 +1242,10 @@
               </a:spcBef>
             </a:pPr>
             <a:fld id="{81D60167-4931-47E6-BA6A-407CBD079E47}" type="slidenum">
-              <a:rPr spc="10" dirty="0"/>
+              <a:rPr dirty="0" spc="10"/>
               <a:t>‹#›</a:t>
             </a:fld>
-            <a:endParaRPr spc="10" dirty="0"/>
+            <a:endParaRPr dirty="0" spc="10"/>
           </a:p>
         </p:txBody>
       </p:sp>
@@ -1331,11 +1258,11 @@
 </file>
 
 <file path=ppt/slideLayouts/slideLayout5.xml><?xml version="1.0" encoding="utf-8"?>
-<p:sldLayout xmlns:a="http://schemas.openxmlformats.org/drawingml/2006/main" xmlns:r="http://schemas.openxmlformats.org/officeDocument/2006/relationships" xmlns:p="http://schemas.openxmlformats.org/presentationml/2006/main" type="obj" preserve="1">
+<p:sldLayout xmlns:a="http://schemas.openxmlformats.org/drawingml/2006/main" xmlns:r="http://schemas.openxmlformats.org/officeDocument/2006/relationships" xmlns:p="http://schemas.openxmlformats.org/presentationml/2006/main" preserve="1" type="obj">
   <p:cSld name="Blank">
     <p:spTree>
       <p:nvGrpSpPr>
-        <p:cNvPr id="1" name=""/>
+        <p:cNvPr id="42" name=""/>
         <p:cNvGrpSpPr/>
         <p:nvPr/>
       </p:nvGrpSpPr>
@@ -1349,7 +1276,7 @@
       </p:grpSpPr>
       <p:sp>
         <p:nvSpPr>
-          <p:cNvPr id="2" name="Holder 2"/>
+          <p:cNvPr id="1048689" name="Holder 2"/>
           <p:cNvSpPr>
             <a:spLocks noGrp="1"/>
           </p:cNvSpPr>
@@ -1359,7 +1286,7 @@
         </p:nvSpPr>
         <p:spPr/>
         <p:txBody>
-          <a:bodyPr lIns="0" tIns="0" rIns="0" bIns="0"/>
+          <a:bodyPr bIns="0" lIns="0" rIns="0" tIns="0"/>
           <a:lstStyle>
             <a:lvl1pPr algn="ctr">
               <a:defRPr>
@@ -1371,14 +1298,12 @@
               </a:defRPr>
             </a:lvl1pPr>
           </a:lstStyle>
-          <a:p>
-            <a:endParaRPr/>
-          </a:p>
-        </p:txBody>
-      </p:sp>
-      <p:sp>
-        <p:nvSpPr>
-          <p:cNvPr id="3" name="Holder 3"/>
+          <a:p/>
+        </p:txBody>
+      </p:sp>
+      <p:sp>
+        <p:nvSpPr>
+          <p:cNvPr id="1048690" name="Holder 3"/>
           <p:cNvSpPr>
             <a:spLocks noGrp="1"/>
           </p:cNvSpPr>
@@ -1388,7 +1313,7 @@
         </p:nvSpPr>
         <p:spPr/>
         <p:txBody>
-          <a:bodyPr lIns="0" tIns="0" rIns="0" bIns="0"/>
+          <a:bodyPr bIns="0" lIns="0" rIns="0" tIns="0"/>
           <a:lstStyle>
             <a:lvl1pPr algn="l">
               <a:defRPr>
@@ -1411,7 +1336,7 @@
       </p:sp>
       <p:sp>
         <p:nvSpPr>
-          <p:cNvPr id="4" name="Holder 4"/>
+          <p:cNvPr id="1048691" name="Holder 4"/>
           <p:cNvSpPr>
             <a:spLocks noGrp="1"/>
           </p:cNvSpPr>
@@ -1421,10 +1346,10 @@
         </p:nvSpPr>
         <p:spPr/>
         <p:txBody>
-          <a:bodyPr lIns="0" tIns="0" rIns="0" bIns="0"/>
+          <a:bodyPr bIns="0" lIns="0" rIns="0" tIns="0"/>
           <a:lstStyle>
             <a:lvl1pPr>
-              <a:defRPr sz="1100" b="0" i="0">
+              <a:defRPr b="0" sz="1100" i="0">
                 <a:solidFill>
                   <a:srgbClr val="2D936B"/>
                 </a:solidFill>
@@ -1443,10 +1368,10 @@
               </a:spcBef>
             </a:pPr>
             <a:fld id="{81D60167-4931-47E6-BA6A-407CBD079E47}" type="slidenum">
-              <a:rPr spc="10" dirty="0"/>
+              <a:rPr dirty="0" spc="10"/>
               <a:t>‹#›</a:t>
             </a:fld>
-            <a:endParaRPr spc="10" dirty="0"/>
+            <a:endParaRPr dirty="0" spc="10"/>
           </a:p>
         </p:txBody>
       </p:sp>
@@ -1471,7 +1396,7 @@
     </p:bg>
     <p:spTree>
       <p:nvGrpSpPr>
-        <p:cNvPr id="1" name=""/>
+        <p:cNvPr id="12" name=""/>
         <p:cNvGrpSpPr/>
         <p:nvPr/>
       </p:nvGrpSpPr>
@@ -1485,7 +1410,7 @@
       </p:grpSpPr>
       <p:sp>
         <p:nvSpPr>
-          <p:cNvPr id="16" name="bg object 16"/>
+          <p:cNvPr id="1048576" name="bg object 16"/>
           <p:cNvSpPr/>
           <p:nvPr/>
         </p:nvSpPr>
@@ -1496,9 +1421,7 @@
           </a:xfrm>
           <a:custGeom>
             <a:avLst/>
-            <a:gdLst/>
             <a:ahLst/>
-            <a:cxnLst/>
             <a:rect l="l" t="t" r="r" b="b"/>
             <a:pathLst>
               <a:path w="1218565" h="6853555">
@@ -1518,16 +1441,13 @@
           </a:ln>
         </p:spPr>
         <p:txBody>
-          <a:bodyPr wrap="square" lIns="0" tIns="0" rIns="0" bIns="0" rtlCol="0"/>
-          <a:lstStyle/>
-          <a:p>
-            <a:endParaRPr/>
-          </a:p>
-        </p:txBody>
-      </p:sp>
-      <p:sp>
-        <p:nvSpPr>
-          <p:cNvPr id="17" name="bg object 17"/>
+          <a:bodyPr bIns="0" lIns="0" rIns="0" rtlCol="0" tIns="0" wrap="square"/>
+          <a:p/>
+        </p:txBody>
+      </p:sp>
+      <p:sp>
+        <p:nvSpPr>
+          <p:cNvPr id="1048577" name="bg object 17"/>
           <p:cNvSpPr/>
           <p:nvPr/>
         </p:nvSpPr>
@@ -1538,9 +1458,7 @@
           </a:xfrm>
           <a:custGeom>
             <a:avLst/>
-            <a:gdLst/>
             <a:ahLst/>
-            <a:cxnLst/>
             <a:rect l="l" t="t" r="r" b="b"/>
             <a:pathLst>
               <a:path w="4743450" h="3163570">
@@ -1560,16 +1478,13 @@
           </a:ln>
         </p:spPr>
         <p:txBody>
-          <a:bodyPr wrap="square" lIns="0" tIns="0" rIns="0" bIns="0" rtlCol="0"/>
-          <a:lstStyle/>
-          <a:p>
-            <a:endParaRPr/>
-          </a:p>
-        </p:txBody>
-      </p:sp>
-      <p:sp>
-        <p:nvSpPr>
-          <p:cNvPr id="18" name="bg object 18"/>
+          <a:bodyPr bIns="0" lIns="0" rIns="0" rtlCol="0" tIns="0" wrap="square"/>
+          <a:p/>
+        </p:txBody>
+      </p:sp>
+      <p:sp>
+        <p:nvSpPr>
+          <p:cNvPr id="1048578" name="bg object 18"/>
           <p:cNvSpPr/>
           <p:nvPr/>
         </p:nvSpPr>
@@ -1580,9 +1495,7 @@
           </a:xfrm>
           <a:custGeom>
             <a:avLst/>
-            <a:gdLst/>
             <a:ahLst/>
-            <a:cxnLst/>
             <a:rect l="l" t="t" r="r" b="b"/>
             <a:pathLst>
               <a:path w="3009900" h="6858000">
@@ -1612,16 +1525,13 @@
           </a:solidFill>
         </p:spPr>
         <p:txBody>
-          <a:bodyPr wrap="square" lIns="0" tIns="0" rIns="0" bIns="0" rtlCol="0"/>
-          <a:lstStyle/>
-          <a:p>
-            <a:endParaRPr/>
-          </a:p>
-        </p:txBody>
-      </p:sp>
-      <p:sp>
-        <p:nvSpPr>
-          <p:cNvPr id="19" name="bg object 19"/>
+          <a:bodyPr bIns="0" lIns="0" rIns="0" rtlCol="0" tIns="0" wrap="square"/>
+          <a:p/>
+        </p:txBody>
+      </p:sp>
+      <p:sp>
+        <p:nvSpPr>
+          <p:cNvPr id="1048579" name="bg object 19"/>
           <p:cNvSpPr/>
           <p:nvPr/>
         </p:nvSpPr>
@@ -1632,9 +1542,7 @@
           </a:xfrm>
           <a:custGeom>
             <a:avLst/>
-            <a:gdLst/>
             <a:ahLst/>
-            <a:cxnLst/>
             <a:rect l="l" t="t" r="r" b="b"/>
             <a:pathLst>
               <a:path w="2589529" h="6858000">
@@ -1664,16 +1572,13 @@
           </a:solidFill>
         </p:spPr>
         <p:txBody>
-          <a:bodyPr wrap="square" lIns="0" tIns="0" rIns="0" bIns="0" rtlCol="0"/>
-          <a:lstStyle/>
-          <a:p>
-            <a:endParaRPr/>
-          </a:p>
-        </p:txBody>
-      </p:sp>
-      <p:sp>
-        <p:nvSpPr>
-          <p:cNvPr id="20" name="bg object 20"/>
+          <a:bodyPr bIns="0" lIns="0" rIns="0" rtlCol="0" tIns="0" wrap="square"/>
+          <a:p/>
+        </p:txBody>
+      </p:sp>
+      <p:sp>
+        <p:nvSpPr>
+          <p:cNvPr id="1048580" name="bg object 20"/>
           <p:cNvSpPr/>
           <p:nvPr/>
         </p:nvSpPr>
@@ -1684,9 +1589,7 @@
           </a:xfrm>
           <a:custGeom>
             <a:avLst/>
-            <a:gdLst/>
             <a:ahLst/>
-            <a:cxnLst/>
             <a:rect l="l" t="t" r="r" b="b"/>
             <a:pathLst>
               <a:path w="3257550" h="3810000">
@@ -1713,16 +1616,13 @@
           </a:solidFill>
         </p:spPr>
         <p:txBody>
-          <a:bodyPr wrap="square" lIns="0" tIns="0" rIns="0" bIns="0" rtlCol="0"/>
-          <a:lstStyle/>
-          <a:p>
-            <a:endParaRPr/>
-          </a:p>
-        </p:txBody>
-      </p:sp>
-      <p:sp>
-        <p:nvSpPr>
-          <p:cNvPr id="21" name="bg object 21"/>
+          <a:bodyPr bIns="0" lIns="0" rIns="0" rtlCol="0" tIns="0" wrap="square"/>
+          <a:p/>
+        </p:txBody>
+      </p:sp>
+      <p:sp>
+        <p:nvSpPr>
+          <p:cNvPr id="1048581" name="bg object 21"/>
           <p:cNvSpPr/>
           <p:nvPr/>
         </p:nvSpPr>
@@ -1733,9 +1633,7 @@
           </a:xfrm>
           <a:custGeom>
             <a:avLst/>
-            <a:gdLst/>
             <a:ahLst/>
-            <a:cxnLst/>
             <a:rect l="l" t="t" r="r" b="b"/>
             <a:pathLst>
               <a:path w="2854325" h="6858000">
@@ -1765,16 +1663,13 @@
           </a:solidFill>
         </p:spPr>
         <p:txBody>
-          <a:bodyPr wrap="square" lIns="0" tIns="0" rIns="0" bIns="0" rtlCol="0"/>
-          <a:lstStyle/>
-          <a:p>
-            <a:endParaRPr/>
-          </a:p>
-        </p:txBody>
-      </p:sp>
-      <p:sp>
-        <p:nvSpPr>
-          <p:cNvPr id="22" name="bg object 22"/>
+          <a:bodyPr bIns="0" lIns="0" rIns="0" rtlCol="0" tIns="0" wrap="square"/>
+          <a:p/>
+        </p:txBody>
+      </p:sp>
+      <p:sp>
+        <p:nvSpPr>
+          <p:cNvPr id="1048582" name="bg object 22"/>
           <p:cNvSpPr/>
           <p:nvPr/>
         </p:nvSpPr>
@@ -1785,9 +1680,7 @@
           </a:xfrm>
           <a:custGeom>
             <a:avLst/>
-            <a:gdLst/>
             <a:ahLst/>
-            <a:cxnLst/>
             <a:rect l="l" t="t" r="r" b="b"/>
             <a:pathLst>
               <a:path w="1295400" h="6858000">
@@ -1817,16 +1710,13 @@
           </a:solidFill>
         </p:spPr>
         <p:txBody>
-          <a:bodyPr wrap="square" lIns="0" tIns="0" rIns="0" bIns="0" rtlCol="0"/>
-          <a:lstStyle/>
-          <a:p>
-            <a:endParaRPr/>
-          </a:p>
-        </p:txBody>
-      </p:sp>
-      <p:sp>
-        <p:nvSpPr>
-          <p:cNvPr id="23" name="bg object 23"/>
+          <a:bodyPr bIns="0" lIns="0" rIns="0" rtlCol="0" tIns="0" wrap="square"/>
+          <a:p/>
+        </p:txBody>
+      </p:sp>
+      <p:sp>
+        <p:nvSpPr>
+          <p:cNvPr id="1048583" name="bg object 23"/>
           <p:cNvSpPr/>
           <p:nvPr/>
         </p:nvSpPr>
@@ -1837,9 +1727,7 @@
           </a:xfrm>
           <a:custGeom>
             <a:avLst/>
-            <a:gdLst/>
             <a:ahLst/>
-            <a:cxnLst/>
             <a:rect l="l" t="t" r="r" b="b"/>
             <a:pathLst>
               <a:path w="1256029" h="6858000">
@@ -1869,16 +1757,13 @@
           </a:solidFill>
         </p:spPr>
         <p:txBody>
-          <a:bodyPr wrap="square" lIns="0" tIns="0" rIns="0" bIns="0" rtlCol="0"/>
-          <a:lstStyle/>
-          <a:p>
-            <a:endParaRPr/>
-          </a:p>
-        </p:txBody>
-      </p:sp>
-      <p:sp>
-        <p:nvSpPr>
-          <p:cNvPr id="24" name="bg object 24"/>
+          <a:bodyPr bIns="0" lIns="0" rIns="0" rtlCol="0" tIns="0" wrap="square"/>
+          <a:p/>
+        </p:txBody>
+      </p:sp>
+      <p:sp>
+        <p:nvSpPr>
+          <p:cNvPr id="1048584" name="bg object 24"/>
           <p:cNvSpPr/>
           <p:nvPr/>
         </p:nvSpPr>
@@ -1889,9 +1774,7 @@
           </a:xfrm>
           <a:custGeom>
             <a:avLst/>
-            <a:gdLst/>
             <a:ahLst/>
-            <a:cxnLst/>
             <a:rect l="l" t="t" r="r" b="b"/>
             <a:pathLst>
               <a:path w="1819275" h="3267075">
@@ -1918,16 +1801,13 @@
           </a:solidFill>
         </p:spPr>
         <p:txBody>
-          <a:bodyPr wrap="square" lIns="0" tIns="0" rIns="0" bIns="0" rtlCol="0"/>
-          <a:lstStyle/>
-          <a:p>
-            <a:endParaRPr/>
-          </a:p>
-        </p:txBody>
-      </p:sp>
-      <p:sp>
-        <p:nvSpPr>
-          <p:cNvPr id="25" name="bg object 25"/>
+          <a:bodyPr bIns="0" lIns="0" rIns="0" rtlCol="0" tIns="0" wrap="square"/>
+          <a:p/>
+        </p:txBody>
+      </p:sp>
+      <p:sp>
+        <p:nvSpPr>
+          <p:cNvPr id="1048585" name="bg object 25"/>
           <p:cNvSpPr/>
           <p:nvPr/>
         </p:nvSpPr>
@@ -1938,9 +1818,7 @@
           </a:xfrm>
           <a:custGeom>
             <a:avLst/>
-            <a:gdLst/>
             <a:ahLst/>
-            <a:cxnLst/>
             <a:rect l="l" t="t" r="r" b="b"/>
             <a:pathLst>
               <a:path w="447675" h="2847975">
@@ -1967,16 +1845,13 @@
           </a:solidFill>
         </p:spPr>
         <p:txBody>
-          <a:bodyPr wrap="square" lIns="0" tIns="0" rIns="0" bIns="0" rtlCol="0"/>
-          <a:lstStyle/>
-          <a:p>
-            <a:endParaRPr/>
-          </a:p>
-        </p:txBody>
-      </p:sp>
-      <p:sp>
-        <p:nvSpPr>
-          <p:cNvPr id="2" name="Holder 2"/>
+          <a:bodyPr bIns="0" lIns="0" rIns="0" rtlCol="0" tIns="0" wrap="square"/>
+          <a:p/>
+        </p:txBody>
+      </p:sp>
+      <p:sp>
+        <p:nvSpPr>
+          <p:cNvPr id="1048586" name="Holder 2"/>
           <p:cNvSpPr>
             <a:spLocks noGrp="1"/>
           </p:cNvSpPr>
@@ -1989,17 +1864,15 @@
             <a:off x="755332" y="385444"/>
             <a:ext cx="10681335" cy="758190"/>
           </a:xfrm>
-          <a:prstGeom prst="rect">
-            <a:avLst/>
-          </a:prstGeom>
-        </p:spPr>
-        <p:txBody>
-          <a:bodyPr wrap="square" lIns="0" tIns="0" rIns="0" bIns="0">
+          <a:prstGeom prst="rect"/>
+        </p:spPr>
+        <p:txBody>
+          <a:bodyPr bIns="0" lIns="0" rIns="0" tIns="0" wrap="square">
             <a:spAutoFit/>
           </a:bodyPr>
           <a:lstStyle>
             <a:lvl1pPr>
-              <a:defRPr sz="4800" b="1" i="0">
+              <a:defRPr b="1" sz="4800" i="0">
                 <a:solidFill>
                   <a:schemeClr val="tx1"/>
                 </a:solidFill>
@@ -2008,14 +1881,12 @@
               </a:defRPr>
             </a:lvl1pPr>
           </a:lstStyle>
-          <a:p>
-            <a:endParaRPr/>
-          </a:p>
-        </p:txBody>
-      </p:sp>
-      <p:sp>
-        <p:nvSpPr>
-          <p:cNvPr id="3" name="Holder 3"/>
+          <a:p/>
+        </p:txBody>
+      </p:sp>
+      <p:sp>
+        <p:nvSpPr>
+          <p:cNvPr id="1048587" name="Holder 3"/>
           <p:cNvSpPr>
             <a:spLocks noGrp="1"/>
           </p:cNvSpPr>
@@ -2028,27 +1899,18 @@
             <a:off x="609600" y="1577340"/>
             <a:ext cx="10972800" cy="4526280"/>
           </a:xfrm>
-          <a:prstGeom prst="rect">
-            <a:avLst/>
-          </a:prstGeom>
-        </p:spPr>
-        <p:txBody>
-          <a:bodyPr wrap="square" lIns="0" tIns="0" rIns="0" bIns="0">
+          <a:prstGeom prst="rect"/>
+        </p:spPr>
+        <p:txBody>
+          <a:bodyPr bIns="0" lIns="0" rIns="0" tIns="0" wrap="square">
             <a:spAutoFit/>
           </a:bodyPr>
-          <a:lstStyle>
-            <a:lvl1pPr>
-              <a:defRPr/>
-            </a:lvl1pPr>
-          </a:lstStyle>
-          <a:p>
-            <a:endParaRPr/>
-          </a:p>
-        </p:txBody>
-      </p:sp>
-      <p:sp>
-        <p:nvSpPr>
-          <p:cNvPr id="4" name="Holder 4"/>
+          <a:p/>
+        </p:txBody>
+      </p:sp>
+      <p:sp>
+        <p:nvSpPr>
+          <p:cNvPr id="1048588" name="Holder 4"/>
           <p:cNvSpPr>
             <a:spLocks noGrp="1"/>
           </p:cNvSpPr>
@@ -2061,12 +1923,10 @@
             <a:off x="4145280" y="6377940"/>
             <a:ext cx="3901440" cy="342900"/>
           </a:xfrm>
-          <a:prstGeom prst="rect">
-            <a:avLst/>
-          </a:prstGeom>
-        </p:spPr>
-        <p:txBody>
-          <a:bodyPr wrap="square" lIns="0" tIns="0" rIns="0" bIns="0">
+          <a:prstGeom prst="rect"/>
+        </p:spPr>
+        <p:txBody>
+          <a:bodyPr bIns="0" lIns="0" rIns="0" tIns="0" wrap="square">
             <a:spAutoFit/>
           </a:bodyPr>
           <a:lstStyle>
@@ -2080,14 +1940,12 @@
               </a:defRPr>
             </a:lvl1pPr>
           </a:lstStyle>
-          <a:p>
-            <a:endParaRPr/>
-          </a:p>
-        </p:txBody>
-      </p:sp>
-      <p:sp>
-        <p:nvSpPr>
-          <p:cNvPr id="5" name="Holder 5"/>
+          <a:p/>
+        </p:txBody>
+      </p:sp>
+      <p:sp>
+        <p:nvSpPr>
+          <p:cNvPr id="1048589" name="Holder 5"/>
           <p:cNvSpPr>
             <a:spLocks noGrp="1"/>
           </p:cNvSpPr>
@@ -2100,12 +1958,10 @@
             <a:off x="609600" y="6377940"/>
             <a:ext cx="2804160" cy="342900"/>
           </a:xfrm>
-          <a:prstGeom prst="rect">
-            <a:avLst/>
-          </a:prstGeom>
-        </p:spPr>
-        <p:txBody>
-          <a:bodyPr wrap="square" lIns="0" tIns="0" rIns="0" bIns="0">
+          <a:prstGeom prst="rect"/>
+        </p:spPr>
+        <p:txBody>
+          <a:bodyPr bIns="0" lIns="0" rIns="0" tIns="0" wrap="square">
             <a:spAutoFit/>
           </a:bodyPr>
           <a:lstStyle>
@@ -2130,7 +1986,7 @@
       </p:sp>
       <p:sp>
         <p:nvSpPr>
-          <p:cNvPr id="6" name="Holder 6"/>
+          <p:cNvPr id="1048590" name="Holder 6"/>
           <p:cNvSpPr>
             <a:spLocks noGrp="1"/>
           </p:cNvSpPr>
@@ -2143,17 +1999,15 @@
             <a:off x="11353418" y="6473337"/>
             <a:ext cx="151129" cy="191770"/>
           </a:xfrm>
-          <a:prstGeom prst="rect">
-            <a:avLst/>
-          </a:prstGeom>
-        </p:spPr>
-        <p:txBody>
-          <a:bodyPr wrap="square" lIns="0" tIns="0" rIns="0" bIns="0">
+          <a:prstGeom prst="rect"/>
+        </p:spPr>
+        <p:txBody>
+          <a:bodyPr bIns="0" lIns="0" rIns="0" tIns="0" wrap="square">
             <a:spAutoFit/>
           </a:bodyPr>
           <a:lstStyle>
             <a:lvl1pPr>
-              <a:defRPr sz="1100" b="0" i="0">
+              <a:defRPr b="0" sz="1100" i="0">
                 <a:solidFill>
                   <a:srgbClr val="2D936B"/>
                 </a:solidFill>
@@ -2172,22 +2026,22 @@
               </a:spcBef>
             </a:pPr>
             <a:fld id="{81D60167-4931-47E6-BA6A-407CBD079E47}" type="slidenum">
-              <a:rPr spc="10" dirty="0"/>
+              <a:rPr dirty="0" spc="10"/>
               <a:t>‹#›</a:t>
             </a:fld>
-            <a:endParaRPr spc="10" dirty="0"/>
+            <a:endParaRPr dirty="0" spc="10"/>
           </a:p>
         </p:txBody>
       </p:sp>
     </p:spTree>
   </p:cSld>
-  <p:clrMap bg1="lt1" tx1="dk1" bg2="lt2" tx2="dk2" accent1="accent1" accent2="accent2" accent3="accent3" accent4="accent4" accent5="accent5" accent6="accent6" hlink="hlink" folHlink="folHlink"/>
+  <p:clrMap accent1="accent1" accent2="accent2" accent3="accent3" accent4="accent4" accent5="accent5" accent6="accent6" bg1="lt1" bg2="lt2" tx1="dk1" tx2="dk2" hlink="hlink" folHlink="folHlink"/>
   <p:sldLayoutIdLst>
-    <p:sldLayoutId id="2147483661" r:id="rId1"/>
-    <p:sldLayoutId id="2147483662" r:id="rId2"/>
-    <p:sldLayoutId id="2147483663" r:id="rId3"/>
-    <p:sldLayoutId id="2147483664" r:id="rId4"/>
-    <p:sldLayoutId id="2147483665" r:id="rId5"/>
+    <p:sldLayoutId id="2147483649" r:id="rId1"/>
+    <p:sldLayoutId id="2147483650" r:id="rId2"/>
+    <p:sldLayoutId id="2147483651" r:id="rId3"/>
+    <p:sldLayoutId id="2147483652" r:id="rId4"/>
+    <p:sldLayoutId id="2147483653" r:id="rId5"/>
   </p:sldLayoutIdLst>
   <p:txStyles>
     <p:titleStyle>
@@ -2338,7 +2192,7 @@
   <p:cSld>
     <p:spTree>
       <p:nvGrpSpPr>
-        <p:cNvPr id="1" name=""/>
+        <p:cNvPr id="19" name=""/>
         <p:cNvGrpSpPr/>
         <p:nvPr/>
       </p:nvGrpSpPr>
@@ -2352,7 +2206,7 @@
       </p:grpSpPr>
       <p:grpSp>
         <p:nvGrpSpPr>
-          <p:cNvPr id="2" name="object 2"/>
+          <p:cNvPr id="20" name="object 2"/>
           <p:cNvGrpSpPr/>
           <p:nvPr/>
         </p:nvGrpSpPr>
@@ -2366,7 +2220,7 @@
         </p:grpSpPr>
         <p:sp>
           <p:nvSpPr>
-            <p:cNvPr id="3" name="object 3"/>
+            <p:cNvPr id="1048596" name="object 3"/>
             <p:cNvSpPr/>
             <p:nvPr/>
           </p:nvSpPr>
@@ -2377,9 +2231,7 @@
             </a:xfrm>
             <a:custGeom>
               <a:avLst/>
-              <a:gdLst/>
               <a:ahLst/>
-              <a:cxnLst/>
               <a:rect l="l" t="t" r="r" b="b"/>
               <a:pathLst>
                 <a:path w="1228725" h="1057275">
@@ -2413,16 +2265,13 @@
             </a:solidFill>
           </p:spPr>
           <p:txBody>
-            <a:bodyPr wrap="square" lIns="0" tIns="0" rIns="0" bIns="0" rtlCol="0"/>
-            <a:lstStyle/>
-            <a:p>
-              <a:endParaRPr/>
-            </a:p>
+            <a:bodyPr bIns="0" lIns="0" rIns="0" rtlCol="0" tIns="0" wrap="square"/>
+            <a:p/>
           </p:txBody>
         </p:sp>
         <p:sp>
           <p:nvSpPr>
-            <p:cNvPr id="4" name="object 4"/>
+            <p:cNvPr id="1048597" name="object 4"/>
             <p:cNvSpPr/>
             <p:nvPr/>
           </p:nvSpPr>
@@ -2433,9 +2282,7 @@
             </a:xfrm>
             <a:custGeom>
               <a:avLst/>
-              <a:gdLst/>
               <a:ahLst/>
-              <a:cxnLst/>
               <a:rect l="l" t="t" r="r" b="b"/>
               <a:pathLst>
                 <a:path w="647700" h="561975">
@@ -2469,17 +2316,14 @@
             </a:solidFill>
           </p:spPr>
           <p:txBody>
-            <a:bodyPr wrap="square" lIns="0" tIns="0" rIns="0" bIns="0" rtlCol="0"/>
-            <a:lstStyle/>
-            <a:p>
-              <a:endParaRPr/>
-            </a:p>
+            <a:bodyPr bIns="0" lIns="0" rIns="0" rtlCol="0" tIns="0" wrap="square"/>
+            <a:p/>
           </p:txBody>
         </p:sp>
       </p:grpSp>
       <p:sp>
         <p:nvSpPr>
-          <p:cNvPr id="5" name="object 5"/>
+          <p:cNvPr id="1048598" name="object 5"/>
           <p:cNvSpPr/>
           <p:nvPr/>
         </p:nvSpPr>
@@ -2490,9 +2334,7 @@
           </a:xfrm>
           <a:custGeom>
             <a:avLst/>
-            <a:gdLst/>
             <a:ahLst/>
-            <a:cxnLst/>
             <a:rect l="l" t="t" r="r" b="b"/>
             <a:pathLst>
               <a:path w="1666875" h="1438275">
@@ -2526,16 +2368,13 @@
           </a:solidFill>
         </p:spPr>
         <p:txBody>
-          <a:bodyPr wrap="square" lIns="0" tIns="0" rIns="0" bIns="0" rtlCol="0"/>
-          <a:lstStyle/>
-          <a:p>
-            <a:endParaRPr/>
-          </a:p>
-        </p:txBody>
-      </p:sp>
-      <p:sp>
-        <p:nvSpPr>
-          <p:cNvPr id="6" name="object 6"/>
+          <a:bodyPr bIns="0" lIns="0" rIns="0" rtlCol="0" tIns="0" wrap="square"/>
+          <a:p/>
+        </p:txBody>
+      </p:sp>
+      <p:sp>
+        <p:nvSpPr>
+          <p:cNvPr id="1048599" name="object 6"/>
           <p:cNvSpPr/>
           <p:nvPr/>
         </p:nvSpPr>
@@ -2546,9 +2385,7 @@
           </a:xfrm>
           <a:custGeom>
             <a:avLst/>
-            <a:gdLst/>
             <a:ahLst/>
-            <a:cxnLst/>
             <a:rect l="l" t="t" r="r" b="b"/>
             <a:pathLst>
               <a:path w="723900" h="619125">
@@ -2582,16 +2419,13 @@
           </a:solidFill>
         </p:spPr>
         <p:txBody>
-          <a:bodyPr wrap="square" lIns="0" tIns="0" rIns="0" bIns="0" rtlCol="0"/>
-          <a:lstStyle/>
-          <a:p>
-            <a:endParaRPr/>
-          </a:p>
-        </p:txBody>
-      </p:sp>
-      <p:sp>
-        <p:nvSpPr>
-          <p:cNvPr id="7" name="object 7"/>
+          <a:bodyPr bIns="0" lIns="0" rIns="0" rtlCol="0" tIns="0" wrap="square"/>
+          <a:p/>
+        </p:txBody>
+      </p:sp>
+      <p:sp>
+        <p:nvSpPr>
+          <p:cNvPr id="1048600" name="object 7"/>
           <p:cNvSpPr txBox="1">
             <a:spLocks noGrp="1"/>
           </p:cNvSpPr>
@@ -2604,15 +2438,12 @@
             <a:off x="1523999" y="19665"/>
             <a:ext cx="7629525" cy="1001556"/>
           </a:xfrm>
-          <a:prstGeom prst="rect">
-            <a:avLst/>
-          </a:prstGeom>
-        </p:spPr>
-        <p:txBody>
-          <a:bodyPr vert="horz" wrap="square" lIns="0" tIns="16510" rIns="0" bIns="0" rtlCol="0">
+          <a:prstGeom prst="rect"/>
+        </p:spPr>
+        <p:txBody>
+          <a:bodyPr bIns="0" lIns="0" rIns="0" rtlCol="0" tIns="16510" vert="horz" wrap="square">
             <a:spAutoFit/>
           </a:bodyPr>
-          <a:lstStyle/>
           <a:p>
             <a:pPr marL="3213735">
               <a:spcBef>
@@ -2620,7 +2451,7 @@
               </a:spcBef>
             </a:pPr>
             <a:r>
-              <a:rPr lang="en-US" b="1" i="0" dirty="0">
+              <a:rPr b="1" dirty="0" i="0" lang="en-US">
                 <a:solidFill>
                   <a:srgbClr val="0F0F0F"/>
                 </a:solidFill>
@@ -2631,7 +2462,7 @@
               <a:t>Digital Portfolio </a:t>
             </a:r>
             <a:br>
-              <a:rPr lang="en-US" b="1" i="0" dirty="0">
+              <a:rPr b="1" dirty="0" i="0" lang="en-US">
                 <a:solidFill>
                   <a:srgbClr val="0F0F0F"/>
                 </a:solidFill>
@@ -2639,18 +2470,20 @@
                 <a:latin typeface="Roboto" panose="020F0502020204030204" pitchFamily="2" charset="0"/>
               </a:rPr>
             </a:br>
-            <a:endParaRPr spc="15" dirty="0"/>
+            <a:endParaRPr dirty="0" spc="15"/>
           </a:p>
         </p:txBody>
       </p:sp>
       <p:pic>
         <p:nvPicPr>
-          <p:cNvPr id="9" name="object 9"/>
-          <p:cNvPicPr/>
+          <p:cNvPr id="2097152" name="object 9"/>
+          <p:cNvPicPr>
+            <a:picLocks/>
+          </p:cNvPicPr>
           <p:nvPr/>
         </p:nvPicPr>
         <p:blipFill>
-          <a:blip r:embed="rId3" cstate="print"/>
+          <a:blip xmlns:r="http://schemas.openxmlformats.org/officeDocument/2006/relationships" r:embed="rId1" cstate="print"/>
           <a:stretch>
             <a:fillRect/>
           </a:stretch>
@@ -2660,14 +2493,12 @@
             <a:off x="676275" y="6467475"/>
             <a:ext cx="2143125" cy="200025"/>
           </a:xfrm>
-          <a:prstGeom prst="rect">
-            <a:avLst/>
-          </a:prstGeom>
+          <a:prstGeom prst="rect"/>
         </p:spPr>
       </p:pic>
       <p:sp>
         <p:nvSpPr>
-          <p:cNvPr id="11" name="object 11"/>
+          <p:cNvPr id="1048601" name="object 11"/>
           <p:cNvSpPr txBox="1">
             <a:spLocks noGrp="1"/>
           </p:cNvSpPr>
@@ -2676,15 +2507,12 @@
           </p:nvPr>
         </p:nvSpPr>
         <p:spPr>
-          <a:prstGeom prst="rect">
-            <a:avLst/>
-          </a:prstGeom>
-        </p:spPr>
-        <p:txBody>
-          <a:bodyPr vert="horz" wrap="square" lIns="0" tIns="6985" rIns="0" bIns="0" rtlCol="0">
+          <a:prstGeom prst="rect"/>
+        </p:spPr>
+        <p:txBody>
+          <a:bodyPr bIns="0" lIns="0" rIns="0" rtlCol="0" tIns="6985" vert="horz" wrap="square">
             <a:spAutoFit/>
           </a:bodyPr>
-          <a:lstStyle/>
           <a:p>
             <a:pPr marL="38100">
               <a:lnSpc>
@@ -2695,98 +2523,210 @@
               </a:spcBef>
             </a:pPr>
             <a:fld id="{81D60167-4931-47E6-BA6A-407CBD079E47}" type="slidenum">
-              <a:rPr spc="10" dirty="0"/>
+              <a:rPr dirty="0" spc="10"/>
               <a:t>1</a:t>
             </a:fld>
-            <a:endParaRPr spc="10" dirty="0"/>
+            <a:endParaRPr dirty="0" spc="10"/>
           </a:p>
         </p:txBody>
       </p:sp>
       <p:sp>
         <p:nvSpPr>
-          <p:cNvPr id="14" name="TextBox 13">
-            <a:extLst>
-              <a:ext uri="{FF2B5EF4-FFF2-40B4-BE49-F238E27FC236}">
-                <a16:creationId xmlns:a16="http://schemas.microsoft.com/office/drawing/2014/main" id="{D55ADE35-C35B-07C1-F5AA-C33B3DDB802E}"/>
-              </a:ext>
-            </a:extLst>
-          </p:cNvPr>
+          <p:cNvPr id="1048602" name="TextBox 13"/>
           <p:cNvSpPr txBox="1"/>
           <p:nvPr/>
         </p:nvSpPr>
         <p:spPr>
           <a:xfrm>
-            <a:off x="2554542" y="3314150"/>
-            <a:ext cx="8610600" cy="2308324"/>
-          </a:xfrm>
-          <a:prstGeom prst="rect">
-            <a:avLst/>
-          </a:prstGeom>
+            <a:off x="1114425" y="2454028"/>
+            <a:ext cx="8610600" cy="2580640"/>
+          </a:xfrm>
+          <a:prstGeom prst="rect"/>
           <a:noFill/>
         </p:spPr>
         <p:txBody>
-          <a:bodyPr wrap="square" lIns="91440" tIns="45720" rIns="91440" bIns="45720" rtlCol="0" anchor="t">
+          <a:bodyPr anchor="t" bIns="45720" lIns="91440" rIns="91440" rtlCol="0" tIns="45720" wrap="square">
             <a:spAutoFit/>
           </a:bodyPr>
-          <a:lstStyle/>
           <a:p>
             <a:r>
-              <a:rPr lang="en-US" sz="2400" dirty="0"/>
+              <a:rPr dirty="0" sz="2400" lang="en-US"/>
               <a:t>STUDENT NAME</a:t>
             </a:r>
             <a:r>
-              <a:rPr lang="en-IN" sz="2400" dirty="0"/>
-              <a:t>:Amsaprasanna.p</a:t>
-            </a:r>
-            <a:endParaRPr lang="en-US" sz="2400" dirty="0"/>
+              <a:rPr dirty="0" sz="2400" lang="en-IN"/>
+              <a:t>:</a:t>
+            </a:r>
+            <a:r>
+              <a:rPr dirty="0" sz="2400" lang="en-US"/>
+              <a:t> </a:t>
+            </a:r>
+            <a:r>
+              <a:rPr dirty="0" sz="2400" lang="en-US"/>
+              <a:t>S</a:t>
+            </a:r>
+            <a:r>
+              <a:rPr dirty="0" sz="2400" lang="en-US"/>
+              <a:t>R</a:t>
+            </a:r>
+            <a:r>
+              <a:rPr dirty="0" sz="2400" lang="en-US"/>
+              <a:t>I</a:t>
+            </a:r>
+            <a:r>
+              <a:rPr dirty="0" sz="2400" lang="en-US"/>
+              <a:t>V</a:t>
+            </a:r>
+            <a:r>
+              <a:rPr dirty="0" sz="2400" lang="en-US"/>
+              <a:t>A</a:t>
+            </a:r>
+            <a:r>
+              <a:rPr dirty="0" sz="2400" lang="en-US"/>
+              <a:t>K</a:t>
+            </a:r>
+            <a:r>
+              <a:rPr dirty="0" sz="2400" lang="en-US"/>
+              <a:t>.</a:t>
+            </a:r>
+            <a:r>
+              <a:rPr dirty="0" sz="2400" lang="en-US"/>
+              <a:t>A</a:t>
+            </a:r>
+            <a:endParaRPr dirty="0" sz="2400" lang="en-US"/>
           </a:p>
           <a:p>
             <a:r>
-              <a:rPr lang="en-US" sz="2400" dirty="0"/>
-              <a:t>REGISTER NO AND NMID: </a:t>
-            </a:r>
-            <a:r>
-              <a:rPr lang="en-IN" sz="2400" dirty="0"/>
-              <a:t>B80181821E87637BBF54598F9383A304</a:t>
-            </a:r>
-            <a:endParaRPr lang="en-US" sz="2400" dirty="0">
+              <a:rPr dirty="0" sz="2400" lang="en-US"/>
+              <a:t>REGISTER NO AND NMID: 24133040500121070</a:t>
+            </a:r>
+            <a:r>
+              <a:rPr dirty="0" sz="2400" lang="en-US"/>
+              <a:t> </a:t>
+            </a:r>
+            <a:r>
+              <a:rPr dirty="0" sz="2400" lang="en-US"/>
+              <a:t>a</a:t>
+            </a:r>
+            <a:r>
+              <a:rPr dirty="0" sz="2400" lang="en-US"/>
+              <a:t>n</a:t>
+            </a:r>
+            <a:r>
+              <a:rPr dirty="0" sz="2400" lang="en-US"/>
+              <a:t>d</a:t>
+            </a:r>
+            <a:r>
+              <a:rPr dirty="0" sz="2400" lang="en-US"/>
+              <a:t> </a:t>
+            </a:r>
+            <a:r>
+              <a:rPr dirty="0" sz="2400" lang="en-US"/>
+              <a:t>autanm30430424ubca069</a:t>
+            </a:r>
+            <a:r>
+              <a:rPr dirty="0" sz="2400" lang="en-US"/>
+              <a:t> </a:t>
+            </a:r>
+            <a:endParaRPr dirty="0" sz="2400" lang="en-US">
               <a:cs typeface="Calibri"/>
             </a:endParaRPr>
           </a:p>
           <a:p>
             <a:r>
-              <a:rPr lang="en-US" sz="2400" dirty="0"/>
+              <a:rPr dirty="0" sz="2400" lang="en-US"/>
               <a:t>DEPARTMENT: </a:t>
             </a:r>
             <a:r>
-              <a:rPr lang="en-IN" sz="2400" dirty="0"/>
+              <a:rPr dirty="0" sz="2400" lang="en-IN"/>
               <a:t>BCA</a:t>
             </a:r>
-            <a:endParaRPr lang="en-US" sz="2400" dirty="0"/>
+            <a:endParaRPr dirty="0" sz="2400" lang="en-US"/>
           </a:p>
           <a:p>
             <a:r>
-              <a:rPr lang="en-US" sz="2400" dirty="0"/>
+              <a:rPr dirty="0" sz="2400" lang="en-US"/>
               <a:t>COLLEGE: </a:t>
             </a:r>
             <a:r>
-              <a:rPr lang="en-IN" sz="2400" dirty="0"/>
-              <a:t>VALLIAMMAI WOMEN’S COLLEGE</a:t>
-            </a:r>
+              <a:rPr dirty="0" sz="2400" lang="en-US"/>
+              <a:t>T</a:t>
+            </a:r>
+            <a:r>
+              <a:rPr dirty="0" sz="2400" lang="en-US"/>
+              <a:t>h</a:t>
+            </a:r>
+            <a:r>
+              <a:rPr dirty="0" sz="2400" lang="en-US"/>
+              <a:t>i</a:t>
+            </a:r>
+            <a:r>
+              <a:rPr dirty="0" sz="2400" lang="en-US"/>
+              <a:t>r</a:t>
+            </a:r>
+            <a:r>
+              <a:rPr dirty="0" sz="2400" lang="en-US"/>
+              <a:t>rukkovillur </a:t>
+            </a:r>
+            <a:r>
+              <a:rPr dirty="0" sz="2400" lang="en-US"/>
+              <a:t>c</a:t>
+            </a:r>
+            <a:r>
+              <a:rPr dirty="0" sz="2400" lang="en-US"/>
+              <a:t>o</a:t>
+            </a:r>
+            <a:r>
+              <a:rPr dirty="0" sz="2400" lang="en-US"/>
+              <a:t>l</a:t>
+            </a:r>
+            <a:r>
+              <a:rPr dirty="0" sz="2400" lang="en-US"/>
+              <a:t>lege </a:t>
+            </a:r>
+            <a:r>
+              <a:rPr dirty="0" sz="2400" lang="en-US"/>
+              <a:t>o</a:t>
+            </a:r>
+            <a:r>
+              <a:rPr dirty="0" sz="2400" lang="en-US"/>
+              <a:t>f </a:t>
+            </a:r>
+            <a:r>
+              <a:rPr dirty="0" sz="2400" lang="en-US"/>
+              <a:t>a</a:t>
+            </a:r>
+            <a:r>
+              <a:rPr dirty="0" sz="2400" lang="en-US"/>
+              <a:t>r</a:t>
+            </a:r>
+            <a:r>
+              <a:rPr dirty="0" sz="2400" lang="en-US"/>
+              <a:t>ts </a:t>
+            </a:r>
+            <a:r>
+              <a:rPr dirty="0" sz="2400" lang="en-US"/>
+              <a:t>&amp;</a:t>
+            </a:r>
+            <a:r>
+              <a:rPr dirty="0" sz="2400" lang="en-US"/>
+              <a:t> science </a:t>
+            </a:r>
+            <a:endParaRPr altLang="en-US" lang="zh-CN"/>
           </a:p>
           <a:p>
             <a:r>
-              <a:rPr lang="en-IN" sz="2400" dirty="0"/>
+              <a:rPr dirty="0" sz="2400" lang="en-IN"/>
               <a:t>UNIVERCITY:ANNAMALAI UNIVERCITY</a:t>
             </a:r>
-            <a:endParaRPr lang="en-US" sz="2400" dirty="0"/>
+            <a:endParaRPr dirty="0" sz="2400" lang="en-US"/>
           </a:p>
           <a:p>
             <a:r>
-              <a:rPr lang="en-US" sz="2400" dirty="0"/>
+              <a:rPr dirty="0" sz="2400" lang="en-US"/>
               <a:t>           </a:t>
             </a:r>
-            <a:endParaRPr lang="en-IN" sz="2400" dirty="0"/>
+            <a:endParaRPr dirty="0" sz="2400" lang="en-IN"/>
           </a:p>
         </p:txBody>
       </p:sp>
@@ -2803,7 +2743,7 @@
   <p:cSld>
     <p:spTree>
       <p:nvGrpSpPr>
-        <p:cNvPr id="1" name=""/>
+        <p:cNvPr id="38" name=""/>
         <p:cNvGrpSpPr/>
         <p:nvPr/>
       </p:nvGrpSpPr>
@@ -2817,7 +2757,7 @@
       </p:grpSpPr>
       <p:sp>
         <p:nvSpPr>
-          <p:cNvPr id="2" name="object 2"/>
+          <p:cNvPr id="1048665" name="object 2"/>
           <p:cNvSpPr txBox="1"/>
           <p:nvPr/>
         </p:nvSpPr>
@@ -2826,15 +2766,12 @@
             <a:off x="752475" y="6486037"/>
             <a:ext cx="1773555" cy="166370"/>
           </a:xfrm>
-          <a:prstGeom prst="rect">
-            <a:avLst/>
-          </a:prstGeom>
-        </p:spPr>
-        <p:txBody>
-          <a:bodyPr vert="horz" wrap="square" lIns="0" tIns="0" rIns="0" bIns="0" rtlCol="0">
+          <a:prstGeom prst="rect"/>
+        </p:spPr>
+        <p:txBody>
+          <a:bodyPr bIns="0" lIns="0" rIns="0" rtlCol="0" tIns="0" vert="horz" wrap="square">
             <a:spAutoFit/>
           </a:bodyPr>
-          <a:lstStyle/>
           <a:p>
             <a:pPr>
               <a:lnSpc>
@@ -2842,7 +2779,7 @@
               </a:lnSpc>
             </a:pPr>
             <a:r>
-              <a:rPr sz="1100" spc="20" dirty="0">
+              <a:rPr dirty="0" sz="1100" spc="20">
                 <a:solidFill>
                   <a:srgbClr val="2D83C3"/>
                 </a:solidFill>
@@ -2852,7 +2789,7 @@
               <a:t>3/21/202</a:t>
             </a:r>
             <a:r>
-              <a:rPr sz="1100" spc="10" dirty="0">
+              <a:rPr dirty="0" sz="1100" spc="10">
                 <a:solidFill>
                   <a:srgbClr val="2D83C3"/>
                 </a:solidFill>
@@ -2862,7 +2799,7 @@
               <a:t>4</a:t>
             </a:r>
             <a:r>
-              <a:rPr sz="1100" dirty="0">
+              <a:rPr dirty="0" sz="1100">
                 <a:solidFill>
                   <a:srgbClr val="2D83C3"/>
                 </a:solidFill>
@@ -2872,7 +2809,7 @@
               <a:t> </a:t>
             </a:r>
             <a:r>
-              <a:rPr sz="1100" spc="130" dirty="0">
+              <a:rPr dirty="0" sz="1100" spc="130">
                 <a:solidFill>
                   <a:srgbClr val="2D83C3"/>
                 </a:solidFill>
@@ -2882,7 +2819,7 @@
               <a:t> </a:t>
             </a:r>
             <a:r>
-              <a:rPr sz="1100" b="1" spc="50" dirty="0">
+              <a:rPr b="1" dirty="0" sz="1100" spc="50">
                 <a:solidFill>
                   <a:srgbClr val="2D83C3"/>
                 </a:solidFill>
@@ -2892,7 +2829,7 @@
               <a:t>A</a:t>
             </a:r>
             <a:r>
-              <a:rPr sz="1100" b="1" spc="15" dirty="0">
+              <a:rPr b="1" dirty="0" sz="1100" spc="15">
                 <a:solidFill>
                   <a:srgbClr val="2D83C3"/>
                 </a:solidFill>
@@ -2902,7 +2839,7 @@
               <a:t>nnu</a:t>
             </a:r>
             <a:r>
-              <a:rPr sz="1100" b="1" spc="10" dirty="0">
+              <a:rPr b="1" dirty="0" sz="1100" spc="10">
                 <a:solidFill>
                   <a:srgbClr val="2D83C3"/>
                 </a:solidFill>
@@ -2912,7 +2849,7 @@
               <a:t>al</a:t>
             </a:r>
             <a:r>
-              <a:rPr sz="1100" b="1" spc="-140" dirty="0">
+              <a:rPr b="1" dirty="0" sz="1100" spc="-140">
                 <a:solidFill>
                   <a:srgbClr val="2D83C3"/>
                 </a:solidFill>
@@ -2922,7 +2859,7 @@
               <a:t> </a:t>
             </a:r>
             <a:r>
-              <a:rPr sz="1100" b="1" dirty="0">
+              <a:rPr b="1" dirty="0" sz="1100">
                 <a:solidFill>
                   <a:srgbClr val="2D83C3"/>
                 </a:solidFill>
@@ -2932,7 +2869,7 @@
               <a:t>R</a:t>
             </a:r>
             <a:r>
-              <a:rPr sz="1100" b="1" spc="35" dirty="0">
+              <a:rPr b="1" dirty="0" sz="1100" spc="35">
                 <a:solidFill>
                   <a:srgbClr val="2D83C3"/>
                 </a:solidFill>
@@ -2942,7 +2879,7 @@
               <a:t>e</a:t>
             </a:r>
             <a:r>
-              <a:rPr sz="1100" b="1" spc="90" dirty="0">
+              <a:rPr b="1" dirty="0" sz="1100" spc="90">
                 <a:solidFill>
                   <a:srgbClr val="2D83C3"/>
                 </a:solidFill>
@@ -2952,7 +2889,7 @@
               <a:t>v</a:t>
             </a:r>
             <a:r>
-              <a:rPr sz="1100" b="1" spc="-35" dirty="0">
+              <a:rPr b="1" dirty="0" sz="1100" spc="-35">
                 <a:solidFill>
                   <a:srgbClr val="2D83C3"/>
                 </a:solidFill>
@@ -2962,7 +2899,7 @@
               <a:t>i</a:t>
             </a:r>
             <a:r>
-              <a:rPr sz="1100" b="1" spc="35" dirty="0">
+              <a:rPr b="1" dirty="0" sz="1100" spc="35">
                 <a:solidFill>
                   <a:srgbClr val="2D83C3"/>
                 </a:solidFill>
@@ -2972,7 +2909,7 @@
               <a:t>e</a:t>
             </a:r>
             <a:r>
-              <a:rPr sz="1100" b="1" spc="15" dirty="0">
+              <a:rPr b="1" dirty="0" sz="1100" spc="15">
                 <a:solidFill>
                   <a:srgbClr val="2D83C3"/>
                 </a:solidFill>
@@ -2990,7 +2927,7 @@
       </p:sp>
       <p:sp>
         <p:nvSpPr>
-          <p:cNvPr id="3" name="object 3"/>
+          <p:cNvPr id="1048666" name="object 3"/>
           <p:cNvSpPr/>
           <p:nvPr/>
         </p:nvSpPr>
@@ -3001,9 +2938,7 @@
           </a:xfrm>
           <a:custGeom>
             <a:avLst/>
-            <a:gdLst/>
             <a:ahLst/>
-            <a:cxnLst/>
             <a:rect l="l" t="t" r="r" b="b"/>
             <a:pathLst>
               <a:path w="457200" h="457200">
@@ -3031,16 +2966,13 @@
           </a:solidFill>
         </p:spPr>
         <p:txBody>
-          <a:bodyPr wrap="square" lIns="0" tIns="0" rIns="0" bIns="0" rtlCol="0"/>
-          <a:lstStyle/>
-          <a:p>
-            <a:endParaRPr/>
-          </a:p>
-        </p:txBody>
-      </p:sp>
-      <p:sp>
-        <p:nvSpPr>
-          <p:cNvPr id="4" name="object 4"/>
+          <a:bodyPr bIns="0" lIns="0" rIns="0" rtlCol="0" tIns="0" wrap="square"/>
+          <a:p/>
+        </p:txBody>
+      </p:sp>
+      <p:sp>
+        <p:nvSpPr>
+          <p:cNvPr id="1048667" name="object 4"/>
           <p:cNvSpPr/>
           <p:nvPr/>
         </p:nvSpPr>
@@ -3051,9 +2983,7 @@
           </a:xfrm>
           <a:custGeom>
             <a:avLst/>
-            <a:gdLst/>
             <a:ahLst/>
-            <a:cxnLst/>
             <a:rect l="l" t="t" r="r" b="b"/>
             <a:pathLst>
               <a:path w="314325" h="323850">
@@ -3081,16 +3011,13 @@
           </a:solidFill>
         </p:spPr>
         <p:txBody>
-          <a:bodyPr wrap="square" lIns="0" tIns="0" rIns="0" bIns="0" rtlCol="0"/>
-          <a:lstStyle/>
-          <a:p>
-            <a:endParaRPr/>
-          </a:p>
-        </p:txBody>
-      </p:sp>
-      <p:sp>
-        <p:nvSpPr>
-          <p:cNvPr id="5" name="object 5"/>
+          <a:bodyPr bIns="0" lIns="0" rIns="0" rtlCol="0" tIns="0" wrap="square"/>
+          <a:p/>
+        </p:txBody>
+      </p:sp>
+      <p:sp>
+        <p:nvSpPr>
+          <p:cNvPr id="1048668" name="object 5"/>
           <p:cNvSpPr/>
           <p:nvPr/>
         </p:nvSpPr>
@@ -3101,9 +3028,7 @@
           </a:xfrm>
           <a:custGeom>
             <a:avLst/>
-            <a:gdLst/>
             <a:ahLst/>
-            <a:cxnLst/>
             <a:rect l="l" t="t" r="r" b="b"/>
             <a:pathLst>
               <a:path w="180975" h="180975">
@@ -3131,21 +3056,20 @@
           </a:solidFill>
         </p:spPr>
         <p:txBody>
-          <a:bodyPr wrap="square" lIns="0" tIns="0" rIns="0" bIns="0" rtlCol="0"/>
-          <a:lstStyle/>
-          <a:p>
-            <a:endParaRPr/>
-          </a:p>
+          <a:bodyPr bIns="0" lIns="0" rIns="0" rtlCol="0" tIns="0" wrap="square"/>
+          <a:p/>
         </p:txBody>
       </p:sp>
       <p:pic>
         <p:nvPicPr>
-          <p:cNvPr id="6" name="object 6"/>
-          <p:cNvPicPr/>
+          <p:cNvPr id="2097166" name="object 6"/>
+          <p:cNvPicPr>
+            <a:picLocks/>
+          </p:cNvPicPr>
           <p:nvPr/>
         </p:nvPicPr>
         <p:blipFill>
-          <a:blip r:embed="rId2" cstate="print"/>
+          <a:blip xmlns:r="http://schemas.openxmlformats.org/officeDocument/2006/relationships" r:embed="rId1" cstate="print"/>
           <a:stretch>
             <a:fillRect/>
           </a:stretch>
@@ -3155,14 +3079,12 @@
             <a:off x="66675" y="3381373"/>
             <a:ext cx="2466975" cy="3419475"/>
           </a:xfrm>
-          <a:prstGeom prst="rect">
-            <a:avLst/>
-          </a:prstGeom>
+          <a:prstGeom prst="rect"/>
         </p:spPr>
       </p:pic>
       <p:sp>
         <p:nvSpPr>
-          <p:cNvPr id="7" name="object 7"/>
+          <p:cNvPr id="1048669" name="object 7"/>
           <p:cNvSpPr txBox="1">
             <a:spLocks noGrp="1"/>
           </p:cNvSpPr>
@@ -3173,17 +3095,14 @@
         <p:spPr>
           <a:xfrm>
             <a:off x="739775" y="654938"/>
-            <a:ext cx="8480425" cy="670696"/>
-          </a:xfrm>
-          <a:prstGeom prst="rect">
-            <a:avLst/>
-          </a:prstGeom>
-        </p:spPr>
-        <p:txBody>
-          <a:bodyPr vert="horz" wrap="square" lIns="0" tIns="16510" rIns="0" bIns="0" rtlCol="0">
+            <a:ext cx="8480425" cy="638810"/>
+          </a:xfrm>
+          <a:prstGeom prst="rect"/>
+        </p:spPr>
+        <p:txBody>
+          <a:bodyPr bIns="0" lIns="0" rIns="0" rtlCol="0" tIns="16510" vert="horz" wrap="square">
             <a:spAutoFit/>
           </a:bodyPr>
-          <a:lstStyle/>
           <a:p>
             <a:pPr marL="12700">
               <a:lnSpc>
@@ -3194,16 +3113,16 @@
               </a:spcBef>
             </a:pPr>
             <a:r>
-              <a:rPr lang="en-IN" sz="4250" spc="15" dirty="0"/>
+              <a:rPr dirty="0" sz="4250" lang="en-IN" spc="15"/>
               <a:t>RESULTS AND SCREENSHOTS</a:t>
             </a:r>
-            <a:endParaRPr sz="4250" dirty="0"/>
+            <a:endParaRPr dirty="0" sz="4250"/>
           </a:p>
         </p:txBody>
       </p:sp>
       <p:sp>
         <p:nvSpPr>
-          <p:cNvPr id="8" name="object 8"/>
+          <p:cNvPr id="1048670" name="object 8"/>
           <p:cNvSpPr txBox="1"/>
           <p:nvPr/>
         </p:nvSpPr>
@@ -3212,15 +3131,12 @@
             <a:off x="11277218" y="6473337"/>
             <a:ext cx="228600" cy="191770"/>
           </a:xfrm>
-          <a:prstGeom prst="rect">
-            <a:avLst/>
-          </a:prstGeom>
-        </p:spPr>
-        <p:txBody>
-          <a:bodyPr vert="horz" wrap="square" lIns="0" tIns="6985" rIns="0" bIns="0" rtlCol="0">
+          <a:prstGeom prst="rect"/>
+        </p:spPr>
+        <p:txBody>
+          <a:bodyPr bIns="0" lIns="0" rIns="0" rtlCol="0" tIns="6985" vert="horz" wrap="square">
             <a:spAutoFit/>
           </a:bodyPr>
-          <a:lstStyle/>
           <a:p>
             <a:pPr marL="38100">
               <a:lnSpc>
@@ -3231,7 +3147,7 @@
               </a:spcBef>
             </a:pPr>
             <a:fld id="{81D60167-4931-47E6-BA6A-407CBD079E47}" type="slidenum">
-              <a:rPr sz="1100" spc="10" dirty="0">
+              <a:rPr dirty="0" sz="1100" spc="10">
                 <a:solidFill>
                   <a:srgbClr val="2D936B"/>
                 </a:solidFill>
@@ -3249,37 +3165,28 @@
       </p:sp>
       <p:sp>
         <p:nvSpPr>
-          <p:cNvPr id="9" name="TextBox 8">
-            <a:extLst>
-              <a:ext uri="{FF2B5EF4-FFF2-40B4-BE49-F238E27FC236}">
-                <a16:creationId xmlns:a16="http://schemas.microsoft.com/office/drawing/2014/main" id="{FAD9CEB2-36E1-0550-426B-2FAF97882044}"/>
-              </a:ext>
-            </a:extLst>
-          </p:cNvPr>
+          <p:cNvPr id="1048671" name="TextBox 8"/>
           <p:cNvSpPr txBox="1"/>
           <p:nvPr/>
         </p:nvSpPr>
         <p:spPr>
           <a:xfrm>
             <a:off x="2743200" y="2354703"/>
-            <a:ext cx="8534018" cy="8279190"/>
-          </a:xfrm>
-          <a:prstGeom prst="rect">
-            <a:avLst/>
-          </a:prstGeom>
+            <a:ext cx="8534018" cy="8054340"/>
+          </a:xfrm>
+          <a:prstGeom prst="rect"/>
           <a:noFill/>
         </p:spPr>
         <p:txBody>
-          <a:bodyPr wrap="square" rtlCol="0">
+          <a:bodyPr rtlCol="0" wrap="square">
             <a:spAutoFit/>
           </a:bodyPr>
-          <a:lstStyle/>
           <a:p>
             <a:pPr algn="l">
               <a:buFont typeface="Arial" panose="020B0604020202020204" pitchFamily="34" charset="0"/>
               <a:buChar char="•"/>
             </a:pPr>
-            <a:endParaRPr lang="en-US" sz="2800" b="0" i="0" dirty="0">
+            <a:endParaRPr b="0" dirty="0" sz="2800" i="0" lang="en-US">
               <a:solidFill>
                 <a:srgbClr val="0D0D0D"/>
               </a:solidFill>
@@ -3290,7 +3197,7 @@
           </a:p>
           <a:p>
             <a:r>
-              <a:rPr lang="en-IN" sz="2800" dirty="0">
+              <a:rPr dirty="0" sz="2800" lang="en-IN">
                 <a:latin typeface="Times New Roman" panose="02020603050405020304" pitchFamily="18" charset="0"/>
                 <a:cs typeface="Times New Roman" panose="02020603050405020304" pitchFamily="18" charset="0"/>
               </a:rPr>
@@ -3322,7 +3229,7 @@
   <p:cSld>
     <p:spTree>
       <p:nvGrpSpPr>
-        <p:cNvPr id="1" name=""/>
+        <p:cNvPr id="39" name=""/>
         <p:cNvGrpSpPr/>
         <p:nvPr/>
       </p:nvGrpSpPr>
@@ -3336,7 +3243,7 @@
       </p:grpSpPr>
       <p:sp>
         <p:nvSpPr>
-          <p:cNvPr id="3" name="object 3"/>
+          <p:cNvPr id="1048672" name="object 3"/>
           <p:cNvSpPr/>
           <p:nvPr/>
         </p:nvSpPr>
@@ -3347,9 +3254,7 @@
           </a:xfrm>
           <a:custGeom>
             <a:avLst/>
-            <a:gdLst/>
             <a:ahLst/>
-            <a:cxnLst/>
             <a:rect l="l" t="t" r="r" b="b"/>
             <a:pathLst>
               <a:path w="457200" h="457200">
@@ -3377,16 +3282,13 @@
           </a:solidFill>
         </p:spPr>
         <p:txBody>
-          <a:bodyPr wrap="square" lIns="0" tIns="0" rIns="0" bIns="0" rtlCol="0"/>
-          <a:lstStyle/>
-          <a:p>
-            <a:endParaRPr/>
-          </a:p>
-        </p:txBody>
-      </p:sp>
-      <p:sp>
-        <p:nvSpPr>
-          <p:cNvPr id="4" name="object 4"/>
+          <a:bodyPr bIns="0" lIns="0" rIns="0" rtlCol="0" tIns="0" wrap="square"/>
+          <a:p/>
+        </p:txBody>
+      </p:sp>
+      <p:sp>
+        <p:nvSpPr>
+          <p:cNvPr id="1048673" name="object 4"/>
           <p:cNvSpPr/>
           <p:nvPr/>
         </p:nvSpPr>
@@ -3397,9 +3299,7 @@
           </a:xfrm>
           <a:custGeom>
             <a:avLst/>
-            <a:gdLst/>
             <a:ahLst/>
-            <a:cxnLst/>
             <a:rect l="l" t="t" r="r" b="b"/>
             <a:pathLst>
               <a:path w="314325" h="323850">
@@ -3427,16 +3327,13 @@
           </a:solidFill>
         </p:spPr>
         <p:txBody>
-          <a:bodyPr wrap="square" lIns="0" tIns="0" rIns="0" bIns="0" rtlCol="0"/>
-          <a:lstStyle/>
-          <a:p>
-            <a:endParaRPr/>
-          </a:p>
-        </p:txBody>
-      </p:sp>
-      <p:sp>
-        <p:nvSpPr>
-          <p:cNvPr id="5" name="object 5"/>
+          <a:bodyPr bIns="0" lIns="0" rIns="0" rtlCol="0" tIns="0" wrap="square"/>
+          <a:p/>
+        </p:txBody>
+      </p:sp>
+      <p:sp>
+        <p:nvSpPr>
+          <p:cNvPr id="1048674" name="object 5"/>
           <p:cNvSpPr/>
           <p:nvPr/>
         </p:nvSpPr>
@@ -3447,9 +3344,7 @@
           </a:xfrm>
           <a:custGeom>
             <a:avLst/>
-            <a:gdLst/>
             <a:ahLst/>
-            <a:cxnLst/>
             <a:rect l="l" t="t" r="r" b="b"/>
             <a:pathLst>
               <a:path w="180975" h="180975">
@@ -3477,21 +3372,20 @@
           </a:solidFill>
         </p:spPr>
         <p:txBody>
-          <a:bodyPr wrap="square" lIns="0" tIns="0" rIns="0" bIns="0" rtlCol="0"/>
-          <a:lstStyle/>
-          <a:p>
-            <a:endParaRPr/>
-          </a:p>
+          <a:bodyPr bIns="0" lIns="0" rIns="0" rtlCol="0" tIns="0" wrap="square"/>
+          <a:p/>
         </p:txBody>
       </p:sp>
       <p:pic>
         <p:nvPicPr>
-          <p:cNvPr id="6" name="object 6"/>
-          <p:cNvPicPr/>
+          <p:cNvPr id="2097167" name="object 6"/>
+          <p:cNvPicPr>
+            <a:picLocks/>
+          </p:cNvPicPr>
           <p:nvPr/>
         </p:nvPicPr>
         <p:blipFill>
-          <a:blip r:embed="rId2" cstate="print"/>
+          <a:blip xmlns:r="http://schemas.openxmlformats.org/officeDocument/2006/relationships" r:embed="rId1" cstate="print"/>
           <a:stretch>
             <a:fillRect/>
           </a:stretch>
@@ -3501,14 +3395,12 @@
             <a:off x="1666875" y="6467475"/>
             <a:ext cx="76200" cy="177800"/>
           </a:xfrm>
-          <a:prstGeom prst="rect">
-            <a:avLst/>
-          </a:prstGeom>
+          <a:prstGeom prst="rect"/>
         </p:spPr>
       </p:pic>
       <p:sp>
         <p:nvSpPr>
-          <p:cNvPr id="7" name="object 7"/>
+          <p:cNvPr id="1048675" name="object 7"/>
           <p:cNvSpPr txBox="1">
             <a:spLocks noGrp="1"/>
           </p:cNvSpPr>
@@ -3521,15 +3413,12 @@
             <a:off x="755332" y="385444"/>
             <a:ext cx="4578668" cy="752129"/>
           </a:xfrm>
-          <a:prstGeom prst="rect">
-            <a:avLst/>
-          </a:prstGeom>
-        </p:spPr>
-        <p:txBody>
-          <a:bodyPr vert="horz" wrap="square" lIns="0" tIns="13335" rIns="0" bIns="0" rtlCol="0">
+          <a:prstGeom prst="rect"/>
+        </p:spPr>
+        <p:txBody>
+          <a:bodyPr bIns="0" lIns="0" rIns="0" rtlCol="0" tIns="13335" vert="horz" wrap="square">
             <a:spAutoFit/>
           </a:bodyPr>
-          <a:lstStyle/>
           <a:p>
             <a:pPr marL="12700">
               <a:lnSpc>
@@ -3540,7 +3429,7 @@
               </a:spcBef>
             </a:pPr>
             <a:r>
-              <a:rPr lang="en-IN" dirty="0"/>
+              <a:rPr dirty="0" lang="en-IN"/>
               <a:t>CONCLUSION</a:t>
             </a:r>
             <a:endParaRPr dirty="0"/>
@@ -3549,7 +3438,7 @@
       </p:sp>
       <p:sp>
         <p:nvSpPr>
-          <p:cNvPr id="9" name="object 9"/>
+          <p:cNvPr id="1048676" name="object 9"/>
           <p:cNvSpPr txBox="1"/>
           <p:nvPr/>
         </p:nvSpPr>
@@ -3558,15 +3447,12 @@
             <a:off x="11277218" y="6473337"/>
             <a:ext cx="228600" cy="191770"/>
           </a:xfrm>
-          <a:prstGeom prst="rect">
-            <a:avLst/>
-          </a:prstGeom>
-        </p:spPr>
-        <p:txBody>
-          <a:bodyPr vert="horz" wrap="square" lIns="0" tIns="6985" rIns="0" bIns="0" rtlCol="0">
+          <a:prstGeom prst="rect"/>
+        </p:spPr>
+        <p:txBody>
+          <a:bodyPr bIns="0" lIns="0" rIns="0" rtlCol="0" tIns="6985" vert="horz" wrap="square">
             <a:spAutoFit/>
           </a:bodyPr>
-          <a:lstStyle/>
           <a:p>
             <a:pPr marL="38100">
               <a:lnSpc>
@@ -3577,7 +3463,7 @@
               </a:spcBef>
             </a:pPr>
             <a:fld id="{81D60167-4931-47E6-BA6A-407CBD079E47}" type="slidenum">
-              <a:rPr sz="1100" spc="10" dirty="0">
+              <a:rPr dirty="0" sz="1100" spc="10">
                 <a:solidFill>
                   <a:srgbClr val="2D936B"/>
                 </a:solidFill>
@@ -3595,36 +3481,143 @@
       </p:sp>
       <p:sp>
         <p:nvSpPr>
-          <p:cNvPr id="8" name="TextBox 7">
-            <a:extLst>
-              <a:ext uri="{FF2B5EF4-FFF2-40B4-BE49-F238E27FC236}">
-                <a16:creationId xmlns:a16="http://schemas.microsoft.com/office/drawing/2014/main" id="{ED9E97C4-2A9B-F7D7-D1D2-6F7E18AFA5D8}"/>
-              </a:ext>
-            </a:extLst>
-          </p:cNvPr>
+          <p:cNvPr id="1048677" name="TextBox 7"/>
           <p:cNvSpPr txBox="1"/>
           <p:nvPr/>
         </p:nvSpPr>
         <p:spPr>
           <a:xfrm>
             <a:off x="3050038" y="2834948"/>
-            <a:ext cx="6100074" cy="1200329"/>
-          </a:xfrm>
-          <a:prstGeom prst="rect">
-            <a:avLst/>
-          </a:prstGeom>
+            <a:ext cx="6100074" cy="1158241"/>
+          </a:xfrm>
+          <a:prstGeom prst="rect"/>
           <a:noFill/>
         </p:spPr>
         <p:txBody>
           <a:bodyPr wrap="square">
             <a:spAutoFit/>
           </a:bodyPr>
-          <a:lstStyle/>
           <a:p>
             <a:r>
               <a:rPr lang="en-US"/>
               <a:t>It seems like we've wrapped up our conversation! To conclude, what were your key takeaways or next steps? Want to explore more topics or revisit something we discussed? I'm here to help!</a:t>
             </a:r>
+          </a:p>
+        </p:txBody>
+      </p:sp>
+    </p:spTree>
+  </p:cSld>
+  <p:clrMapOvr>
+    <a:masterClrMapping/>
+  </p:clrMapOvr>
+</p:sld>
+</file>
+
+<file path=ppt/slides/slide12.xml><?xml version="1.0" encoding="utf-8"?>
+<p:sld xmlns:a="http://schemas.openxmlformats.org/drawingml/2006/main" xmlns:r="http://schemas.openxmlformats.org/officeDocument/2006/relationships" xmlns:p="http://schemas.openxmlformats.org/presentationml/2006/main">
+  <p:cSld>
+    <p:spTree>
+      <p:nvGrpSpPr>
+        <p:cNvPr id="44" name=""/>
+        <p:cNvGrpSpPr/>
+        <p:nvPr/>
+      </p:nvGrpSpPr>
+      <p:grpSpPr>
+        <a:xfrm>
+          <a:off x="0" y="0"/>
+          <a:ext cx="0" cy="0"/>
+          <a:chOff x="0" y="0"/>
+          <a:chExt cx="0" cy="0"/>
+        </a:xfrm>
+      </p:grpSpPr>
+      <p:sp>
+        <p:nvSpPr>
+          <p:cNvPr id="1048698" name=""/>
+          <p:cNvSpPr>
+            <a:spLocks noGrp="1"/>
+          </p:cNvSpPr>
+          <p:nvPr>
+            <p:ph type="title"/>
+          </p:nvPr>
+        </p:nvSpPr>
+        <p:spPr/>
+        <p:txBody>
+          <a:bodyPr/>
+          <a:p>
+            <a:r>
+              <a:rPr lang="en-US"/>
+              <a:t>G</a:t>
+            </a:r>
+            <a:r>
+              <a:rPr lang="en-US"/>
+              <a:t>I</a:t>
+            </a:r>
+            <a:r>
+              <a:rPr lang="en-US"/>
+              <a:t>T</a:t>
+            </a:r>
+            <a:r>
+              <a:rPr lang="en-US"/>
+              <a:t> </a:t>
+            </a:r>
+            <a:r>
+              <a:rPr lang="en-US"/>
+              <a:t>H</a:t>
+            </a:r>
+            <a:r>
+              <a:rPr lang="en-US"/>
+              <a:t>U</a:t>
+            </a:r>
+            <a:r>
+              <a:rPr lang="en-US"/>
+              <a:t>B</a:t>
+            </a:r>
+            <a:r>
+              <a:rPr lang="en-US"/>
+              <a:t> </a:t>
+            </a:r>
+            <a:r>
+              <a:rPr lang="en-US"/>
+              <a:t>L</a:t>
+            </a:r>
+            <a:r>
+              <a:rPr lang="en-US"/>
+              <a:t>I</a:t>
+            </a:r>
+            <a:r>
+              <a:rPr lang="en-US"/>
+              <a:t>N</a:t>
+            </a:r>
+            <a:r>
+              <a:rPr lang="en-US"/>
+              <a:t>K</a:t>
+            </a:r>
+            <a:endParaRPr lang="en-IN"/>
+          </a:p>
+        </p:txBody>
+      </p:sp>
+      <p:sp>
+        <p:nvSpPr>
+          <p:cNvPr id="1048699" name=""/>
+          <p:cNvSpPr>
+            <a:spLocks noGrp="1"/>
+          </p:cNvSpPr>
+          <p:nvPr>
+            <p:ph type="body" idx="1"/>
+          </p:nvPr>
+        </p:nvSpPr>
+        <p:spPr/>
+        <p:txBody>
+          <a:bodyPr/>
+          <a:p>
+            <a:pPr indent="0" marL="0">
+              <a:buNone/>
+            </a:pPr>
+            <a:r>
+              <a:rPr lang="en-IN"/>
+              <a:t>https://github.com/srivakkd-cmyk</a:t>
+            </a:r>
+            <a:endParaRPr lang="en-IN"/>
           </a:p>
         </p:txBody>
       </p:sp>
@@ -3641,7 +3634,7 @@
   <p:cSld>
     <p:spTree>
       <p:nvGrpSpPr>
-        <p:cNvPr id="1" name=""/>
+        <p:cNvPr id="25" name=""/>
         <p:cNvGrpSpPr/>
         <p:nvPr/>
       </p:nvGrpSpPr>
@@ -3655,7 +3648,7 @@
       </p:grpSpPr>
       <p:sp>
         <p:nvSpPr>
-          <p:cNvPr id="13" name="object 13"/>
+          <p:cNvPr id="1048610" name="object 13"/>
           <p:cNvSpPr/>
           <p:nvPr/>
         </p:nvSpPr>
@@ -3666,9 +3659,7 @@
           </a:xfrm>
           <a:custGeom>
             <a:avLst/>
-            <a:gdLst/>
             <a:ahLst/>
-            <a:cxnLst/>
             <a:rect l="l" t="t" r="r" b="b"/>
             <a:pathLst>
               <a:path w="447675" h="2847975">
@@ -3695,16 +3686,13 @@
           </a:solidFill>
         </p:spPr>
         <p:txBody>
-          <a:bodyPr wrap="square" lIns="0" tIns="0" rIns="0" bIns="0" rtlCol="0"/>
-          <a:lstStyle/>
-          <a:p>
-            <a:endParaRPr/>
-          </a:p>
-        </p:txBody>
-      </p:sp>
-      <p:sp>
-        <p:nvSpPr>
-          <p:cNvPr id="14" name="object 14"/>
+          <a:bodyPr bIns="0" lIns="0" rIns="0" rtlCol="0" tIns="0" wrap="square"/>
+          <a:p/>
+        </p:txBody>
+      </p:sp>
+      <p:sp>
+        <p:nvSpPr>
+          <p:cNvPr id="1048611" name="object 14"/>
           <p:cNvSpPr/>
           <p:nvPr/>
         </p:nvSpPr>
@@ -3715,9 +3703,7 @@
           </a:xfrm>
           <a:custGeom>
             <a:avLst/>
-            <a:gdLst/>
             <a:ahLst/>
-            <a:cxnLst/>
             <a:rect l="l" t="t" r="r" b="b"/>
             <a:pathLst>
               <a:path w="457200" h="457200">
@@ -3745,16 +3731,13 @@
           </a:solidFill>
         </p:spPr>
         <p:txBody>
-          <a:bodyPr wrap="square" lIns="0" tIns="0" rIns="0" bIns="0" rtlCol="0"/>
-          <a:lstStyle/>
-          <a:p>
-            <a:endParaRPr/>
-          </a:p>
-        </p:txBody>
-      </p:sp>
-      <p:sp>
-        <p:nvSpPr>
-          <p:cNvPr id="15" name="object 15"/>
+          <a:bodyPr bIns="0" lIns="0" rIns="0" rtlCol="0" tIns="0" wrap="square"/>
+          <a:p/>
+        </p:txBody>
+      </p:sp>
+      <p:sp>
+        <p:nvSpPr>
+          <p:cNvPr id="1048612" name="object 15"/>
           <p:cNvSpPr/>
           <p:nvPr/>
         </p:nvSpPr>
@@ -3765,9 +3748,7 @@
           </a:xfrm>
           <a:custGeom>
             <a:avLst/>
-            <a:gdLst/>
             <a:ahLst/>
-            <a:cxnLst/>
             <a:rect l="l" t="t" r="r" b="b"/>
             <a:pathLst>
               <a:path w="314325" h="323850">
@@ -3795,16 +3776,13 @@
           </a:solidFill>
         </p:spPr>
         <p:txBody>
-          <a:bodyPr wrap="square" lIns="0" tIns="0" rIns="0" bIns="0" rtlCol="0"/>
-          <a:lstStyle/>
-          <a:p>
-            <a:endParaRPr/>
-          </a:p>
-        </p:txBody>
-      </p:sp>
-      <p:sp>
-        <p:nvSpPr>
-          <p:cNvPr id="16" name="object 16"/>
+          <a:bodyPr bIns="0" lIns="0" rIns="0" rtlCol="0" tIns="0" wrap="square"/>
+          <a:p/>
+        </p:txBody>
+      </p:sp>
+      <p:sp>
+        <p:nvSpPr>
+          <p:cNvPr id="1048613" name="object 16"/>
           <p:cNvSpPr/>
           <p:nvPr/>
         </p:nvSpPr>
@@ -3815,9 +3793,7 @@
           </a:xfrm>
           <a:custGeom>
             <a:avLst/>
-            <a:gdLst/>
             <a:ahLst/>
-            <a:cxnLst/>
             <a:rect l="l" t="t" r="r" b="b"/>
             <a:pathLst>
               <a:path w="180975" h="180975">
@@ -3845,16 +3821,13 @@
           </a:solidFill>
         </p:spPr>
         <p:txBody>
-          <a:bodyPr wrap="square" lIns="0" tIns="0" rIns="0" bIns="0" rtlCol="0"/>
-          <a:lstStyle/>
-          <a:p>
-            <a:endParaRPr/>
-          </a:p>
-        </p:txBody>
-      </p:sp>
-      <p:sp>
-        <p:nvSpPr>
-          <p:cNvPr id="17" name="object 17"/>
+          <a:bodyPr bIns="0" lIns="0" rIns="0" rtlCol="0" tIns="0" wrap="square"/>
+          <a:p/>
+        </p:txBody>
+      </p:sp>
+      <p:sp>
+        <p:nvSpPr>
+          <p:cNvPr id="1048614" name="object 17"/>
           <p:cNvSpPr txBox="1">
             <a:spLocks noGrp="1"/>
           </p:cNvSpPr>
@@ -3865,17 +3838,14 @@
         <p:spPr>
           <a:xfrm>
             <a:off x="739775" y="829627"/>
-            <a:ext cx="3909695" cy="678180"/>
-          </a:xfrm>
-          <a:prstGeom prst="rect">
-            <a:avLst/>
-          </a:prstGeom>
-        </p:spPr>
-        <p:txBody>
-          <a:bodyPr vert="horz" wrap="square" lIns="0" tIns="16510" rIns="0" bIns="0" rtlCol="0">
+            <a:ext cx="3909695" cy="638810"/>
+          </a:xfrm>
+          <a:prstGeom prst="rect"/>
+        </p:spPr>
+        <p:txBody>
+          <a:bodyPr bIns="0" lIns="0" rIns="0" rtlCol="0" tIns="16510" vert="horz" wrap="square">
             <a:spAutoFit/>
           </a:bodyPr>
-          <a:lstStyle/>
           <a:p>
             <a:pPr marL="12700">
               <a:lnSpc>
@@ -3886,15 +3856,15 @@
               </a:spcBef>
             </a:pPr>
             <a:r>
-              <a:rPr sz="4250" spc="5" dirty="0"/>
+              <a:rPr dirty="0" sz="4250" spc="5"/>
               <a:t>PROJECT</a:t>
             </a:r>
             <a:r>
-              <a:rPr sz="4250" spc="-85" dirty="0"/>
+              <a:rPr dirty="0" sz="4250" spc="-85"/>
               <a:t> </a:t>
             </a:r>
             <a:r>
-              <a:rPr sz="4250" spc="25" dirty="0"/>
+              <a:rPr dirty="0" sz="4250" spc="25"/>
               <a:t>TITLE</a:t>
             </a:r>
             <a:endParaRPr sz="4250"/>
@@ -3903,7 +3873,7 @@
       </p:sp>
       <p:grpSp>
         <p:nvGrpSpPr>
-          <p:cNvPr id="18" name="object 18"/>
+          <p:cNvPr id="26" name="object 18"/>
           <p:cNvGrpSpPr/>
           <p:nvPr/>
         </p:nvGrpSpPr>
@@ -3917,12 +3887,14 @@
         </p:grpSpPr>
         <p:pic>
           <p:nvPicPr>
-            <p:cNvPr id="19" name="object 19"/>
-            <p:cNvPicPr/>
+            <p:cNvPr id="2097153" name="object 19"/>
+            <p:cNvPicPr>
+              <a:picLocks/>
+            </p:cNvPicPr>
             <p:nvPr/>
           </p:nvPicPr>
           <p:blipFill>
-            <a:blip r:embed="rId2" cstate="print"/>
+            <a:blip xmlns:r="http://schemas.openxmlformats.org/officeDocument/2006/relationships" r:embed="rId1" cstate="print"/>
             <a:stretch>
               <a:fillRect/>
             </a:stretch>
@@ -3932,19 +3904,19 @@
               <a:off x="676275" y="6467475"/>
               <a:ext cx="2143125" cy="200025"/>
             </a:xfrm>
-            <a:prstGeom prst="rect">
-              <a:avLst/>
-            </a:prstGeom>
+            <a:prstGeom prst="rect"/>
           </p:spPr>
         </p:pic>
         <p:pic>
           <p:nvPicPr>
-            <p:cNvPr id="20" name="object 20"/>
-            <p:cNvPicPr/>
+            <p:cNvPr id="2097154" name="object 20"/>
+            <p:cNvPicPr>
+              <a:picLocks/>
+            </p:cNvPicPr>
             <p:nvPr/>
           </p:nvPicPr>
           <p:blipFill>
-            <a:blip r:embed="rId3" cstate="print"/>
+            <a:blip xmlns:r="http://schemas.openxmlformats.org/officeDocument/2006/relationships" r:embed="rId2" cstate="print"/>
             <a:stretch>
               <a:fillRect/>
             </a:stretch>
@@ -3954,15 +3926,13 @@
               <a:off x="466725" y="6410325"/>
               <a:ext cx="3705225" cy="295275"/>
             </a:xfrm>
-            <a:prstGeom prst="rect">
-              <a:avLst/>
-            </a:prstGeom>
+            <a:prstGeom prst="rect"/>
           </p:spPr>
         </p:pic>
       </p:grpSp>
       <p:sp>
         <p:nvSpPr>
-          <p:cNvPr id="22" name="object 22"/>
+          <p:cNvPr id="1048615" name="object 22"/>
           <p:cNvSpPr txBox="1">
             <a:spLocks noGrp="1"/>
           </p:cNvSpPr>
@@ -3971,15 +3941,12 @@
           </p:nvPr>
         </p:nvSpPr>
         <p:spPr>
-          <a:prstGeom prst="rect">
-            <a:avLst/>
-          </a:prstGeom>
-        </p:spPr>
-        <p:txBody>
-          <a:bodyPr vert="horz" wrap="square" lIns="0" tIns="6985" rIns="0" bIns="0" rtlCol="0">
+          <a:prstGeom prst="rect"/>
+        </p:spPr>
+        <p:txBody>
+          <a:bodyPr bIns="0" lIns="0" rIns="0" rtlCol="0" tIns="6985" vert="horz" wrap="square">
             <a:spAutoFit/>
           </a:bodyPr>
-          <a:lstStyle/>
           <a:p>
             <a:pPr marL="38100">
               <a:lnSpc>
@@ -3990,40 +3957,31 @@
               </a:spcBef>
             </a:pPr>
             <a:fld id="{81D60167-4931-47E6-BA6A-407CBD079E47}" type="slidenum">
-              <a:rPr spc="10" dirty="0"/>
+              <a:rPr dirty="0" spc="10"/>
               <a:t>2</a:t>
             </a:fld>
-            <a:endParaRPr spc="10" dirty="0"/>
+            <a:endParaRPr dirty="0" spc="10"/>
           </a:p>
         </p:txBody>
       </p:sp>
       <p:sp>
         <p:nvSpPr>
-          <p:cNvPr id="23" name="TextBox 22">
-            <a:extLst>
-              <a:ext uri="{FF2B5EF4-FFF2-40B4-BE49-F238E27FC236}">
-                <a16:creationId xmlns:a16="http://schemas.microsoft.com/office/drawing/2014/main" id="{D30A150F-3EAE-D479-8200-B9D2E9090FA3}"/>
-              </a:ext>
-            </a:extLst>
-          </p:cNvPr>
+          <p:cNvPr id="1048616" name="TextBox 22"/>
           <p:cNvSpPr txBox="1"/>
           <p:nvPr/>
         </p:nvSpPr>
         <p:spPr>
           <a:xfrm>
             <a:off x="3048354" y="2691396"/>
-            <a:ext cx="6096706" cy="1477328"/>
-          </a:xfrm>
-          <a:prstGeom prst="rect">
-            <a:avLst/>
-          </a:prstGeom>
+            <a:ext cx="6096706" cy="1424941"/>
+          </a:xfrm>
+          <a:prstGeom prst="rect"/>
           <a:noFill/>
         </p:spPr>
         <p:txBody>
           <a:bodyPr wrap="square">
             <a:spAutoFit/>
           </a:bodyPr>
-          <a:lstStyle/>
           <a:p>
             <a:r>
               <a:rPr lang="en-US"/>
@@ -4045,7 +4003,7 @@
   <p:cSld>
     <p:spTree>
       <p:nvGrpSpPr>
-        <p:cNvPr id="1" name=""/>
+        <p:cNvPr id="27" name=""/>
         <p:cNvGrpSpPr/>
         <p:nvPr/>
       </p:nvGrpSpPr>
@@ -4059,7 +4017,7 @@
       </p:grpSpPr>
       <p:sp>
         <p:nvSpPr>
-          <p:cNvPr id="2" name="object 2"/>
+          <p:cNvPr id="1048617" name="object 2"/>
           <p:cNvSpPr/>
           <p:nvPr/>
         </p:nvSpPr>
@@ -4070,9 +4028,7 @@
           </a:xfrm>
           <a:custGeom>
             <a:avLst/>
-            <a:gdLst/>
             <a:ahLst/>
-            <a:cxnLst/>
             <a:rect l="l" t="t" r="r" b="b"/>
             <a:pathLst>
               <a:path w="12192000" h="6858000">
@@ -4100,8 +4056,7 @@
           </a:solidFill>
         </p:spPr>
         <p:txBody>
-          <a:bodyPr wrap="square" lIns="0" tIns="0" rIns="0" bIns="0" rtlCol="0"/>
-          <a:lstStyle/>
+          <a:bodyPr bIns="0" lIns="0" rIns="0" rtlCol="0" tIns="0" wrap="square"/>
           <a:p>
             <a:endParaRPr dirty="0"/>
           </a:p>
@@ -4109,7 +4064,7 @@
       </p:sp>
       <p:grpSp>
         <p:nvGrpSpPr>
-          <p:cNvPr id="3" name="object 3"/>
+          <p:cNvPr id="28" name="object 3"/>
           <p:cNvGrpSpPr/>
           <p:nvPr/>
         </p:nvGrpSpPr>
@@ -4123,7 +4078,7 @@
         </p:grpSpPr>
         <p:sp>
           <p:nvSpPr>
-            <p:cNvPr id="4" name="object 4"/>
+            <p:cNvPr id="1048618" name="object 4"/>
             <p:cNvSpPr/>
             <p:nvPr/>
           </p:nvSpPr>
@@ -4134,9 +4089,7 @@
             </a:xfrm>
             <a:custGeom>
               <a:avLst/>
-              <a:gdLst/>
               <a:ahLst/>
-              <a:cxnLst/>
               <a:rect l="l" t="t" r="r" b="b"/>
               <a:pathLst>
                 <a:path w="1218565" h="6853555">
@@ -4156,16 +4109,13 @@
             </a:ln>
           </p:spPr>
           <p:txBody>
-            <a:bodyPr wrap="square" lIns="0" tIns="0" rIns="0" bIns="0" rtlCol="0"/>
-            <a:lstStyle/>
-            <a:p>
-              <a:endParaRPr/>
-            </a:p>
+            <a:bodyPr bIns="0" lIns="0" rIns="0" rtlCol="0" tIns="0" wrap="square"/>
+            <a:p/>
           </p:txBody>
         </p:sp>
         <p:sp>
           <p:nvSpPr>
-            <p:cNvPr id="5" name="object 5"/>
+            <p:cNvPr id="1048619" name="object 5"/>
             <p:cNvSpPr/>
             <p:nvPr/>
           </p:nvSpPr>
@@ -4176,9 +4126,7 @@
             </a:xfrm>
             <a:custGeom>
               <a:avLst/>
-              <a:gdLst/>
               <a:ahLst/>
-              <a:cxnLst/>
               <a:rect l="l" t="t" r="r" b="b"/>
               <a:pathLst>
                 <a:path w="4743450" h="3163570">
@@ -4198,16 +4146,13 @@
             </a:ln>
           </p:spPr>
           <p:txBody>
-            <a:bodyPr wrap="square" lIns="0" tIns="0" rIns="0" bIns="0" rtlCol="0"/>
-            <a:lstStyle/>
-            <a:p>
-              <a:endParaRPr/>
-            </a:p>
+            <a:bodyPr bIns="0" lIns="0" rIns="0" rtlCol="0" tIns="0" wrap="square"/>
+            <a:p/>
           </p:txBody>
         </p:sp>
         <p:sp>
           <p:nvSpPr>
-            <p:cNvPr id="6" name="object 6"/>
+            <p:cNvPr id="1048620" name="object 6"/>
             <p:cNvSpPr/>
             <p:nvPr/>
           </p:nvSpPr>
@@ -4218,9 +4163,7 @@
             </a:xfrm>
             <a:custGeom>
               <a:avLst/>
-              <a:gdLst/>
               <a:ahLst/>
-              <a:cxnLst/>
               <a:rect l="l" t="t" r="r" b="b"/>
               <a:pathLst>
                 <a:path w="3009900" h="6858000">
@@ -4250,16 +4193,13 @@
             </a:solidFill>
           </p:spPr>
           <p:txBody>
-            <a:bodyPr wrap="square" lIns="0" tIns="0" rIns="0" bIns="0" rtlCol="0"/>
-            <a:lstStyle/>
-            <a:p>
-              <a:endParaRPr/>
-            </a:p>
+            <a:bodyPr bIns="0" lIns="0" rIns="0" rtlCol="0" tIns="0" wrap="square"/>
+            <a:p/>
           </p:txBody>
         </p:sp>
         <p:sp>
           <p:nvSpPr>
-            <p:cNvPr id="7" name="object 7"/>
+            <p:cNvPr id="1048621" name="object 7"/>
             <p:cNvSpPr/>
             <p:nvPr/>
           </p:nvSpPr>
@@ -4270,9 +4210,7 @@
             </a:xfrm>
             <a:custGeom>
               <a:avLst/>
-              <a:gdLst/>
               <a:ahLst/>
-              <a:cxnLst/>
               <a:rect l="l" t="t" r="r" b="b"/>
               <a:pathLst>
                 <a:path w="2589529" h="6858000">
@@ -4302,16 +4240,13 @@
             </a:solidFill>
           </p:spPr>
           <p:txBody>
-            <a:bodyPr wrap="square" lIns="0" tIns="0" rIns="0" bIns="0" rtlCol="0"/>
-            <a:lstStyle/>
-            <a:p>
-              <a:endParaRPr/>
-            </a:p>
+            <a:bodyPr bIns="0" lIns="0" rIns="0" rtlCol="0" tIns="0" wrap="square"/>
+            <a:p/>
           </p:txBody>
         </p:sp>
         <p:sp>
           <p:nvSpPr>
-            <p:cNvPr id="8" name="object 8"/>
+            <p:cNvPr id="1048622" name="object 8"/>
             <p:cNvSpPr/>
             <p:nvPr/>
           </p:nvSpPr>
@@ -4322,9 +4257,7 @@
             </a:xfrm>
             <a:custGeom>
               <a:avLst/>
-              <a:gdLst/>
               <a:ahLst/>
-              <a:cxnLst/>
               <a:rect l="l" t="t" r="r" b="b"/>
               <a:pathLst>
                 <a:path w="3257550" h="3810000">
@@ -4351,16 +4284,13 @@
             </a:solidFill>
           </p:spPr>
           <p:txBody>
-            <a:bodyPr wrap="square" lIns="0" tIns="0" rIns="0" bIns="0" rtlCol="0"/>
-            <a:lstStyle/>
-            <a:p>
-              <a:endParaRPr/>
-            </a:p>
+            <a:bodyPr bIns="0" lIns="0" rIns="0" rtlCol="0" tIns="0" wrap="square"/>
+            <a:p/>
           </p:txBody>
         </p:sp>
         <p:sp>
           <p:nvSpPr>
-            <p:cNvPr id="9" name="object 9"/>
+            <p:cNvPr id="1048623" name="object 9"/>
             <p:cNvSpPr/>
             <p:nvPr/>
           </p:nvSpPr>
@@ -4371,9 +4301,7 @@
             </a:xfrm>
             <a:custGeom>
               <a:avLst/>
-              <a:gdLst/>
               <a:ahLst/>
-              <a:cxnLst/>
               <a:rect l="l" t="t" r="r" b="b"/>
               <a:pathLst>
                 <a:path w="2854325" h="6858000">
@@ -4403,16 +4331,13 @@
             </a:solidFill>
           </p:spPr>
           <p:txBody>
-            <a:bodyPr wrap="square" lIns="0" tIns="0" rIns="0" bIns="0" rtlCol="0"/>
-            <a:lstStyle/>
-            <a:p>
-              <a:endParaRPr/>
-            </a:p>
+            <a:bodyPr bIns="0" lIns="0" rIns="0" rtlCol="0" tIns="0" wrap="square"/>
+            <a:p/>
           </p:txBody>
         </p:sp>
         <p:sp>
           <p:nvSpPr>
-            <p:cNvPr id="10" name="object 10"/>
+            <p:cNvPr id="1048624" name="object 10"/>
             <p:cNvSpPr/>
             <p:nvPr/>
           </p:nvSpPr>
@@ -4423,9 +4348,7 @@
             </a:xfrm>
             <a:custGeom>
               <a:avLst/>
-              <a:gdLst/>
               <a:ahLst/>
-              <a:cxnLst/>
               <a:rect l="l" t="t" r="r" b="b"/>
               <a:pathLst>
                 <a:path w="1295400" h="6858000">
@@ -4455,16 +4378,13 @@
             </a:solidFill>
           </p:spPr>
           <p:txBody>
-            <a:bodyPr wrap="square" lIns="0" tIns="0" rIns="0" bIns="0" rtlCol="0"/>
-            <a:lstStyle/>
-            <a:p>
-              <a:endParaRPr/>
-            </a:p>
+            <a:bodyPr bIns="0" lIns="0" rIns="0" rtlCol="0" tIns="0" wrap="square"/>
+            <a:p/>
           </p:txBody>
         </p:sp>
         <p:sp>
           <p:nvSpPr>
-            <p:cNvPr id="11" name="object 11"/>
+            <p:cNvPr id="1048625" name="object 11"/>
             <p:cNvSpPr/>
             <p:nvPr/>
           </p:nvSpPr>
@@ -4475,9 +4395,7 @@
             </a:xfrm>
             <a:custGeom>
               <a:avLst/>
-              <a:gdLst/>
               <a:ahLst/>
-              <a:cxnLst/>
               <a:rect l="l" t="t" r="r" b="b"/>
               <a:pathLst>
                 <a:path w="1256029" h="6858000">
@@ -4507,16 +4425,13 @@
             </a:solidFill>
           </p:spPr>
           <p:txBody>
-            <a:bodyPr wrap="square" lIns="0" tIns="0" rIns="0" bIns="0" rtlCol="0"/>
-            <a:lstStyle/>
-            <a:p>
-              <a:endParaRPr/>
-            </a:p>
+            <a:bodyPr bIns="0" lIns="0" rIns="0" rtlCol="0" tIns="0" wrap="square"/>
+            <a:p/>
           </p:txBody>
         </p:sp>
         <p:sp>
           <p:nvSpPr>
-            <p:cNvPr id="12" name="object 12"/>
+            <p:cNvPr id="1048626" name="object 12"/>
             <p:cNvSpPr/>
             <p:nvPr/>
           </p:nvSpPr>
@@ -4527,9 +4442,7 @@
             </a:xfrm>
             <a:custGeom>
               <a:avLst/>
-              <a:gdLst/>
               <a:ahLst/>
-              <a:cxnLst/>
               <a:rect l="l" t="t" r="r" b="b"/>
               <a:pathLst>
                 <a:path w="1819275" h="3267075">
@@ -4556,17 +4469,14 @@
             </a:solidFill>
           </p:spPr>
           <p:txBody>
-            <a:bodyPr wrap="square" lIns="0" tIns="0" rIns="0" bIns="0" rtlCol="0"/>
-            <a:lstStyle/>
-            <a:p>
-              <a:endParaRPr/>
-            </a:p>
+            <a:bodyPr bIns="0" lIns="0" rIns="0" rtlCol="0" tIns="0" wrap="square"/>
+            <a:p/>
           </p:txBody>
         </p:sp>
       </p:grpSp>
       <p:sp>
         <p:nvSpPr>
-          <p:cNvPr id="13" name="object 13"/>
+          <p:cNvPr id="1048627" name="object 13"/>
           <p:cNvSpPr/>
           <p:nvPr/>
         </p:nvSpPr>
@@ -4577,9 +4487,7 @@
           </a:xfrm>
           <a:custGeom>
             <a:avLst/>
-            <a:gdLst/>
             <a:ahLst/>
-            <a:cxnLst/>
             <a:rect l="l" t="t" r="r" b="b"/>
             <a:pathLst>
               <a:path w="447675" h="2847975">
@@ -4606,16 +4514,13 @@
           </a:solidFill>
         </p:spPr>
         <p:txBody>
-          <a:bodyPr wrap="square" lIns="0" tIns="0" rIns="0" bIns="0" rtlCol="0"/>
-          <a:lstStyle/>
-          <a:p>
-            <a:endParaRPr/>
-          </a:p>
-        </p:txBody>
-      </p:sp>
-      <p:sp>
-        <p:nvSpPr>
-          <p:cNvPr id="14" name="object 14"/>
+          <a:bodyPr bIns="0" lIns="0" rIns="0" rtlCol="0" tIns="0" wrap="square"/>
+          <a:p/>
+        </p:txBody>
+      </p:sp>
+      <p:sp>
+        <p:nvSpPr>
+          <p:cNvPr id="1048628" name="object 14"/>
           <p:cNvSpPr txBox="1"/>
           <p:nvPr/>
         </p:nvSpPr>
@@ -4624,15 +4529,12 @@
             <a:off x="752475" y="6486037"/>
             <a:ext cx="1773555" cy="166370"/>
           </a:xfrm>
-          <a:prstGeom prst="rect">
-            <a:avLst/>
-          </a:prstGeom>
-        </p:spPr>
-        <p:txBody>
-          <a:bodyPr vert="horz" wrap="square" lIns="0" tIns="0" rIns="0" bIns="0" rtlCol="0">
+          <a:prstGeom prst="rect"/>
+        </p:spPr>
+        <p:txBody>
+          <a:bodyPr bIns="0" lIns="0" rIns="0" rtlCol="0" tIns="0" vert="horz" wrap="square">
             <a:spAutoFit/>
           </a:bodyPr>
-          <a:lstStyle/>
           <a:p>
             <a:pPr>
               <a:lnSpc>
@@ -4640,7 +4542,7 @@
               </a:lnSpc>
             </a:pPr>
             <a:r>
-              <a:rPr sz="1100" spc="20" dirty="0">
+              <a:rPr dirty="0" sz="1100" spc="20">
                 <a:solidFill>
                   <a:srgbClr val="2D83C3"/>
                 </a:solidFill>
@@ -4650,7 +4552,7 @@
               <a:t>3/21/202</a:t>
             </a:r>
             <a:r>
-              <a:rPr sz="1100" spc="10" dirty="0">
+              <a:rPr dirty="0" sz="1100" spc="10">
                 <a:solidFill>
                   <a:srgbClr val="2D83C3"/>
                 </a:solidFill>
@@ -4660,7 +4562,7 @@
               <a:t>4</a:t>
             </a:r>
             <a:r>
-              <a:rPr sz="1100" dirty="0">
+              <a:rPr dirty="0" sz="1100">
                 <a:solidFill>
                   <a:srgbClr val="2D83C3"/>
                 </a:solidFill>
@@ -4670,7 +4572,7 @@
               <a:t> </a:t>
             </a:r>
             <a:r>
-              <a:rPr sz="1100" spc="130" dirty="0">
+              <a:rPr dirty="0" sz="1100" spc="130">
                 <a:solidFill>
                   <a:srgbClr val="2D83C3"/>
                 </a:solidFill>
@@ -4680,7 +4582,7 @@
               <a:t> </a:t>
             </a:r>
             <a:r>
-              <a:rPr sz="1100" b="1" spc="50" dirty="0">
+              <a:rPr b="1" dirty="0" sz="1100" spc="50">
                 <a:solidFill>
                   <a:srgbClr val="2D83C3"/>
                 </a:solidFill>
@@ -4690,7 +4592,7 @@
               <a:t>A</a:t>
             </a:r>
             <a:r>
-              <a:rPr sz="1100" b="1" spc="15" dirty="0">
+              <a:rPr b="1" dirty="0" sz="1100" spc="15">
                 <a:solidFill>
                   <a:srgbClr val="2D83C3"/>
                 </a:solidFill>
@@ -4700,7 +4602,7 @@
               <a:t>nnu</a:t>
             </a:r>
             <a:r>
-              <a:rPr sz="1100" b="1" spc="10" dirty="0">
+              <a:rPr b="1" dirty="0" sz="1100" spc="10">
                 <a:solidFill>
                   <a:srgbClr val="2D83C3"/>
                 </a:solidFill>
@@ -4710,7 +4612,7 @@
               <a:t>al</a:t>
             </a:r>
             <a:r>
-              <a:rPr sz="1100" b="1" spc="-140" dirty="0">
+              <a:rPr b="1" dirty="0" sz="1100" spc="-140">
                 <a:solidFill>
                   <a:srgbClr val="2D83C3"/>
                 </a:solidFill>
@@ -4720,7 +4622,7 @@
               <a:t> </a:t>
             </a:r>
             <a:r>
-              <a:rPr sz="1100" b="1" dirty="0">
+              <a:rPr b="1" dirty="0" sz="1100">
                 <a:solidFill>
                   <a:srgbClr val="2D83C3"/>
                 </a:solidFill>
@@ -4730,7 +4632,7 @@
               <a:t>R</a:t>
             </a:r>
             <a:r>
-              <a:rPr sz="1100" b="1" spc="35" dirty="0">
+              <a:rPr b="1" dirty="0" sz="1100" spc="35">
                 <a:solidFill>
                   <a:srgbClr val="2D83C3"/>
                 </a:solidFill>
@@ -4740,7 +4642,7 @@
               <a:t>e</a:t>
             </a:r>
             <a:r>
-              <a:rPr sz="1100" b="1" spc="90" dirty="0">
+              <a:rPr b="1" dirty="0" sz="1100" spc="90">
                 <a:solidFill>
                   <a:srgbClr val="2D83C3"/>
                 </a:solidFill>
@@ -4750,7 +4652,7 @@
               <a:t>v</a:t>
             </a:r>
             <a:r>
-              <a:rPr sz="1100" b="1" spc="-35" dirty="0">
+              <a:rPr b="1" dirty="0" sz="1100" spc="-35">
                 <a:solidFill>
                   <a:srgbClr val="2D83C3"/>
                 </a:solidFill>
@@ -4760,7 +4662,7 @@
               <a:t>i</a:t>
             </a:r>
             <a:r>
-              <a:rPr sz="1100" b="1" spc="35" dirty="0">
+              <a:rPr b="1" dirty="0" sz="1100" spc="35">
                 <a:solidFill>
                   <a:srgbClr val="2D83C3"/>
                 </a:solidFill>
@@ -4770,7 +4672,7 @@
               <a:t>e</a:t>
             </a:r>
             <a:r>
-              <a:rPr sz="1100" b="1" spc="15" dirty="0">
+              <a:rPr b="1" dirty="0" sz="1100" spc="15">
                 <a:solidFill>
                   <a:srgbClr val="2D83C3"/>
                 </a:solidFill>
@@ -4788,7 +4690,7 @@
       </p:sp>
       <p:sp>
         <p:nvSpPr>
-          <p:cNvPr id="15" name="object 15"/>
+          <p:cNvPr id="1048629" name="object 15"/>
           <p:cNvSpPr/>
           <p:nvPr/>
         </p:nvSpPr>
@@ -4799,9 +4701,7 @@
           </a:xfrm>
           <a:custGeom>
             <a:avLst/>
-            <a:gdLst/>
             <a:ahLst/>
-            <a:cxnLst/>
             <a:rect l="l" t="t" r="r" b="b"/>
             <a:pathLst>
               <a:path w="361950" h="361950">
@@ -4889,16 +4789,13 @@
           </a:solidFill>
         </p:spPr>
         <p:txBody>
-          <a:bodyPr wrap="square" lIns="0" tIns="0" rIns="0" bIns="0" rtlCol="0"/>
-          <a:lstStyle/>
-          <a:p>
-            <a:endParaRPr/>
-          </a:p>
-        </p:txBody>
-      </p:sp>
-      <p:sp>
-        <p:nvSpPr>
-          <p:cNvPr id="16" name="object 16"/>
+          <a:bodyPr bIns="0" lIns="0" rIns="0" rtlCol="0" tIns="0" wrap="square"/>
+          <a:p/>
+        </p:txBody>
+      </p:sp>
+      <p:sp>
+        <p:nvSpPr>
+          <p:cNvPr id="1048630" name="object 16"/>
           <p:cNvSpPr/>
           <p:nvPr/>
         </p:nvSpPr>
@@ -4909,9 +4806,7 @@
           </a:xfrm>
           <a:custGeom>
             <a:avLst/>
-            <a:gdLst/>
             <a:ahLst/>
-            <a:cxnLst/>
             <a:rect l="l" t="t" r="r" b="b"/>
             <a:pathLst>
               <a:path w="647700" h="647700">
@@ -5059,21 +4954,20 @@
           </a:solidFill>
         </p:spPr>
         <p:txBody>
-          <a:bodyPr wrap="square" lIns="0" tIns="0" rIns="0" bIns="0" rtlCol="0"/>
-          <a:lstStyle/>
-          <a:p>
-            <a:endParaRPr/>
-          </a:p>
+          <a:bodyPr bIns="0" lIns="0" rIns="0" rtlCol="0" tIns="0" wrap="square"/>
+          <a:p/>
         </p:txBody>
       </p:sp>
       <p:pic>
         <p:nvPicPr>
-          <p:cNvPr id="17" name="object 17"/>
-          <p:cNvPicPr/>
+          <p:cNvPr id="2097155" name="object 17"/>
+          <p:cNvPicPr>
+            <a:picLocks/>
+          </p:cNvPicPr>
           <p:nvPr/>
         </p:nvPicPr>
         <p:blipFill>
-          <a:blip r:embed="rId2" cstate="print"/>
+          <a:blip xmlns:r="http://schemas.openxmlformats.org/officeDocument/2006/relationships" r:embed="rId1" cstate="print"/>
           <a:stretch>
             <a:fillRect/>
           </a:stretch>
@@ -5083,14 +4977,12 @@
             <a:off x="10687050" y="6134100"/>
             <a:ext cx="247650" cy="247650"/>
           </a:xfrm>
-          <a:prstGeom prst="rect">
-            <a:avLst/>
-          </a:prstGeom>
+          <a:prstGeom prst="rect"/>
         </p:spPr>
       </p:pic>
       <p:grpSp>
         <p:nvGrpSpPr>
-          <p:cNvPr id="18" name="object 18"/>
+          <p:cNvPr id="29" name="object 18"/>
           <p:cNvGrpSpPr/>
           <p:nvPr/>
         </p:nvGrpSpPr>
@@ -5104,12 +4996,14 @@
         </p:grpSpPr>
         <p:pic>
           <p:nvPicPr>
-            <p:cNvPr id="19" name="object 19"/>
-            <p:cNvPicPr/>
+            <p:cNvPr id="2097156" name="object 19"/>
+            <p:cNvPicPr>
+              <a:picLocks/>
+            </p:cNvPicPr>
             <p:nvPr/>
           </p:nvPicPr>
           <p:blipFill>
-            <a:blip r:embed="rId3" cstate="print"/>
+            <a:blip xmlns:r="http://schemas.openxmlformats.org/officeDocument/2006/relationships" r:embed="rId2" cstate="print"/>
             <a:stretch>
               <a:fillRect/>
             </a:stretch>
@@ -5119,19 +5013,19 @@
               <a:off x="466725" y="6410325"/>
               <a:ext cx="3705225" cy="295275"/>
             </a:xfrm>
-            <a:prstGeom prst="rect">
-              <a:avLst/>
-            </a:prstGeom>
+            <a:prstGeom prst="rect"/>
           </p:spPr>
         </p:pic>
         <p:pic>
           <p:nvPicPr>
-            <p:cNvPr id="20" name="object 20"/>
-            <p:cNvPicPr/>
+            <p:cNvPr id="2097157" name="object 20"/>
+            <p:cNvPicPr>
+              <a:picLocks/>
+            </p:cNvPicPr>
             <p:nvPr/>
           </p:nvPicPr>
           <p:blipFill>
-            <a:blip r:embed="rId4" cstate="print"/>
+            <a:blip xmlns:r="http://schemas.openxmlformats.org/officeDocument/2006/relationships" r:embed="rId3" cstate="print"/>
             <a:stretch>
               <a:fillRect/>
             </a:stretch>
@@ -5141,15 +5035,13 @@
               <a:off x="47625" y="3819523"/>
               <a:ext cx="1733550" cy="3009898"/>
             </a:xfrm>
-            <a:prstGeom prst="rect">
-              <a:avLst/>
-            </a:prstGeom>
+            <a:prstGeom prst="rect"/>
           </p:spPr>
         </p:pic>
       </p:grpSp>
       <p:sp>
         <p:nvSpPr>
-          <p:cNvPr id="21" name="object 21"/>
+          <p:cNvPr id="1048631" name="object 21"/>
           <p:cNvSpPr txBox="1">
             <a:spLocks noGrp="1"/>
           </p:cNvSpPr>
@@ -5160,17 +5052,14 @@
         <p:spPr>
           <a:xfrm>
             <a:off x="739775" y="445388"/>
-            <a:ext cx="2357120" cy="758190"/>
-          </a:xfrm>
-          <a:prstGeom prst="rect">
-            <a:avLst/>
-          </a:prstGeom>
-        </p:spPr>
-        <p:txBody>
-          <a:bodyPr vert="horz" wrap="square" lIns="0" tIns="13335" rIns="0" bIns="0" rtlCol="0">
+            <a:ext cx="2357120" cy="1461135"/>
+          </a:xfrm>
+          <a:prstGeom prst="rect"/>
+        </p:spPr>
+        <p:txBody>
+          <a:bodyPr bIns="0" lIns="0" rIns="0" rtlCol="0" tIns="13335" vert="horz" wrap="square">
             <a:spAutoFit/>
           </a:bodyPr>
-          <a:lstStyle/>
           <a:p>
             <a:pPr marL="12700">
               <a:lnSpc>
@@ -5181,19 +5070,19 @@
               </a:spcBef>
             </a:pPr>
             <a:r>
-              <a:rPr spc="25" dirty="0"/>
+              <a:rPr dirty="0" spc="25"/>
               <a:t>A</a:t>
             </a:r>
             <a:r>
-              <a:rPr spc="-5" dirty="0"/>
+              <a:rPr dirty="0" spc="-5"/>
               <a:t>G</a:t>
             </a:r>
             <a:r>
-              <a:rPr spc="-35" dirty="0"/>
+              <a:rPr dirty="0" spc="-35"/>
               <a:t>E</a:t>
             </a:r>
             <a:r>
-              <a:rPr spc="15" dirty="0"/>
+              <a:rPr dirty="0" spc="15"/>
               <a:t>N</a:t>
             </a:r>
             <a:r>
@@ -5205,7 +5094,7 @@
       </p:sp>
       <p:sp>
         <p:nvSpPr>
-          <p:cNvPr id="22" name="object 22"/>
+          <p:cNvPr id="1048632" name="object 22"/>
           <p:cNvSpPr txBox="1">
             <a:spLocks noGrp="1"/>
           </p:cNvSpPr>
@@ -5214,15 +5103,12 @@
           </p:nvPr>
         </p:nvSpPr>
         <p:spPr>
-          <a:prstGeom prst="rect">
-            <a:avLst/>
-          </a:prstGeom>
-        </p:spPr>
-        <p:txBody>
-          <a:bodyPr vert="horz" wrap="square" lIns="0" tIns="6985" rIns="0" bIns="0" rtlCol="0">
+          <a:prstGeom prst="rect"/>
+        </p:spPr>
+        <p:txBody>
+          <a:bodyPr bIns="0" lIns="0" rIns="0" rtlCol="0" tIns="6985" vert="horz" wrap="square">
             <a:spAutoFit/>
           </a:bodyPr>
-          <a:lstStyle/>
           <a:p>
             <a:pPr marL="38100">
               <a:lnSpc>
@@ -5233,43 +5119,34 @@
               </a:spcBef>
             </a:pPr>
             <a:fld id="{81D60167-4931-47E6-BA6A-407CBD079E47}" type="slidenum">
-              <a:rPr spc="10" dirty="0"/>
+              <a:rPr dirty="0" spc="10"/>
               <a:t>3</a:t>
             </a:fld>
-            <a:endParaRPr spc="10" dirty="0"/>
+            <a:endParaRPr dirty="0" spc="10"/>
           </a:p>
         </p:txBody>
       </p:sp>
       <p:sp>
         <p:nvSpPr>
-          <p:cNvPr id="23" name="TextBox 22">
-            <a:extLst>
-              <a:ext uri="{FF2B5EF4-FFF2-40B4-BE49-F238E27FC236}">
-                <a16:creationId xmlns:a16="http://schemas.microsoft.com/office/drawing/2014/main" id="{D0827FA3-A9D4-0FE5-45BE-664C8C920E82}"/>
-              </a:ext>
-            </a:extLst>
-          </p:cNvPr>
+          <p:cNvPr id="1048633" name="TextBox 22"/>
           <p:cNvSpPr txBox="1"/>
           <p:nvPr/>
         </p:nvSpPr>
         <p:spPr>
           <a:xfrm>
             <a:off x="2509807" y="1041533"/>
-            <a:ext cx="5029200" cy="4832092"/>
-          </a:xfrm>
-          <a:prstGeom prst="rect">
-            <a:avLst/>
-          </a:prstGeom>
+            <a:ext cx="5029200" cy="4701541"/>
+          </a:xfrm>
+          <a:prstGeom prst="rect"/>
           <a:noFill/>
         </p:spPr>
         <p:txBody>
-          <a:bodyPr wrap="square" rtlCol="0">
+          <a:bodyPr rtlCol="0" wrap="square">
             <a:spAutoFit/>
           </a:bodyPr>
-          <a:lstStyle/>
           <a:p>
             <a:pPr algn="l"/>
-            <a:endParaRPr lang="en-US" sz="2800" b="0" i="0" dirty="0">
+            <a:endParaRPr b="0" dirty="0" sz="2800" i="0" lang="en-US">
               <a:solidFill>
                 <a:srgbClr val="0D0D0D"/>
               </a:solidFill>
@@ -5284,7 +5161,7 @@
               <a:buAutoNum type="arabicPeriod"/>
             </a:pPr>
             <a:r>
-              <a:rPr lang="en-US" sz="2800" b="0" i="0" dirty="0">
+              <a:rPr b="0" dirty="0" sz="2800" i="0" lang="en-US">
                 <a:solidFill>
                   <a:srgbClr val="0D0D0D"/>
                 </a:solidFill>
@@ -5301,7 +5178,7 @@
               <a:buAutoNum type="arabicPeriod"/>
             </a:pPr>
             <a:r>
-              <a:rPr lang="en-US" sz="2800" b="0" i="0" dirty="0">
+              <a:rPr b="0" dirty="0" sz="2800" i="0" lang="en-US">
                 <a:solidFill>
                   <a:srgbClr val="0D0D0D"/>
                 </a:solidFill>
@@ -5318,7 +5195,7 @@
               <a:buAutoNum type="arabicPeriod"/>
             </a:pPr>
             <a:r>
-              <a:rPr lang="en-US" sz="2800" b="0" i="0" dirty="0">
+              <a:rPr b="0" dirty="0" sz="2800" i="0" lang="en-US">
                 <a:solidFill>
                   <a:srgbClr val="0D0D0D"/>
                 </a:solidFill>
@@ -5335,7 +5212,7 @@
               <a:buAutoNum type="arabicPeriod"/>
             </a:pPr>
             <a:r>
-              <a:rPr lang="en-US" sz="2800" dirty="0">
+              <a:rPr dirty="0" sz="2800" lang="en-US">
                 <a:solidFill>
                   <a:srgbClr val="0D0D0D"/>
                 </a:solidFill>
@@ -5344,7 +5221,7 @@
               </a:rPr>
               <a:t>Tools and Technologies</a:t>
             </a:r>
-            <a:endParaRPr lang="en-US" sz="2800" b="0" i="0" dirty="0">
+            <a:endParaRPr b="0" dirty="0" sz="2800" i="0" lang="en-US">
               <a:solidFill>
                 <a:srgbClr val="0D0D0D"/>
               </a:solidFill>
@@ -5359,7 +5236,7 @@
               <a:buAutoNum type="arabicPeriod"/>
             </a:pPr>
             <a:r>
-              <a:rPr lang="en-US" sz="2800" b="0" i="0" dirty="0">
+              <a:rPr b="0" dirty="0" sz="2800" i="0" lang="en-US">
                 <a:solidFill>
                   <a:srgbClr val="0D0D0D"/>
                 </a:solidFill>
@@ -5376,7 +5253,7 @@
               <a:buAutoNum type="arabicPeriod"/>
             </a:pPr>
             <a:r>
-              <a:rPr lang="en-US" sz="2800" dirty="0">
+              <a:rPr dirty="0" sz="2800" lang="en-US">
                 <a:solidFill>
                   <a:srgbClr val="0D0D0D"/>
                 </a:solidFill>
@@ -5385,7 +5262,7 @@
               </a:rPr>
               <a:t>Features and Functionality</a:t>
             </a:r>
-            <a:endParaRPr lang="en-US" sz="2800" b="0" i="0" dirty="0">
+            <a:endParaRPr b="0" dirty="0" sz="2800" i="0" lang="en-US">
               <a:solidFill>
                 <a:srgbClr val="0D0D0D"/>
               </a:solidFill>
@@ -5400,7 +5277,7 @@
               <a:buAutoNum type="arabicPeriod"/>
             </a:pPr>
             <a:r>
-              <a:rPr lang="en-US" sz="2800" b="0" i="0" dirty="0">
+              <a:rPr b="0" dirty="0" sz="2800" i="0" lang="en-US">
                 <a:solidFill>
                   <a:srgbClr val="0D0D0D"/>
                 </a:solidFill>
@@ -5411,7 +5288,7 @@
               <a:t>Results and </a:t>
             </a:r>
             <a:r>
-              <a:rPr lang="en-US" sz="2800" dirty="0">
+              <a:rPr dirty="0" sz="2800" lang="en-US">
                 <a:solidFill>
                   <a:srgbClr val="0D0D0D"/>
                 </a:solidFill>
@@ -5420,7 +5297,7 @@
               </a:rPr>
               <a:t>Screenshots</a:t>
             </a:r>
-            <a:endParaRPr lang="en-US" sz="2800" b="0" i="0" dirty="0">
+            <a:endParaRPr b="0" dirty="0" sz="2800" i="0" lang="en-US">
               <a:solidFill>
                 <a:srgbClr val="0D0D0D"/>
               </a:solidFill>
@@ -5435,7 +5312,7 @@
               <a:buAutoNum type="arabicPeriod"/>
             </a:pPr>
             <a:r>
-              <a:rPr lang="en-US" sz="2800" b="0" i="0" dirty="0">
+              <a:rPr b="0" dirty="0" sz="2800" i="0" lang="en-US">
                 <a:solidFill>
                   <a:srgbClr val="0D0D0D"/>
                 </a:solidFill>
@@ -5452,7 +5329,7 @@
               <a:buAutoNum type="arabicPeriod"/>
             </a:pPr>
             <a:r>
-              <a:rPr lang="en-US" sz="2800" dirty="0" err="1">
+              <a:rPr dirty="0" sz="2800" lang="en-US" err="1">
                 <a:solidFill>
                   <a:srgbClr val="0D0D0D"/>
                 </a:solidFill>
@@ -5462,7 +5339,7 @@
               <a:t>Github</a:t>
             </a:r>
             <a:r>
-              <a:rPr lang="en-US" sz="2800" dirty="0">
+              <a:rPr dirty="0" sz="2800" lang="en-US">
                 <a:solidFill>
                   <a:srgbClr val="0D0D0D"/>
                 </a:solidFill>
@@ -5471,7 +5348,7 @@
               </a:rPr>
               <a:t> Link</a:t>
             </a:r>
-            <a:endParaRPr lang="en-US" sz="2800" b="0" i="0" dirty="0">
+            <a:endParaRPr b="0" dirty="0" sz="2800" i="0" lang="en-US">
               <a:solidFill>
                 <a:srgbClr val="0D0D0D"/>
               </a:solidFill>
@@ -5481,7 +5358,7 @@
             </a:endParaRPr>
           </a:p>
           <a:p>
-            <a:endParaRPr lang="en-IN" sz="2800" dirty="0">
+            <a:endParaRPr dirty="0" sz="2800" lang="en-IN">
               <a:latin typeface="Times New Roman" panose="02020603050405020304" pitchFamily="18" charset="0"/>
               <a:cs typeface="Times New Roman" panose="02020603050405020304" pitchFamily="18" charset="0"/>
             </a:endParaRPr>
@@ -5501,7 +5378,7 @@
   <p:cSld>
     <p:spTree>
       <p:nvGrpSpPr>
-        <p:cNvPr id="1" name=""/>
+        <p:cNvPr id="30" name=""/>
         <p:cNvGrpSpPr/>
         <p:nvPr/>
       </p:nvGrpSpPr>
@@ -5515,7 +5392,7 @@
       </p:grpSpPr>
       <p:grpSp>
         <p:nvGrpSpPr>
-          <p:cNvPr id="2" name="object 2"/>
+          <p:cNvPr id="31" name="object 2"/>
           <p:cNvGrpSpPr/>
           <p:nvPr/>
         </p:nvGrpSpPr>
@@ -5529,7 +5406,7 @@
         </p:grpSpPr>
         <p:sp>
           <p:nvSpPr>
-            <p:cNvPr id="3" name="object 3"/>
+            <p:cNvPr id="1048634" name="object 3"/>
             <p:cNvSpPr/>
             <p:nvPr/>
           </p:nvSpPr>
@@ -5540,9 +5417,7 @@
             </a:xfrm>
             <a:custGeom>
               <a:avLst/>
-              <a:gdLst/>
               <a:ahLst/>
-              <a:cxnLst/>
               <a:rect l="l" t="t" r="r" b="b"/>
               <a:pathLst>
                 <a:path w="457200" h="457200">
@@ -5570,16 +5445,13 @@
             </a:solidFill>
           </p:spPr>
           <p:txBody>
-            <a:bodyPr wrap="square" lIns="0" tIns="0" rIns="0" bIns="0" rtlCol="0"/>
-            <a:lstStyle/>
-            <a:p>
-              <a:endParaRPr/>
-            </a:p>
+            <a:bodyPr bIns="0" lIns="0" rIns="0" rtlCol="0" tIns="0" wrap="square"/>
+            <a:p/>
           </p:txBody>
         </p:sp>
         <p:sp>
           <p:nvSpPr>
-            <p:cNvPr id="4" name="object 4"/>
+            <p:cNvPr id="1048635" name="object 4"/>
             <p:cNvSpPr/>
             <p:nvPr/>
           </p:nvSpPr>
@@ -5590,9 +5462,7 @@
             </a:xfrm>
             <a:custGeom>
               <a:avLst/>
-              <a:gdLst/>
               <a:ahLst/>
-              <a:cxnLst/>
               <a:rect l="l" t="t" r="r" b="b"/>
               <a:pathLst>
                 <a:path w="180975" h="180975">
@@ -5620,21 +5490,20 @@
             </a:solidFill>
           </p:spPr>
           <p:txBody>
-            <a:bodyPr wrap="square" lIns="0" tIns="0" rIns="0" bIns="0" rtlCol="0"/>
-            <a:lstStyle/>
-            <a:p>
-              <a:endParaRPr/>
-            </a:p>
+            <a:bodyPr bIns="0" lIns="0" rIns="0" rtlCol="0" tIns="0" wrap="square"/>
+            <a:p/>
           </p:txBody>
         </p:sp>
         <p:pic>
           <p:nvPicPr>
-            <p:cNvPr id="5" name="object 5"/>
-            <p:cNvPicPr/>
+            <p:cNvPr id="2097158" name="object 5"/>
+            <p:cNvPicPr>
+              <a:picLocks/>
+            </p:cNvPicPr>
             <p:nvPr/>
           </p:nvPicPr>
           <p:blipFill>
-            <a:blip r:embed="rId2" cstate="print"/>
+            <a:blip xmlns:r="http://schemas.openxmlformats.org/officeDocument/2006/relationships" r:embed="rId1" cstate="print"/>
             <a:stretch>
               <a:fillRect/>
             </a:stretch>
@@ -5644,15 +5513,13 @@
               <a:off x="7991475" y="2933700"/>
               <a:ext cx="2762250" cy="3257550"/>
             </a:xfrm>
-            <a:prstGeom prst="rect">
-              <a:avLst/>
-            </a:prstGeom>
+            <a:prstGeom prst="rect"/>
           </p:spPr>
         </p:pic>
       </p:grpSp>
       <p:sp>
         <p:nvSpPr>
-          <p:cNvPr id="6" name="object 6"/>
+          <p:cNvPr id="1048636" name="object 6"/>
           <p:cNvSpPr/>
           <p:nvPr/>
         </p:nvSpPr>
@@ -5663,9 +5530,7 @@
           </a:xfrm>
           <a:custGeom>
             <a:avLst/>
-            <a:gdLst/>
             <a:ahLst/>
-            <a:cxnLst/>
             <a:rect l="l" t="t" r="r" b="b"/>
             <a:pathLst>
               <a:path w="314325" h="323850">
@@ -5693,16 +5558,13 @@
           </a:solidFill>
         </p:spPr>
         <p:txBody>
-          <a:bodyPr wrap="square" lIns="0" tIns="0" rIns="0" bIns="0" rtlCol="0"/>
-          <a:lstStyle/>
-          <a:p>
-            <a:endParaRPr/>
-          </a:p>
-        </p:txBody>
-      </p:sp>
-      <p:sp>
-        <p:nvSpPr>
-          <p:cNvPr id="7" name="object 7"/>
+          <a:bodyPr bIns="0" lIns="0" rIns="0" rtlCol="0" tIns="0" wrap="square"/>
+          <a:p/>
+        </p:txBody>
+      </p:sp>
+      <p:sp>
+        <p:nvSpPr>
+          <p:cNvPr id="1048637" name="object 7"/>
           <p:cNvSpPr txBox="1">
             <a:spLocks noGrp="1"/>
           </p:cNvSpPr>
@@ -5713,17 +5575,14 @@
         <p:spPr>
           <a:xfrm>
             <a:off x="834072" y="575055"/>
-            <a:ext cx="5636895" cy="678180"/>
-          </a:xfrm>
-          <a:prstGeom prst="rect">
-            <a:avLst/>
-          </a:prstGeom>
-        </p:spPr>
-        <p:txBody>
-          <a:bodyPr vert="horz" wrap="square" lIns="0" tIns="16510" rIns="0" bIns="0" rtlCol="0">
+            <a:ext cx="5636895" cy="1261110"/>
+          </a:xfrm>
+          <a:prstGeom prst="rect"/>
+        </p:spPr>
+        <p:txBody>
+          <a:bodyPr bIns="0" lIns="0" rIns="0" rtlCol="0" tIns="16510" vert="horz" wrap="square">
             <a:spAutoFit/>
           </a:bodyPr>
-          <a:lstStyle/>
           <a:p>
             <a:pPr marL="12700">
               <a:lnSpc>
@@ -5733,59 +5592,59 @@
                 <a:spcPts val="130"/>
               </a:spcBef>
               <a:tabLst>
-                <a:tab pos="2727960" algn="l"/>
+                <a:tab algn="l" pos="2727960"/>
               </a:tabLst>
             </a:pPr>
             <a:r>
-              <a:rPr sz="4250" spc="-20" dirty="0"/>
+              <a:rPr dirty="0" sz="4250" spc="-20"/>
               <a:t>P</a:t>
             </a:r>
             <a:r>
-              <a:rPr sz="4250" spc="15" dirty="0"/>
+              <a:rPr dirty="0" sz="4250" spc="15"/>
               <a:t>ROB</a:t>
             </a:r>
             <a:r>
-              <a:rPr sz="4250" spc="55" dirty="0"/>
+              <a:rPr dirty="0" sz="4250" spc="55"/>
               <a:t>L</a:t>
             </a:r>
             <a:r>
-              <a:rPr sz="4250" spc="-20" dirty="0"/>
+              <a:rPr dirty="0" sz="4250" spc="-20"/>
               <a:t>E</a:t>
             </a:r>
             <a:r>
-              <a:rPr sz="4250" spc="20" dirty="0"/>
+              <a:rPr dirty="0" sz="4250" spc="20"/>
               <a:t>M</a:t>
             </a:r>
             <a:r>
-              <a:rPr sz="4250" dirty="0"/>
+              <a:rPr dirty="0" sz="4250"/>
               <a:t>	</a:t>
             </a:r>
             <a:r>
-              <a:rPr sz="4250" spc="10" dirty="0"/>
+              <a:rPr dirty="0" sz="4250" spc="10"/>
               <a:t>S</a:t>
             </a:r>
             <a:r>
-              <a:rPr sz="4250" spc="-370" dirty="0"/>
+              <a:rPr dirty="0" sz="4250" spc="-370"/>
               <a:t>T</a:t>
             </a:r>
             <a:r>
-              <a:rPr sz="4250" spc="-375" dirty="0"/>
+              <a:rPr dirty="0" sz="4250" spc="-375"/>
               <a:t>A</a:t>
             </a:r>
             <a:r>
-              <a:rPr sz="4250" spc="15" dirty="0"/>
+              <a:rPr dirty="0" sz="4250" spc="15"/>
               <a:t>T</a:t>
             </a:r>
             <a:r>
-              <a:rPr sz="4250" spc="-10" dirty="0"/>
+              <a:rPr dirty="0" sz="4250" spc="-10"/>
               <a:t>E</a:t>
             </a:r>
             <a:r>
-              <a:rPr sz="4250" spc="-20" dirty="0"/>
+              <a:rPr dirty="0" sz="4250" spc="-20"/>
               <a:t>ME</a:t>
             </a:r>
             <a:r>
-              <a:rPr sz="4250" spc="10" dirty="0"/>
+              <a:rPr dirty="0" sz="4250" spc="10"/>
               <a:t>NT</a:t>
             </a:r>
             <a:endParaRPr sz="4250"/>
@@ -5794,12 +5653,14 @@
       </p:sp>
       <p:pic>
         <p:nvPicPr>
-          <p:cNvPr id="8" name="object 8"/>
-          <p:cNvPicPr/>
+          <p:cNvPr id="2097159" name="object 8"/>
+          <p:cNvPicPr>
+            <a:picLocks/>
+          </p:cNvPicPr>
           <p:nvPr/>
         </p:nvPicPr>
         <p:blipFill>
-          <a:blip r:embed="rId3" cstate="print"/>
+          <a:blip xmlns:r="http://schemas.openxmlformats.org/officeDocument/2006/relationships" r:embed="rId2" cstate="print"/>
           <a:stretch>
             <a:fillRect/>
           </a:stretch>
@@ -5809,14 +5670,12 @@
             <a:off x="676275" y="6467475"/>
             <a:ext cx="2143125" cy="200025"/>
           </a:xfrm>
-          <a:prstGeom prst="rect">
-            <a:avLst/>
-          </a:prstGeom>
+          <a:prstGeom prst="rect"/>
         </p:spPr>
       </p:pic>
       <p:sp>
         <p:nvSpPr>
-          <p:cNvPr id="10" name="object 10"/>
+          <p:cNvPr id="1048638" name="object 10"/>
           <p:cNvSpPr txBox="1">
             <a:spLocks noGrp="1"/>
           </p:cNvSpPr>
@@ -5825,15 +5684,12 @@
           </p:nvPr>
         </p:nvSpPr>
         <p:spPr>
-          <a:prstGeom prst="rect">
-            <a:avLst/>
-          </a:prstGeom>
-        </p:spPr>
-        <p:txBody>
-          <a:bodyPr vert="horz" wrap="square" lIns="0" tIns="6985" rIns="0" bIns="0" rtlCol="0">
+          <a:prstGeom prst="rect"/>
+        </p:spPr>
+        <p:txBody>
+          <a:bodyPr bIns="0" lIns="0" rIns="0" rtlCol="0" tIns="6985" vert="horz" wrap="square">
             <a:spAutoFit/>
           </a:bodyPr>
-          <a:lstStyle/>
           <a:p>
             <a:pPr marL="38100">
               <a:lnSpc>
@@ -5844,40 +5700,31 @@
               </a:spcBef>
             </a:pPr>
             <a:fld id="{81D60167-4931-47E6-BA6A-407CBD079E47}" type="slidenum">
-              <a:rPr spc="10" dirty="0"/>
+              <a:rPr dirty="0" spc="10"/>
               <a:t>4</a:t>
             </a:fld>
-            <a:endParaRPr spc="10" dirty="0"/>
+            <a:endParaRPr dirty="0" spc="10"/>
           </a:p>
         </p:txBody>
       </p:sp>
       <p:sp>
         <p:nvSpPr>
-          <p:cNvPr id="11" name="TextBox 10">
-            <a:extLst>
-              <a:ext uri="{FF2B5EF4-FFF2-40B4-BE49-F238E27FC236}">
-                <a16:creationId xmlns:a16="http://schemas.microsoft.com/office/drawing/2014/main" id="{190046A9-F3F8-3748-62E2-D85A17DB70B3}"/>
-              </a:ext>
-            </a:extLst>
-          </p:cNvPr>
+          <p:cNvPr id="1048639" name="TextBox 10"/>
           <p:cNvSpPr txBox="1"/>
           <p:nvPr/>
         </p:nvSpPr>
         <p:spPr>
           <a:xfrm>
             <a:off x="3050038" y="2280950"/>
-            <a:ext cx="6100074" cy="2308324"/>
-          </a:xfrm>
-          <a:prstGeom prst="rect">
-            <a:avLst/>
-          </a:prstGeom>
+            <a:ext cx="6100074" cy="2225040"/>
+          </a:xfrm>
+          <a:prstGeom prst="rect"/>
           <a:noFill/>
         </p:spPr>
         <p:txBody>
           <a:bodyPr wrap="square">
             <a:spAutoFit/>
           </a:bodyPr>
-          <a:lstStyle/>
           <a:p>
             <a:r>
               <a:rPr lang="en-US"/>
@@ -5899,7 +5746,7 @@
   <p:cSld>
     <p:spTree>
       <p:nvGrpSpPr>
-        <p:cNvPr id="1" name=""/>
+        <p:cNvPr id="32" name=""/>
         <p:cNvGrpSpPr/>
         <p:nvPr/>
       </p:nvGrpSpPr>
@@ -5913,7 +5760,7 @@
       </p:grpSpPr>
       <p:grpSp>
         <p:nvGrpSpPr>
-          <p:cNvPr id="2" name="object 2"/>
+          <p:cNvPr id="33" name="object 2"/>
           <p:cNvGrpSpPr/>
           <p:nvPr/>
         </p:nvGrpSpPr>
@@ -5927,7 +5774,7 @@
         </p:grpSpPr>
         <p:sp>
           <p:nvSpPr>
-            <p:cNvPr id="3" name="object 3"/>
+            <p:cNvPr id="1048640" name="object 3"/>
             <p:cNvSpPr/>
             <p:nvPr/>
           </p:nvSpPr>
@@ -5938,9 +5785,7 @@
             </a:xfrm>
             <a:custGeom>
               <a:avLst/>
-              <a:gdLst/>
               <a:ahLst/>
-              <a:cxnLst/>
               <a:rect l="l" t="t" r="r" b="b"/>
               <a:pathLst>
                 <a:path w="457200" h="457200">
@@ -5968,16 +5813,13 @@
             </a:solidFill>
           </p:spPr>
           <p:txBody>
-            <a:bodyPr wrap="square" lIns="0" tIns="0" rIns="0" bIns="0" rtlCol="0"/>
-            <a:lstStyle/>
-            <a:p>
-              <a:endParaRPr/>
-            </a:p>
+            <a:bodyPr bIns="0" lIns="0" rIns="0" rtlCol="0" tIns="0" wrap="square"/>
+            <a:p/>
           </p:txBody>
         </p:sp>
         <p:sp>
           <p:nvSpPr>
-            <p:cNvPr id="4" name="object 4"/>
+            <p:cNvPr id="1048641" name="object 4"/>
             <p:cNvSpPr/>
             <p:nvPr/>
           </p:nvSpPr>
@@ -5988,9 +5830,7 @@
             </a:xfrm>
             <a:custGeom>
               <a:avLst/>
-              <a:gdLst/>
               <a:ahLst/>
-              <a:cxnLst/>
               <a:rect l="l" t="t" r="r" b="b"/>
               <a:pathLst>
                 <a:path w="180975" h="180975">
@@ -6018,21 +5858,20 @@
             </a:solidFill>
           </p:spPr>
           <p:txBody>
-            <a:bodyPr wrap="square" lIns="0" tIns="0" rIns="0" bIns="0" rtlCol="0"/>
-            <a:lstStyle/>
-            <a:p>
-              <a:endParaRPr/>
-            </a:p>
+            <a:bodyPr bIns="0" lIns="0" rIns="0" rtlCol="0" tIns="0" wrap="square"/>
+            <a:p/>
           </p:txBody>
         </p:sp>
         <p:pic>
           <p:nvPicPr>
-            <p:cNvPr id="5" name="object 5"/>
-            <p:cNvPicPr/>
+            <p:cNvPr id="2097160" name="object 5"/>
+            <p:cNvPicPr>
+              <a:picLocks/>
+            </p:cNvPicPr>
             <p:nvPr/>
           </p:nvPicPr>
           <p:blipFill>
-            <a:blip r:embed="rId2" cstate="print"/>
+            <a:blip xmlns:r="http://schemas.openxmlformats.org/officeDocument/2006/relationships" r:embed="rId1" cstate="print"/>
             <a:stretch>
               <a:fillRect/>
             </a:stretch>
@@ -6042,15 +5881,13 @@
               <a:off x="8658225" y="2647950"/>
               <a:ext cx="3533775" cy="3810000"/>
             </a:xfrm>
-            <a:prstGeom prst="rect">
-              <a:avLst/>
-            </a:prstGeom>
+            <a:prstGeom prst="rect"/>
           </p:spPr>
         </p:pic>
       </p:grpSp>
       <p:sp>
         <p:nvSpPr>
-          <p:cNvPr id="6" name="object 6"/>
+          <p:cNvPr id="1048642" name="object 6"/>
           <p:cNvSpPr/>
           <p:nvPr/>
         </p:nvSpPr>
@@ -6061,9 +5898,7 @@
           </a:xfrm>
           <a:custGeom>
             <a:avLst/>
-            <a:gdLst/>
             <a:ahLst/>
-            <a:cxnLst/>
             <a:rect l="l" t="t" r="r" b="b"/>
             <a:pathLst>
               <a:path w="314325" h="323850">
@@ -6091,16 +5926,13 @@
           </a:solidFill>
         </p:spPr>
         <p:txBody>
-          <a:bodyPr wrap="square" lIns="0" tIns="0" rIns="0" bIns="0" rtlCol="0"/>
-          <a:lstStyle/>
-          <a:p>
-            <a:endParaRPr/>
-          </a:p>
-        </p:txBody>
-      </p:sp>
-      <p:sp>
-        <p:nvSpPr>
-          <p:cNvPr id="7" name="object 7"/>
+          <a:bodyPr bIns="0" lIns="0" rIns="0" rtlCol="0" tIns="0" wrap="square"/>
+          <a:p/>
+        </p:txBody>
+      </p:sp>
+      <p:sp>
+        <p:nvSpPr>
+          <p:cNvPr id="1048643" name="object 7"/>
           <p:cNvSpPr txBox="1">
             <a:spLocks noGrp="1"/>
           </p:cNvSpPr>
@@ -6111,17 +5943,14 @@
         <p:spPr>
           <a:xfrm>
             <a:off x="739775" y="829627"/>
-            <a:ext cx="5263515" cy="678180"/>
-          </a:xfrm>
-          <a:prstGeom prst="rect">
-            <a:avLst/>
-          </a:prstGeom>
-        </p:spPr>
-        <p:txBody>
-          <a:bodyPr vert="horz" wrap="square" lIns="0" tIns="16510" rIns="0" bIns="0" rtlCol="0">
+            <a:ext cx="5263515" cy="638810"/>
+          </a:xfrm>
+          <a:prstGeom prst="rect"/>
+        </p:spPr>
+        <p:txBody>
+          <a:bodyPr bIns="0" lIns="0" rIns="0" rtlCol="0" tIns="16510" vert="horz" wrap="square">
             <a:spAutoFit/>
           </a:bodyPr>
-          <a:lstStyle/>
           <a:p>
             <a:pPr marL="12700">
               <a:lnSpc>
@@ -6131,15 +5960,15 @@
                 <a:spcPts val="130"/>
               </a:spcBef>
               <a:tabLst>
-                <a:tab pos="2642870" algn="l"/>
+                <a:tab algn="l" pos="2642870"/>
               </a:tabLst>
             </a:pPr>
             <a:r>
-              <a:rPr sz="4250" spc="5" dirty="0"/>
+              <a:rPr dirty="0" sz="4250" spc="5"/>
               <a:t>PROJECT	</a:t>
             </a:r>
             <a:r>
-              <a:rPr sz="4250" spc="-20" dirty="0"/>
+              <a:rPr dirty="0" sz="4250" spc="-20"/>
               <a:t>OVERVIEW</a:t>
             </a:r>
             <a:endParaRPr sz="4250"/>
@@ -6148,12 +5977,14 @@
       </p:sp>
       <p:pic>
         <p:nvPicPr>
-          <p:cNvPr id="8" name="object 8"/>
-          <p:cNvPicPr/>
+          <p:cNvPr id="2097161" name="object 8"/>
+          <p:cNvPicPr>
+            <a:picLocks/>
+          </p:cNvPicPr>
           <p:nvPr/>
         </p:nvPicPr>
         <p:blipFill>
-          <a:blip r:embed="rId3" cstate="print"/>
+          <a:blip xmlns:r="http://schemas.openxmlformats.org/officeDocument/2006/relationships" r:embed="rId2" cstate="print"/>
           <a:stretch>
             <a:fillRect/>
           </a:stretch>
@@ -6163,14 +5994,12 @@
             <a:off x="676275" y="6467475"/>
             <a:ext cx="2143125" cy="200025"/>
           </a:xfrm>
-          <a:prstGeom prst="rect">
-            <a:avLst/>
-          </a:prstGeom>
+          <a:prstGeom prst="rect"/>
         </p:spPr>
       </p:pic>
       <p:sp>
         <p:nvSpPr>
-          <p:cNvPr id="10" name="object 10"/>
+          <p:cNvPr id="1048644" name="object 10"/>
           <p:cNvSpPr txBox="1">
             <a:spLocks noGrp="1"/>
           </p:cNvSpPr>
@@ -6179,15 +6008,12 @@
           </p:nvPr>
         </p:nvSpPr>
         <p:spPr>
-          <a:prstGeom prst="rect">
-            <a:avLst/>
-          </a:prstGeom>
-        </p:spPr>
-        <p:txBody>
-          <a:bodyPr vert="horz" wrap="square" lIns="0" tIns="6985" rIns="0" bIns="0" rtlCol="0">
+          <a:prstGeom prst="rect"/>
+        </p:spPr>
+        <p:txBody>
+          <a:bodyPr bIns="0" lIns="0" rIns="0" rtlCol="0" tIns="6985" vert="horz" wrap="square">
             <a:spAutoFit/>
           </a:bodyPr>
-          <a:lstStyle/>
           <a:p>
             <a:pPr marL="38100">
               <a:lnSpc>
@@ -6198,40 +6024,31 @@
               </a:spcBef>
             </a:pPr>
             <a:fld id="{81D60167-4931-47E6-BA6A-407CBD079E47}" type="slidenum">
-              <a:rPr spc="10" dirty="0"/>
+              <a:rPr dirty="0" spc="10"/>
               <a:t>5</a:t>
             </a:fld>
-            <a:endParaRPr spc="10" dirty="0"/>
+            <a:endParaRPr dirty="0" spc="10"/>
           </a:p>
         </p:txBody>
       </p:sp>
       <p:sp>
         <p:nvSpPr>
-          <p:cNvPr id="15" name="TextBox 14">
-            <a:extLst>
-              <a:ext uri="{FF2B5EF4-FFF2-40B4-BE49-F238E27FC236}">
-                <a16:creationId xmlns:a16="http://schemas.microsoft.com/office/drawing/2014/main" id="{99824CEF-9865-713F-DDFE-75DFB97E8B83}"/>
-              </a:ext>
-            </a:extLst>
-          </p:cNvPr>
+          <p:cNvPr id="1048645" name="TextBox 14"/>
           <p:cNvSpPr txBox="1"/>
           <p:nvPr/>
         </p:nvSpPr>
         <p:spPr>
           <a:xfrm>
             <a:off x="3050038" y="2696448"/>
-            <a:ext cx="6100074" cy="1477328"/>
-          </a:xfrm>
-          <a:prstGeom prst="rect">
-            <a:avLst/>
-          </a:prstGeom>
+            <a:ext cx="6100074" cy="1424941"/>
+          </a:xfrm>
+          <a:prstGeom prst="rect"/>
           <a:noFill/>
         </p:spPr>
         <p:txBody>
           <a:bodyPr wrap="square">
             <a:spAutoFit/>
           </a:bodyPr>
-          <a:lstStyle/>
           <a:p>
             <a:r>
               <a:rPr lang="en-US"/>
@@ -6253,7 +6070,7 @@
   <p:cSld>
     <p:spTree>
       <p:nvGrpSpPr>
-        <p:cNvPr id="1" name=""/>
+        <p:cNvPr id="34" name=""/>
         <p:cNvGrpSpPr/>
         <p:nvPr/>
       </p:nvGrpSpPr>
@@ -6267,7 +6084,7 @@
       </p:grpSpPr>
       <p:sp>
         <p:nvSpPr>
-          <p:cNvPr id="2" name="object 2"/>
+          <p:cNvPr id="1048646" name="object 2"/>
           <p:cNvSpPr/>
           <p:nvPr/>
         </p:nvSpPr>
@@ -6278,9 +6095,7 @@
           </a:xfrm>
           <a:custGeom>
             <a:avLst/>
-            <a:gdLst/>
             <a:ahLst/>
-            <a:cxnLst/>
             <a:rect l="l" t="t" r="r" b="b"/>
             <a:pathLst>
               <a:path w="457200" h="457200">
@@ -6308,16 +6123,13 @@
           </a:solidFill>
         </p:spPr>
         <p:txBody>
-          <a:bodyPr wrap="square" lIns="0" tIns="0" rIns="0" bIns="0" rtlCol="0"/>
-          <a:lstStyle/>
-          <a:p>
-            <a:endParaRPr/>
-          </a:p>
-        </p:txBody>
-      </p:sp>
-      <p:sp>
-        <p:nvSpPr>
-          <p:cNvPr id="3" name="object 3"/>
+          <a:bodyPr bIns="0" lIns="0" rIns="0" rtlCol="0" tIns="0" wrap="square"/>
+          <a:p/>
+        </p:txBody>
+      </p:sp>
+      <p:sp>
+        <p:nvSpPr>
+          <p:cNvPr id="1048647" name="object 3"/>
           <p:cNvSpPr/>
           <p:nvPr/>
         </p:nvSpPr>
@@ -6328,9 +6140,7 @@
           </a:xfrm>
           <a:custGeom>
             <a:avLst/>
-            <a:gdLst/>
             <a:ahLst/>
-            <a:cxnLst/>
             <a:rect l="l" t="t" r="r" b="b"/>
             <a:pathLst>
               <a:path w="314325" h="323850">
@@ -6358,16 +6168,13 @@
           </a:solidFill>
         </p:spPr>
         <p:txBody>
-          <a:bodyPr wrap="square" lIns="0" tIns="0" rIns="0" bIns="0" rtlCol="0"/>
-          <a:lstStyle/>
-          <a:p>
-            <a:endParaRPr/>
-          </a:p>
-        </p:txBody>
-      </p:sp>
-      <p:sp>
-        <p:nvSpPr>
-          <p:cNvPr id="4" name="object 4"/>
+          <a:bodyPr bIns="0" lIns="0" rIns="0" rtlCol="0" tIns="0" wrap="square"/>
+          <a:p/>
+        </p:txBody>
+      </p:sp>
+      <p:sp>
+        <p:nvSpPr>
+          <p:cNvPr id="1048648" name="object 4"/>
           <p:cNvSpPr/>
           <p:nvPr/>
         </p:nvSpPr>
@@ -6378,9 +6185,7 @@
           </a:xfrm>
           <a:custGeom>
             <a:avLst/>
-            <a:gdLst/>
             <a:ahLst/>
-            <a:cxnLst/>
             <a:rect l="l" t="t" r="r" b="b"/>
             <a:pathLst>
               <a:path w="180975" h="180975">
@@ -6408,16 +6213,13 @@
           </a:solidFill>
         </p:spPr>
         <p:txBody>
-          <a:bodyPr wrap="square" lIns="0" tIns="0" rIns="0" bIns="0" rtlCol="0"/>
-          <a:lstStyle/>
-          <a:p>
-            <a:endParaRPr/>
-          </a:p>
-        </p:txBody>
-      </p:sp>
-      <p:sp>
-        <p:nvSpPr>
-          <p:cNvPr id="5" name="object 5"/>
+          <a:bodyPr bIns="0" lIns="0" rIns="0" rtlCol="0" tIns="0" wrap="square"/>
+          <a:p/>
+        </p:txBody>
+      </p:sp>
+      <p:sp>
+        <p:nvSpPr>
+          <p:cNvPr id="1048649" name="object 5"/>
           <p:cNvSpPr txBox="1">
             <a:spLocks noGrp="1"/>
           </p:cNvSpPr>
@@ -6430,15 +6232,12 @@
             <a:off x="699452" y="891793"/>
             <a:ext cx="5014595" cy="518159"/>
           </a:xfrm>
-          <a:prstGeom prst="rect">
-            <a:avLst/>
-          </a:prstGeom>
-        </p:spPr>
-        <p:txBody>
-          <a:bodyPr vert="horz" wrap="square" lIns="0" tIns="16510" rIns="0" bIns="0" rtlCol="0">
+          <a:prstGeom prst="rect"/>
+        </p:spPr>
+        <p:txBody>
+          <a:bodyPr bIns="0" lIns="0" rIns="0" rtlCol="0" tIns="16510" vert="horz" wrap="square">
             <a:spAutoFit/>
           </a:bodyPr>
-          <a:lstStyle/>
           <a:p>
             <a:pPr marL="12700">
               <a:lnSpc>
@@ -6449,83 +6248,83 @@
               </a:spcBef>
             </a:pPr>
             <a:r>
-              <a:rPr sz="3200" spc="25" dirty="0"/>
+              <a:rPr dirty="0" sz="3200" spc="25"/>
               <a:t>W</a:t>
             </a:r>
             <a:r>
-              <a:rPr sz="3200" spc="-20" dirty="0"/>
+              <a:rPr dirty="0" sz="3200" spc="-20"/>
               <a:t>H</a:t>
             </a:r>
             <a:r>
-              <a:rPr sz="3200" spc="20" dirty="0"/>
+              <a:rPr dirty="0" sz="3200" spc="20"/>
               <a:t>O</a:t>
             </a:r>
             <a:r>
-              <a:rPr sz="3200" spc="-235" dirty="0"/>
+              <a:rPr dirty="0" sz="3200" spc="-235"/>
               <a:t> </a:t>
             </a:r>
             <a:r>
-              <a:rPr sz="3200" spc="-10" dirty="0"/>
+              <a:rPr dirty="0" sz="3200" spc="-10"/>
               <a:t>AR</a:t>
             </a:r>
             <a:r>
-              <a:rPr sz="3200" spc="15" dirty="0"/>
+              <a:rPr dirty="0" sz="3200" spc="15"/>
               <a:t>E</a:t>
             </a:r>
             <a:r>
-              <a:rPr sz="3200" spc="-35" dirty="0"/>
+              <a:rPr dirty="0" sz="3200" spc="-35"/>
               <a:t> </a:t>
             </a:r>
             <a:r>
-              <a:rPr sz="3200" spc="-10" dirty="0"/>
+              <a:rPr dirty="0" sz="3200" spc="-10"/>
               <a:t>T</a:t>
             </a:r>
             <a:r>
-              <a:rPr sz="3200" spc="-15" dirty="0"/>
+              <a:rPr dirty="0" sz="3200" spc="-15"/>
               <a:t>H</a:t>
             </a:r>
             <a:r>
-              <a:rPr sz="3200" spc="15" dirty="0"/>
+              <a:rPr dirty="0" sz="3200" spc="15"/>
               <a:t>E</a:t>
             </a:r>
             <a:r>
-              <a:rPr sz="3200" spc="-35" dirty="0"/>
+              <a:rPr dirty="0" sz="3200" spc="-35"/>
               <a:t> </a:t>
             </a:r>
             <a:r>
-              <a:rPr sz="3200" spc="-20" dirty="0"/>
+              <a:rPr dirty="0" sz="3200" spc="-20"/>
               <a:t>E</a:t>
             </a:r>
             <a:r>
-              <a:rPr sz="3200" spc="30" dirty="0"/>
+              <a:rPr dirty="0" sz="3200" spc="30"/>
               <a:t>N</a:t>
             </a:r>
             <a:r>
-              <a:rPr sz="3200" spc="15" dirty="0"/>
+              <a:rPr dirty="0" sz="3200" spc="15"/>
               <a:t>D</a:t>
             </a:r>
             <a:r>
-              <a:rPr sz="3200" spc="-45" dirty="0"/>
+              <a:rPr dirty="0" sz="3200" spc="-45"/>
               <a:t> </a:t>
             </a:r>
             <a:r>
-              <a:rPr sz="3200" dirty="0"/>
+              <a:rPr dirty="0" sz="3200"/>
               <a:t>U</a:t>
             </a:r>
             <a:r>
-              <a:rPr sz="3200" spc="10" dirty="0"/>
+              <a:rPr dirty="0" sz="3200" spc="10"/>
               <a:t>S</a:t>
             </a:r>
             <a:r>
-              <a:rPr sz="3200" spc="-25" dirty="0"/>
+              <a:rPr dirty="0" sz="3200" spc="-25"/>
               <a:t>E</a:t>
             </a:r>
             <a:r>
-              <a:rPr sz="3200" spc="-10" dirty="0"/>
+              <a:rPr dirty="0" sz="3200" spc="-10"/>
               <a:t>R</a:t>
             </a:r>
             <a:r>
-              <a:rPr sz="3200" spc="5" dirty="0"/>
+              <a:rPr dirty="0" sz="3200" spc="5"/>
               <a:t>S?</a:t>
             </a:r>
             <a:endParaRPr sz="3200"/>
@@ -6534,12 +6333,14 @@
       </p:sp>
       <p:pic>
         <p:nvPicPr>
-          <p:cNvPr id="6" name="object 6"/>
-          <p:cNvPicPr/>
+          <p:cNvPr id="2097162" name="object 6"/>
+          <p:cNvPicPr>
+            <a:picLocks/>
+          </p:cNvPicPr>
           <p:nvPr/>
         </p:nvPicPr>
         <p:blipFill>
-          <a:blip r:embed="rId2" cstate="print"/>
+          <a:blip xmlns:r="http://schemas.openxmlformats.org/officeDocument/2006/relationships" r:embed="rId1" cstate="print"/>
           <a:stretch>
             <a:fillRect/>
           </a:stretch>
@@ -6549,14 +6350,12 @@
             <a:off x="723900" y="6172200"/>
             <a:ext cx="2181225" cy="485775"/>
           </a:xfrm>
-          <a:prstGeom prst="rect">
-            <a:avLst/>
-          </a:prstGeom>
+          <a:prstGeom prst="rect"/>
         </p:spPr>
       </p:pic>
       <p:sp>
         <p:nvSpPr>
-          <p:cNvPr id="8" name="object 8"/>
+          <p:cNvPr id="1048650" name="object 8"/>
           <p:cNvSpPr txBox="1">
             <a:spLocks noGrp="1"/>
           </p:cNvSpPr>
@@ -6565,15 +6364,12 @@
           </p:nvPr>
         </p:nvSpPr>
         <p:spPr>
-          <a:prstGeom prst="rect">
-            <a:avLst/>
-          </a:prstGeom>
-        </p:spPr>
-        <p:txBody>
-          <a:bodyPr vert="horz" wrap="square" lIns="0" tIns="6985" rIns="0" bIns="0" rtlCol="0">
+          <a:prstGeom prst="rect"/>
+        </p:spPr>
+        <p:txBody>
+          <a:bodyPr bIns="0" lIns="0" rIns="0" rtlCol="0" tIns="6985" vert="horz" wrap="square">
             <a:spAutoFit/>
           </a:bodyPr>
-          <a:lstStyle/>
           <a:p>
             <a:pPr marL="38100">
               <a:lnSpc>
@@ -6584,40 +6380,31 @@
               </a:spcBef>
             </a:pPr>
             <a:fld id="{81D60167-4931-47E6-BA6A-407CBD079E47}" type="slidenum">
-              <a:rPr spc="10" dirty="0"/>
+              <a:rPr dirty="0" spc="10"/>
               <a:t>6</a:t>
             </a:fld>
-            <a:endParaRPr spc="10" dirty="0"/>
+            <a:endParaRPr dirty="0" spc="10"/>
           </a:p>
         </p:txBody>
       </p:sp>
       <p:sp>
         <p:nvSpPr>
-          <p:cNvPr id="9" name="TextBox 8">
-            <a:extLst>
-              <a:ext uri="{FF2B5EF4-FFF2-40B4-BE49-F238E27FC236}">
-                <a16:creationId xmlns:a16="http://schemas.microsoft.com/office/drawing/2014/main" id="{533FC910-230C-7FF1-F9FE-0CE89A007472}"/>
-              </a:ext>
-            </a:extLst>
-          </p:cNvPr>
+          <p:cNvPr id="1048651" name="TextBox 8"/>
           <p:cNvSpPr txBox="1"/>
           <p:nvPr/>
         </p:nvSpPr>
         <p:spPr>
           <a:xfrm>
             <a:off x="3050038" y="2280950"/>
-            <a:ext cx="6100074" cy="2308324"/>
-          </a:xfrm>
-          <a:prstGeom prst="rect">
-            <a:avLst/>
-          </a:prstGeom>
+            <a:ext cx="6100074" cy="2491740"/>
+          </a:xfrm>
+          <a:prstGeom prst="rect"/>
           <a:noFill/>
         </p:spPr>
         <p:txBody>
           <a:bodyPr wrap="square">
             <a:spAutoFit/>
           </a:bodyPr>
-          <a:lstStyle/>
           <a:p>
             <a:r>
               <a:rPr lang="en-US"/>
@@ -6639,7 +6426,7 @@
   <p:cSld>
     <p:spTree>
       <p:nvGrpSpPr>
-        <p:cNvPr id="1" name=""/>
+        <p:cNvPr id="35" name=""/>
         <p:cNvGrpSpPr/>
         <p:nvPr/>
       </p:nvGrpSpPr>
@@ -6653,12 +6440,14 @@
       </p:grpSpPr>
       <p:pic>
         <p:nvPicPr>
-          <p:cNvPr id="2" name="object 2"/>
-          <p:cNvPicPr/>
+          <p:cNvPr id="2097163" name="object 2"/>
+          <p:cNvPicPr>
+            <a:picLocks/>
+          </p:cNvPicPr>
           <p:nvPr/>
         </p:nvPicPr>
         <p:blipFill>
-          <a:blip r:embed="rId2" cstate="print"/>
+          <a:blip xmlns:r="http://schemas.openxmlformats.org/officeDocument/2006/relationships" r:embed="rId1" cstate="print"/>
           <a:stretch>
             <a:fillRect/>
           </a:stretch>
@@ -6668,14 +6457,12 @@
             <a:off x="0" y="1476375"/>
             <a:ext cx="2695574" cy="3248025"/>
           </a:xfrm>
-          <a:prstGeom prst="rect">
-            <a:avLst/>
-          </a:prstGeom>
+          <a:prstGeom prst="rect"/>
         </p:spPr>
       </p:pic>
       <p:sp>
         <p:nvSpPr>
-          <p:cNvPr id="3" name="object 3"/>
+          <p:cNvPr id="1048652" name="object 3"/>
           <p:cNvSpPr/>
           <p:nvPr/>
         </p:nvSpPr>
@@ -6686,9 +6473,7 @@
           </a:xfrm>
           <a:custGeom>
             <a:avLst/>
-            <a:gdLst/>
             <a:ahLst/>
-            <a:cxnLst/>
             <a:rect l="l" t="t" r="r" b="b"/>
             <a:pathLst>
               <a:path w="457200" h="457200">
@@ -6716,16 +6501,13 @@
           </a:solidFill>
         </p:spPr>
         <p:txBody>
-          <a:bodyPr wrap="square" lIns="0" tIns="0" rIns="0" bIns="0" rtlCol="0"/>
-          <a:lstStyle/>
-          <a:p>
-            <a:endParaRPr/>
-          </a:p>
-        </p:txBody>
-      </p:sp>
-      <p:sp>
-        <p:nvSpPr>
-          <p:cNvPr id="4" name="object 4"/>
+          <a:bodyPr bIns="0" lIns="0" rIns="0" rtlCol="0" tIns="0" wrap="square"/>
+          <a:p/>
+        </p:txBody>
+      </p:sp>
+      <p:sp>
+        <p:nvSpPr>
+          <p:cNvPr id="1048653" name="object 4"/>
           <p:cNvSpPr/>
           <p:nvPr/>
         </p:nvSpPr>
@@ -6736,9 +6518,7 @@
           </a:xfrm>
           <a:custGeom>
             <a:avLst/>
-            <a:gdLst/>
             <a:ahLst/>
-            <a:cxnLst/>
             <a:rect l="l" t="t" r="r" b="b"/>
             <a:pathLst>
               <a:path w="314325" h="323850">
@@ -6766,16 +6546,13 @@
           </a:solidFill>
         </p:spPr>
         <p:txBody>
-          <a:bodyPr wrap="square" lIns="0" tIns="0" rIns="0" bIns="0" rtlCol="0"/>
-          <a:lstStyle/>
-          <a:p>
-            <a:endParaRPr/>
-          </a:p>
-        </p:txBody>
-      </p:sp>
-      <p:sp>
-        <p:nvSpPr>
-          <p:cNvPr id="5" name="object 5"/>
+          <a:bodyPr bIns="0" lIns="0" rIns="0" rtlCol="0" tIns="0" wrap="square"/>
+          <a:p/>
+        </p:txBody>
+      </p:sp>
+      <p:sp>
+        <p:nvSpPr>
+          <p:cNvPr id="1048654" name="object 5"/>
           <p:cNvSpPr/>
           <p:nvPr/>
         </p:nvSpPr>
@@ -6786,9 +6563,7 @@
           </a:xfrm>
           <a:custGeom>
             <a:avLst/>
-            <a:gdLst/>
             <a:ahLst/>
-            <a:cxnLst/>
             <a:rect l="l" t="t" r="r" b="b"/>
             <a:pathLst>
               <a:path w="180975" h="180975">
@@ -6816,16 +6591,13 @@
           </a:solidFill>
         </p:spPr>
         <p:txBody>
-          <a:bodyPr wrap="square" lIns="0" tIns="0" rIns="0" bIns="0" rtlCol="0"/>
-          <a:lstStyle/>
-          <a:p>
-            <a:endParaRPr/>
-          </a:p>
-        </p:txBody>
-      </p:sp>
-      <p:sp>
-        <p:nvSpPr>
-          <p:cNvPr id="6" name="object 6"/>
+          <a:bodyPr bIns="0" lIns="0" rIns="0" rtlCol="0" tIns="0" wrap="square"/>
+          <a:p/>
+        </p:txBody>
+      </p:sp>
+      <p:sp>
+        <p:nvSpPr>
+          <p:cNvPr id="1048655" name="object 6"/>
           <p:cNvSpPr txBox="1">
             <a:spLocks noGrp="1"/>
           </p:cNvSpPr>
@@ -6836,17 +6608,14 @@
         <p:spPr>
           <a:xfrm>
             <a:off x="558165" y="857885"/>
-            <a:ext cx="9763125" cy="575310"/>
-          </a:xfrm>
-          <a:prstGeom prst="rect">
-            <a:avLst/>
-          </a:prstGeom>
-        </p:spPr>
-        <p:txBody>
-          <a:bodyPr vert="horz" wrap="square" lIns="0" tIns="13335" rIns="0" bIns="0" rtlCol="0">
+            <a:ext cx="9763125" cy="546736"/>
+          </a:xfrm>
+          <a:prstGeom prst="rect"/>
+        </p:spPr>
+        <p:txBody>
+          <a:bodyPr bIns="0" lIns="0" rIns="0" rtlCol="0" tIns="13335" vert="horz" wrap="square">
             <a:spAutoFit/>
           </a:bodyPr>
-          <a:lstStyle/>
           <a:p>
             <a:pPr marL="12700">
               <a:lnSpc>
@@ -6857,21 +6626,23 @@
               </a:spcBef>
             </a:pPr>
             <a:r>
-              <a:rPr lang="en-IN" sz="3600" spc="10" dirty="0"/>
+              <a:rPr dirty="0" sz="3600" lang="en-IN" spc="10"/>
               <a:t>TOOLS AND TECHNIQUES</a:t>
             </a:r>
-            <a:endParaRPr sz="3600" dirty="0"/>
+            <a:endParaRPr dirty="0" sz="3600"/>
           </a:p>
         </p:txBody>
       </p:sp>
       <p:pic>
         <p:nvPicPr>
-          <p:cNvPr id="7" name="object 7"/>
-          <p:cNvPicPr/>
+          <p:cNvPr id="2097164" name="object 7"/>
+          <p:cNvPicPr>
+            <a:picLocks/>
+          </p:cNvPicPr>
           <p:nvPr/>
         </p:nvPicPr>
         <p:blipFill>
-          <a:blip r:embed="rId3" cstate="print"/>
+          <a:blip xmlns:r="http://schemas.openxmlformats.org/officeDocument/2006/relationships" r:embed="rId2" cstate="print"/>
           <a:stretch>
             <a:fillRect/>
           </a:stretch>
@@ -6881,14 +6652,12 @@
             <a:off x="676275" y="6467475"/>
             <a:ext cx="2143125" cy="200025"/>
           </a:xfrm>
-          <a:prstGeom prst="rect">
-            <a:avLst/>
-          </a:prstGeom>
+          <a:prstGeom prst="rect"/>
         </p:spPr>
       </p:pic>
       <p:sp>
         <p:nvSpPr>
-          <p:cNvPr id="9" name="object 9"/>
+          <p:cNvPr id="1048656" name="object 9"/>
           <p:cNvSpPr txBox="1">
             <a:spLocks noGrp="1"/>
           </p:cNvSpPr>
@@ -6897,15 +6666,12 @@
           </p:nvPr>
         </p:nvSpPr>
         <p:spPr>
-          <a:prstGeom prst="rect">
-            <a:avLst/>
-          </a:prstGeom>
-        </p:spPr>
-        <p:txBody>
-          <a:bodyPr vert="horz" wrap="square" lIns="0" tIns="6985" rIns="0" bIns="0" rtlCol="0">
+          <a:prstGeom prst="rect"/>
+        </p:spPr>
+        <p:txBody>
+          <a:bodyPr bIns="0" lIns="0" rIns="0" rtlCol="0" tIns="6985" vert="horz" wrap="square">
             <a:spAutoFit/>
           </a:bodyPr>
-          <a:lstStyle/>
           <a:p>
             <a:pPr marL="38100">
               <a:lnSpc>
@@ -6916,40 +6682,31 @@
               </a:spcBef>
             </a:pPr>
             <a:fld id="{81D60167-4931-47E6-BA6A-407CBD079E47}" type="slidenum">
-              <a:rPr spc="10" dirty="0"/>
+              <a:rPr dirty="0" spc="10"/>
               <a:t>7</a:t>
             </a:fld>
-            <a:endParaRPr spc="10" dirty="0"/>
+            <a:endParaRPr dirty="0" spc="10"/>
           </a:p>
         </p:txBody>
       </p:sp>
       <p:sp>
         <p:nvSpPr>
-          <p:cNvPr id="10" name="TextBox 9">
-            <a:extLst>
-              <a:ext uri="{FF2B5EF4-FFF2-40B4-BE49-F238E27FC236}">
-                <a16:creationId xmlns:a16="http://schemas.microsoft.com/office/drawing/2014/main" id="{37FB77E5-4BD6-30B8-0C4F-3D97DFC51E47}"/>
-              </a:ext>
-            </a:extLst>
-          </p:cNvPr>
+          <p:cNvPr id="1048657" name="TextBox 9"/>
           <p:cNvSpPr txBox="1"/>
           <p:nvPr/>
         </p:nvSpPr>
         <p:spPr>
           <a:xfrm>
             <a:off x="3050038" y="2003951"/>
-            <a:ext cx="6100074" cy="2862322"/>
-          </a:xfrm>
-          <a:prstGeom prst="rect">
-            <a:avLst/>
-          </a:prstGeom>
+            <a:ext cx="6100074" cy="2758440"/>
+          </a:xfrm>
+          <a:prstGeom prst="rect"/>
           <a:noFill/>
         </p:spPr>
         <p:txBody>
           <a:bodyPr wrap="square">
             <a:spAutoFit/>
           </a:bodyPr>
-          <a:lstStyle/>
           <a:p>
             <a:r>
               <a:rPr lang="en-US"/>
@@ -6971,7 +6728,7 @@
   <p:cSld>
     <p:spTree>
       <p:nvGrpSpPr>
-        <p:cNvPr id="1" name=""/>
+        <p:cNvPr id="36" name=""/>
         <p:cNvGrpSpPr/>
         <p:nvPr/>
       </p:nvGrpSpPr>
@@ -6985,7 +6742,7 @@
       </p:grpSpPr>
       <p:sp>
         <p:nvSpPr>
-          <p:cNvPr id="5" name="object 5"/>
+          <p:cNvPr id="1048658" name="object 5"/>
           <p:cNvSpPr/>
           <p:nvPr/>
         </p:nvSpPr>
@@ -6996,9 +6753,7 @@
           </a:xfrm>
           <a:custGeom>
             <a:avLst/>
-            <a:gdLst/>
             <a:ahLst/>
-            <a:cxnLst/>
             <a:rect l="l" t="t" r="r" b="b"/>
             <a:pathLst>
               <a:path w="180975" h="180975">
@@ -7026,21 +6781,20 @@
           </a:solidFill>
         </p:spPr>
         <p:txBody>
-          <a:bodyPr wrap="square" lIns="0" tIns="0" rIns="0" bIns="0" rtlCol="0"/>
-          <a:lstStyle/>
-          <a:p>
-            <a:endParaRPr/>
-          </a:p>
+          <a:bodyPr bIns="0" lIns="0" rIns="0" rtlCol="0" tIns="0" wrap="square"/>
+          <a:p/>
         </p:txBody>
       </p:sp>
       <p:pic>
         <p:nvPicPr>
-          <p:cNvPr id="6" name="object 6"/>
-          <p:cNvPicPr/>
+          <p:cNvPr id="2097165" name="object 6"/>
+          <p:cNvPicPr>
+            <a:picLocks/>
+          </p:cNvPicPr>
           <p:nvPr/>
         </p:nvPicPr>
         <p:blipFill>
-          <a:blip r:embed="rId2" cstate="print"/>
+          <a:blip xmlns:r="http://schemas.openxmlformats.org/officeDocument/2006/relationships" r:embed="rId1" cstate="print"/>
           <a:stretch>
             <a:fillRect/>
           </a:stretch>
@@ -7050,14 +6804,12 @@
             <a:off x="1666875" y="6467475"/>
             <a:ext cx="76200" cy="177800"/>
           </a:xfrm>
-          <a:prstGeom prst="rect">
-            <a:avLst/>
-          </a:prstGeom>
+          <a:prstGeom prst="rect"/>
         </p:spPr>
       </p:pic>
       <p:sp>
         <p:nvSpPr>
-          <p:cNvPr id="9" name="object 9"/>
+          <p:cNvPr id="1048659" name="object 9"/>
           <p:cNvSpPr txBox="1"/>
           <p:nvPr/>
         </p:nvSpPr>
@@ -7066,15 +6818,12 @@
             <a:off x="11277218" y="6473337"/>
             <a:ext cx="228600" cy="191770"/>
           </a:xfrm>
-          <a:prstGeom prst="rect">
-            <a:avLst/>
-          </a:prstGeom>
-        </p:spPr>
-        <p:txBody>
-          <a:bodyPr vert="horz" wrap="square" lIns="0" tIns="6985" rIns="0" bIns="0" rtlCol="0">
+          <a:prstGeom prst="rect"/>
+        </p:spPr>
+        <p:txBody>
+          <a:bodyPr bIns="0" lIns="0" rIns="0" rtlCol="0" tIns="6985" vert="horz" wrap="square">
             <a:spAutoFit/>
           </a:bodyPr>
-          <a:lstStyle/>
           <a:p>
             <a:pPr marL="38100">
               <a:lnSpc>
@@ -7085,7 +6834,7 @@
               </a:spcBef>
             </a:pPr>
             <a:fld id="{81D60167-4931-47E6-BA6A-407CBD079E47}" type="slidenum">
-              <a:rPr sz="1100" spc="10" dirty="0">
+              <a:rPr dirty="0" sz="1100" spc="10">
                 <a:solidFill>
                   <a:srgbClr val="2D936B"/>
                 </a:solidFill>
@@ -7103,7 +6852,7 @@
       </p:sp>
       <p:sp>
         <p:nvSpPr>
-          <p:cNvPr id="8" name="object 8"/>
+          <p:cNvPr id="1048660" name="object 8"/>
           <p:cNvSpPr txBox="1"/>
           <p:nvPr/>
         </p:nvSpPr>
@@ -7112,15 +6861,12 @@
             <a:off x="739775" y="291147"/>
             <a:ext cx="8794750" cy="629018"/>
           </a:xfrm>
-          <a:prstGeom prst="rect">
-            <a:avLst/>
-          </a:prstGeom>
-        </p:spPr>
-        <p:txBody>
-          <a:bodyPr vert="horz" wrap="square" lIns="0" tIns="13335" rIns="0" bIns="0" rtlCol="0">
+          <a:prstGeom prst="rect"/>
+        </p:spPr>
+        <p:txBody>
+          <a:bodyPr bIns="0" lIns="0" rIns="0" rtlCol="0" tIns="13335" vert="horz" wrap="square">
             <a:spAutoFit/>
           </a:bodyPr>
-          <a:lstStyle/>
           <a:p>
             <a:pPr marL="12700">
               <a:lnSpc>
@@ -7131,13 +6877,13 @@
               </a:spcBef>
             </a:pPr>
             <a:r>
-              <a:rPr lang="en-IN" sz="4000" b="1" spc="15" dirty="0">
+              <a:rPr b="1" dirty="0" sz="4000" lang="en-IN" spc="15">
                 <a:latin typeface="Trebuchet MS"/>
                 <a:cs typeface="Trebuchet MS"/>
               </a:rPr>
               <a:t>POTFOLIO DESIGN AND LAYOUT</a:t>
             </a:r>
-            <a:endParaRPr sz="4000" dirty="0">
+            <a:endParaRPr dirty="0" sz="4000">
               <a:latin typeface="Trebuchet MS"/>
               <a:cs typeface="Trebuchet MS"/>
             </a:endParaRPr>
@@ -7146,7 +6892,7 @@
       </p:sp>
       <p:sp>
         <p:nvSpPr>
-          <p:cNvPr id="14" name="object 3"/>
+          <p:cNvPr id="1048661" name="object 3"/>
           <p:cNvSpPr/>
           <p:nvPr/>
         </p:nvSpPr>
@@ -7157,9 +6903,7 @@
           </a:xfrm>
           <a:custGeom>
             <a:avLst/>
-            <a:gdLst/>
             <a:ahLst/>
-            <a:cxnLst/>
             <a:rect l="l" t="t" r="r" b="b"/>
             <a:pathLst>
               <a:path w="457200" h="457200">
@@ -7187,40 +6931,28 @@
           </a:solidFill>
         </p:spPr>
         <p:txBody>
-          <a:bodyPr wrap="square" lIns="0" tIns="0" rIns="0" bIns="0" rtlCol="0"/>
-          <a:lstStyle/>
-          <a:p>
-            <a:endParaRPr/>
-          </a:p>
-        </p:txBody>
-      </p:sp>
-      <p:sp>
-        <p:nvSpPr>
-          <p:cNvPr id="3" name="TextBox 2">
-            <a:extLst>
-              <a:ext uri="{FF2B5EF4-FFF2-40B4-BE49-F238E27FC236}">
-                <a16:creationId xmlns:a16="http://schemas.microsoft.com/office/drawing/2014/main" id="{BD04B644-3FE8-5920-C684-497FE24D85AD}"/>
-              </a:ext>
-            </a:extLst>
-          </p:cNvPr>
+          <a:bodyPr bIns="0" lIns="0" rIns="0" rtlCol="0" tIns="0" wrap="square"/>
+          <a:p/>
+        </p:txBody>
+      </p:sp>
+      <p:sp>
+        <p:nvSpPr>
+          <p:cNvPr id="1048662" name="TextBox 2"/>
           <p:cNvSpPr txBox="1"/>
           <p:nvPr/>
         </p:nvSpPr>
         <p:spPr>
           <a:xfrm>
             <a:off x="3050038" y="2142451"/>
-            <a:ext cx="6100074" cy="2585323"/>
-          </a:xfrm>
-          <a:prstGeom prst="rect">
-            <a:avLst/>
-          </a:prstGeom>
+            <a:ext cx="6100074" cy="2491741"/>
+          </a:xfrm>
+          <a:prstGeom prst="rect"/>
           <a:noFill/>
         </p:spPr>
         <p:txBody>
           <a:bodyPr wrap="square">
             <a:spAutoFit/>
           </a:bodyPr>
-          <a:lstStyle/>
           <a:p>
             <a:r>
               <a:rPr lang="en-US"/>
@@ -7242,7 +6974,7 @@
   <p:cSld>
     <p:spTree>
       <p:nvGrpSpPr>
-        <p:cNvPr id="1" name=""/>
+        <p:cNvPr id="37" name=""/>
         <p:cNvGrpSpPr/>
         <p:nvPr/>
       </p:nvGrpSpPr>
@@ -7256,13 +6988,7 @@
       </p:grpSpPr>
       <p:sp>
         <p:nvSpPr>
-          <p:cNvPr id="2" name="Title 1">
-            <a:extLst>
-              <a:ext uri="{FF2B5EF4-FFF2-40B4-BE49-F238E27FC236}">
-                <a16:creationId xmlns:a16="http://schemas.microsoft.com/office/drawing/2014/main" id="{6E06195E-16D6-79D8-7A9F-F8EB1FE9E212}"/>
-              </a:ext>
-            </a:extLst>
-          </p:cNvPr>
+          <p:cNvPr id="1048663" name="Title 1"/>
           <p:cNvSpPr>
             <a:spLocks noGrp="1"/>
           </p:cNvSpPr>
@@ -7270,13 +6996,17 @@
             <p:ph type="title"/>
           </p:nvPr>
         </p:nvSpPr>
-        <p:spPr/>
+        <p:spPr>
+          <a:xfrm>
+            <a:off x="755332" y="385444"/>
+            <a:ext cx="10681335" cy="723901"/>
+          </a:xfrm>
+        </p:spPr>
         <p:txBody>
           <a:bodyPr/>
-          <a:lstStyle/>
           <a:p>
             <a:r>
-              <a:rPr lang="en-IN" dirty="0"/>
+              <a:rPr dirty="0" lang="en-IN"/>
               <a:t>FEATURES AND FUNCTIONALITY</a:t>
             </a:r>
           </a:p>
@@ -7284,31 +7014,22 @@
       </p:sp>
       <p:sp>
         <p:nvSpPr>
-          <p:cNvPr id="4" name="TextBox 3">
-            <a:extLst>
-              <a:ext uri="{FF2B5EF4-FFF2-40B4-BE49-F238E27FC236}">
-                <a16:creationId xmlns:a16="http://schemas.microsoft.com/office/drawing/2014/main" id="{08A14C95-DD88-C41C-9ECD-95CDA83CA646}"/>
-              </a:ext>
-            </a:extLst>
-          </p:cNvPr>
+          <p:cNvPr id="1048664" name="TextBox 3"/>
           <p:cNvSpPr txBox="1"/>
           <p:nvPr/>
         </p:nvSpPr>
         <p:spPr>
           <a:xfrm>
             <a:off x="3050038" y="2142451"/>
-            <a:ext cx="6100074" cy="2585323"/>
-          </a:xfrm>
-          <a:prstGeom prst="rect">
-            <a:avLst/>
-          </a:prstGeom>
+            <a:ext cx="6100074" cy="2758440"/>
+          </a:xfrm>
+          <a:prstGeom prst="rect"/>
           <a:noFill/>
         </p:spPr>
         <p:txBody>
           <a:bodyPr wrap="square">
             <a:spAutoFit/>
           </a:bodyPr>
-          <a:lstStyle/>
           <a:p>
             <a:r>
               <a:rPr lang="en-US"/>
@@ -7318,11 +7039,6 @@
         </p:txBody>
       </p:sp>
     </p:spTree>
-    <p:extLst>
-      <p:ext uri="{BB962C8B-B14F-4D97-AF65-F5344CB8AC3E}">
-        <p14:creationId xmlns:p14="http://schemas.microsoft.com/office/powerpoint/2010/main" val="2720660618"/>
-      </p:ext>
-    </p:extLst>
   </p:cSld>
   <p:clrMapOvr>
     <a:masterClrMapping/>
@@ -7335,10 +7051,10 @@
   <a:themeElements>
     <a:clrScheme name="Office">
       <a:dk1>
-        <a:sysClr val="windowText" lastClr="000000"/>
+        <a:sysClr lastClr="000000" val="windowText"/>
       </a:dk1>
       <a:lt1>
-        <a:sysClr val="window" lastClr="FFFFFF"/>
+        <a:sysClr lastClr="FFFFFF" val="window"/>
       </a:lt1>
       <a:dk2>
         <a:srgbClr val="1F497D"/>
@@ -7519,7 +7235,7 @@
       <a:effectStyleLst>
         <a:effectStyle>
           <a:effectLst>
-            <a:outerShdw blurRad="40000" dist="20000" dir="5400000" rotWithShape="0">
+            <a:outerShdw blurRad="40000" dir="5400000" dist="20000" rotWithShape="0">
               <a:srgbClr val="000000">
                 <a:alpha val="38000"/>
               </a:srgbClr>
@@ -7528,7 +7244,7 @@
         </a:effectStyle>
         <a:effectStyle>
           <a:effectLst>
-            <a:outerShdw blurRad="40000" dist="23000" dir="5400000" rotWithShape="0">
+            <a:outerShdw blurRad="40000" dir="5400000" dist="23000" rotWithShape="0">
               <a:srgbClr val="000000">
                 <a:alpha val="35000"/>
               </a:srgbClr>
@@ -7537,7 +7253,7 @@
         </a:effectStyle>
         <a:effectStyle>
           <a:effectLst>
-            <a:outerShdw blurRad="40000" dist="23000" dir="5400000" rotWithShape="0">
+            <a:outerShdw blurRad="40000" dir="5400000" dist="23000" rotWithShape="0">
               <a:srgbClr val="000000">
                 <a:alpha val="35000"/>
               </a:srgbClr>
@@ -7547,7 +7263,7 @@
             <a:camera prst="orthographicFront">
               <a:rot lat="0" lon="0" rev="0"/>
             </a:camera>
-            <a:lightRig rig="threePt" dir="t">
+            <a:lightRig dir="t" rig="threePt">
               <a:rot lat="0" lon="0" rev="1200000"/>
             </a:lightRig>
           </a:scene3d>
@@ -7608,8 +7324,6 @@
       </a:bgFillStyleLst>
     </a:fmtScheme>
   </a:themeElements>
-  <a:objectDefaults/>
-  <a:extraClrSchemeLst/>
 </a:theme>
 </file>
 
@@ -7618,10 +7332,10 @@
   <a:themeElements>
     <a:clrScheme name="Office">
       <a:dk1>
-        <a:sysClr val="windowText" lastClr="000000"/>
+        <a:sysClr lastClr="000000" val="windowText"/>
       </a:dk1>
       <a:lt1>
-        <a:sysClr val="window" lastClr="FFFFFF"/>
+        <a:sysClr lastClr="FFFFFF" val="window"/>
       </a:lt1>
       <a:dk2>
         <a:srgbClr val="44546A"/>
@@ -7850,7 +7564,7 @@
         </a:effectStyle>
         <a:effectStyle>
           <a:effectLst>
-            <a:outerShdw blurRad="57150" dist="19050" dir="5400000" algn="ctr" rotWithShape="0">
+            <a:outerShdw algn="ctr" blurRad="57150" dir="5400000" dist="19050" rotWithShape="0">
               <a:srgbClr val="000000">
                 <a:alpha val="63000"/>
               </a:srgbClr>
@@ -7898,12 +7612,5 @@
       </a:bgFillStyleLst>
     </a:fmtScheme>
   </a:themeElements>
-  <a:objectDefaults/>
-  <a:extraClrSchemeLst/>
-  <a:extLst>
-    <a:ext uri="{05A4C25C-085E-4340-85A3-A5531E510DB2}">
-      <thm15:themeFamily xmlns:thm15="http://schemas.microsoft.com/office/thememl/2012/main" name="Office Theme" id="{62F939B6-93AF-4DB8-9C6B-D6C7DFDC589F}" vid="{4A3C46E8-61CC-4603-A589-7422A47A8E4A}"/>
-    </a:ext>
-  </a:extLst>
 </a:theme>
 </file>